--- a/Email Usage.pptx
+++ b/Email Usage.pptx
@@ -1,19 +1,19 @@
 
 <file path=ppt/presentation.xml><?xml version="1.0" encoding="utf-8"?>
-<p:presentation xmlns:a="http://schemas.openxmlformats.org/drawingml/2006/main" xmlns:r="http://schemas.openxmlformats.org/officeDocument/2006/relationships" xmlns:p="http://schemas.openxmlformats.org/presentationml/2006/main" xmlns:m="http://schemas.openxmlformats.org/officeDocument/2006/math" xmlns:a14="http://schemas.microsoft.com/office/drawing/2010/main">
+<p:presentation xmlns:a="http://schemas.openxmlformats.org/drawingml/2006/main" xmlns:r="http://schemas.openxmlformats.org/officeDocument/2006/relationships" xmlns:p="http://schemas.openxmlformats.org/presentationml/2006/main">
   <p:sldMasterIdLst>
-    <p:sldMasterId id="2147483648" r:id="rId5"/>
+    <p:sldMasterId id="2147483648" r:id="rId1"/>
   </p:sldMasterIdLst>
   <p:notesMasterIdLst>
-    <p:notesMasterId r:id="rId7"/>
+    <p:notesMasterId r:id="rId8"/>
   </p:notesMasterIdLst>
   <p:sldIdLst>
-    <p:sldId id="256" r:id="rId8"/>
-    <p:sldId id="257" r:id="rId9"/>
-    <p:sldId id="258" r:id="rId10"/>
-    <p:sldId id="259" r:id="rId11"/>
-    <p:sldId id="260" r:id="rId12"/>
-    <p:sldId id="261" r:id="rId13"/>
+    <p:sldId id="256" r:id="rId2"/>
+    <p:sldId id="257" r:id="rId3"/>
+    <p:sldId id="258" r:id="rId4"/>
+    <p:sldId id="259" r:id="rId5"/>
+    <p:sldId id="260" r:id="rId6"/>
+    <p:sldId id="261" r:id="rId7"/>
   </p:sldIdLst>
   <p:sldSz cx="24384000" cy="13716000"/>
   <p:notesSz cx="6858000" cy="9144000"/>
@@ -33,7 +33,7 @@
       <a:buFontTx/>
       <a:buNone/>
       <a:tabLst/>
-      <a:defRPr b="0" baseline="0" cap="none" i="0" spc="0" strike="noStrike" sz="1800" u="none" kumimoji="0" normalizeH="0">
+      <a:defRPr kumimoji="0" sz="1800" b="0" i="0" u="none" strike="noStrike" cap="none" spc="0" normalizeH="0" baseline="0">
         <a:ln>
           <a:noFill/>
         </a:ln>
@@ -59,7 +59,7 @@
       <a:buFontTx/>
       <a:buNone/>
       <a:tabLst/>
-      <a:defRPr b="0" baseline="0" cap="none" i="0" spc="0" strike="noStrike" sz="2400" u="none" kumimoji="0" normalizeH="0">
+      <a:defRPr kumimoji="0" sz="2400" b="0" i="0" u="none" strike="noStrike" cap="none" spc="0" normalizeH="0" baseline="0">
         <a:ln>
           <a:noFill/>
         </a:ln>
@@ -89,7 +89,7 @@
       <a:buFontTx/>
       <a:buNone/>
       <a:tabLst/>
-      <a:defRPr b="0" baseline="0" cap="none" i="0" spc="0" strike="noStrike" sz="2400" u="none" kumimoji="0" normalizeH="0">
+      <a:defRPr kumimoji="0" sz="2400" b="0" i="0" u="none" strike="noStrike" cap="none" spc="0" normalizeH="0" baseline="0">
         <a:ln>
           <a:noFill/>
         </a:ln>
@@ -119,7 +119,7 @@
       <a:buFontTx/>
       <a:buNone/>
       <a:tabLst/>
-      <a:defRPr b="0" baseline="0" cap="none" i="0" spc="0" strike="noStrike" sz="2400" u="none" kumimoji="0" normalizeH="0">
+      <a:defRPr kumimoji="0" sz="2400" b="0" i="0" u="none" strike="noStrike" cap="none" spc="0" normalizeH="0" baseline="0">
         <a:ln>
           <a:noFill/>
         </a:ln>
@@ -149,7 +149,7 @@
       <a:buFontTx/>
       <a:buNone/>
       <a:tabLst/>
-      <a:defRPr b="0" baseline="0" cap="none" i="0" spc="0" strike="noStrike" sz="2400" u="none" kumimoji="0" normalizeH="0">
+      <a:defRPr kumimoji="0" sz="2400" b="0" i="0" u="none" strike="noStrike" cap="none" spc="0" normalizeH="0" baseline="0">
         <a:ln>
           <a:noFill/>
         </a:ln>
@@ -179,7 +179,7 @@
       <a:buFontTx/>
       <a:buNone/>
       <a:tabLst/>
-      <a:defRPr b="0" baseline="0" cap="none" i="0" spc="0" strike="noStrike" sz="2400" u="none" kumimoji="0" normalizeH="0">
+      <a:defRPr kumimoji="0" sz="2400" b="0" i="0" u="none" strike="noStrike" cap="none" spc="0" normalizeH="0" baseline="0">
         <a:ln>
           <a:noFill/>
         </a:ln>
@@ -209,7 +209,7 @@
       <a:buFontTx/>
       <a:buNone/>
       <a:tabLst/>
-      <a:defRPr b="0" baseline="0" cap="none" i="0" spc="0" strike="noStrike" sz="2400" u="none" kumimoji="0" normalizeH="0">
+      <a:defRPr kumimoji="0" sz="2400" b="0" i="0" u="none" strike="noStrike" cap="none" spc="0" normalizeH="0" baseline="0">
         <a:ln>
           <a:noFill/>
         </a:ln>
@@ -239,7 +239,7 @@
       <a:buFontTx/>
       <a:buNone/>
       <a:tabLst/>
-      <a:defRPr b="0" baseline="0" cap="none" i="0" spc="0" strike="noStrike" sz="2400" u="none" kumimoji="0" normalizeH="0">
+      <a:defRPr kumimoji="0" sz="2400" b="0" i="0" u="none" strike="noStrike" cap="none" spc="0" normalizeH="0" baseline="0">
         <a:ln>
           <a:noFill/>
         </a:ln>
@@ -269,7 +269,7 @@
       <a:buFontTx/>
       <a:buNone/>
       <a:tabLst/>
-      <a:defRPr b="0" baseline="0" cap="none" i="0" spc="0" strike="noStrike" sz="2400" u="none" kumimoji="0" normalizeH="0">
+      <a:defRPr kumimoji="0" sz="2400" b="0" i="0" u="none" strike="noStrike" cap="none" spc="0" normalizeH="0" baseline="0">
         <a:ln>
           <a:noFill/>
         </a:ln>
@@ -299,7 +299,7 @@
       <a:buFontTx/>
       <a:buNone/>
       <a:tabLst/>
-      <a:defRPr b="0" baseline="0" cap="none" i="0" spc="0" strike="noStrike" sz="2400" u="none" kumimoji="0" normalizeH="0">
+      <a:defRPr kumimoji="0" sz="2400" b="0" i="0" u="none" strike="noStrike" cap="none" spc="0" normalizeH="0" baseline="0">
         <a:ln>
           <a:noFill/>
         </a:ln>
@@ -315,17 +315,20 @@
       </a:defRPr>
     </a:lvl9pPr>
   </p:defaultTextStyle>
+  <p:extLst>
+    <p:ext uri="{EFAFB233-063F-42B5-8137-9DF3F51BA10A}">
+      <p15:sldGuideLst xmlns:p15="http://schemas.microsoft.com/office/powerpoint/2012/main"/>
+    </p:ext>
+  </p:extLst>
 </p:presentation>
 </file>
 
-<file path=ppt/commentAuthors.xml><?xml version="1.0" encoding="utf-8"?>
-<p:cmAuthorLst xmlns:a="http://schemas.openxmlformats.org/drawingml/2006/main" xmlns:r="http://schemas.openxmlformats.org/officeDocument/2006/relationships" xmlns:p="http://schemas.openxmlformats.org/presentationml/2006/main" xmlns:m="http://schemas.openxmlformats.org/officeDocument/2006/math" xmlns:a14="http://schemas.microsoft.com/office/drawing/2010/main"/>
-</file>
-
 <file path=ppt/charts/chart1.xml><?xml version="1.0" encoding="utf-8"?>
-<c:chartSpace xmlns:c="http://schemas.openxmlformats.org/drawingml/2006/chart" xmlns:a="http://schemas.openxmlformats.org/drawingml/2006/main" xmlns:r="http://schemas.openxmlformats.org/officeDocument/2006/relationships">
+<c:chartSpace xmlns:c="http://schemas.openxmlformats.org/drawingml/2006/chart" xmlns:a="http://schemas.openxmlformats.org/drawingml/2006/main" xmlns:r="http://schemas.openxmlformats.org/officeDocument/2006/relationships" xmlns:c16r2="http://schemas.microsoft.com/office/drawing/2015/06/chart">
   <c:date1904 val="1"/>
+  <c:lang val="en-US"/>
   <c:roundedCorners val="0"/>
+  <c:style val="2"/>
   <c:chart>
     <c:autoTitleDeleted val="1"/>
     <c:plotArea>
@@ -335,9 +338,9 @@
           <c:xMode val="edge"/>
           <c:yMode val="edge"/>
           <c:x val="0.105173"/>
-          <c:y val="0.0706839"/>
-          <c:w val="0.889827"/>
-          <c:h val="0.812997"/>
+          <c:y val="7.0683899999999994E-2"/>
+          <c:w val="0.88982700000000003"/>
+          <c:h val="0.81299699999999997"/>
         </c:manualLayout>
       </c:layout>
       <c:barChart>
@@ -369,31 +372,6 @@
             <a:effectLst/>
           </c:spPr>
           <c:invertIfNegative val="0"/>
-          <c:dLbls>
-            <c:numFmt formatCode="#,##0" sourceLinked="0"/>
-            <c:txPr>
-              <a:bodyPr/>
-              <a:lstStyle/>
-              <a:p>
-                <a:pPr>
-                  <a:defRPr b="0" i="0" strike="noStrike" sz="5000" u="none">
-                    <a:solidFill>
-                      <a:srgbClr val="FFFFFF"/>
-                    </a:solidFill>
-                    <a:latin typeface="Helvetica Neue"/>
-                  </a:defRPr>
-                </a:pPr>
-              </a:p>
-            </c:txPr>
-            <c:dLblPos val="inEnd"/>
-            <c:showLegendKey val="0"/>
-            <c:showVal val="0"/>
-            <c:showCatName val="0"/>
-            <c:showSerName val="0"/>
-            <c:showPercent val="0"/>
-            <c:showBubbleSize val="0"/>
-            <c:showLeaderLines val="0"/>
-          </c:dLbls>
           <c:cat>
             <c:strRef>
               <c:f>Sheet1!$B$1:$E$1</c:f>
@@ -418,23 +396,37 @@
             <c:numRef>
               <c:f>Sheet1!$B$2:$E$2</c:f>
               <c:numCache>
+                <c:formatCode>General</c:formatCode>
                 <c:ptCount val="4"/>
                 <c:pt idx="0">
-                  <c:v>5.000000</c:v>
+                  <c:v>5</c:v>
                 </c:pt>
                 <c:pt idx="1">
-                  <c:v>23.000000</c:v>
+                  <c:v>23</c:v>
                 </c:pt>
                 <c:pt idx="2">
-                  <c:v>3.500000</c:v>
+                  <c:v>3.5</c:v>
                 </c:pt>
                 <c:pt idx="3">
-                  <c:v>1.500000</c:v>
+                  <c:v>1.5</c:v>
                 </c:pt>
               </c:numCache>
             </c:numRef>
           </c:val>
+          <c:extLst>
+            <c:ext xmlns:c16="http://schemas.microsoft.com/office/drawing/2014/chart" uri="{C3380CC4-5D6E-409C-BE32-E72D297353CC}">
+              <c16:uniqueId val="{00000000-EA33-C342-B0E4-61D9A279E8D4}"/>
+            </c:ext>
+          </c:extLst>
         </c:ser>
+        <c:dLbls>
+          <c:showLegendKey val="0"/>
+          <c:showVal val="0"/>
+          <c:showCatName val="0"/>
+          <c:showSerName val="0"/>
+          <c:showPercent val="0"/>
+          <c:showBubbleSize val="0"/>
+        </c:dLbls>
         <c:gapWidth val="40"/>
         <c:overlap val="-10"/>
         <c:axId val="2094734552"/>
@@ -465,19 +457,21 @@
           <a:lstStyle/>
           <a:p>
             <a:pPr>
-              <a:defRPr b="0" i="0" strike="noStrike" sz="3400" u="none">
+              <a:defRPr sz="3400" b="0" i="0" u="none" strike="noStrike">
                 <a:solidFill>
                   <a:srgbClr val="000000"/>
                 </a:solidFill>
                 <a:latin typeface="Helvetica Neue"/>
               </a:defRPr>
             </a:pPr>
+            <a:endParaRPr lang="en-US"/>
           </a:p>
         </c:txPr>
         <c:crossAx val="2094734553"/>
         <c:crosses val="autoZero"/>
         <c:auto val="1"/>
         <c:lblAlgn val="ctr"/>
+        <c:lblOffset val="100"/>
         <c:noMultiLvlLbl val="1"/>
       </c:catAx>
       <c:valAx>
@@ -514,13 +508,14 @@
           <a:lstStyle/>
           <a:p>
             <a:pPr>
-              <a:defRPr b="0" i="0" strike="noStrike" sz="3400" u="none">
+              <a:defRPr sz="3400" b="0" i="0" u="none" strike="noStrike">
                 <a:solidFill>
                   <a:srgbClr val="000000"/>
                 </a:solidFill>
                 <a:latin typeface="Helvetica Neue"/>
               </a:defRPr>
             </a:pPr>
+            <a:endParaRPr lang="en-US"/>
           </a:p>
         </c:txPr>
         <c:crossAx val="2094734552"/>
@@ -540,6 +535,7 @@
     </c:plotArea>
     <c:plotVisOnly val="1"/>
     <c:dispBlanksAs val="gap"/>
+    <c:showDLblsOverMax val="1"/>
   </c:chart>
   <c:spPr>
     <a:noFill/>
@@ -555,9 +551,11 @@
 </file>
 
 <file path=ppt/charts/chart2.xml><?xml version="1.0" encoding="utf-8"?>
-<c:chartSpace xmlns:c="http://schemas.openxmlformats.org/drawingml/2006/chart" xmlns:a="http://schemas.openxmlformats.org/drawingml/2006/main" xmlns:r="http://schemas.openxmlformats.org/officeDocument/2006/relationships">
+<c:chartSpace xmlns:c="http://schemas.openxmlformats.org/drawingml/2006/chart" xmlns:a="http://schemas.openxmlformats.org/drawingml/2006/main" xmlns:r="http://schemas.openxmlformats.org/officeDocument/2006/relationships" xmlns:c16r2="http://schemas.microsoft.com/office/drawing/2015/06/chart">
   <c:date1904 val="1"/>
+  <c:lang val="en-US"/>
   <c:roundedCorners val="0"/>
+  <c:style val="2"/>
   <c:chart>
     <c:autoTitleDeleted val="1"/>
     <c:plotArea>
@@ -567,9 +565,9 @@
           <c:xMode val="edge"/>
           <c:yMode val="edge"/>
           <c:x val="0.118865"/>
-          <c:y val="0.0706839"/>
-          <c:w val="0.858505"/>
-          <c:h val="0.813902"/>
+          <c:y val="7.0683899999999994E-2"/>
+          <c:w val="0.85850499999999996"/>
+          <c:h val="0.81390200000000001"/>
         </c:manualLayout>
       </c:layout>
       <c:barChart>
@@ -601,31 +599,6 @@
             <a:effectLst/>
           </c:spPr>
           <c:invertIfNegative val="0"/>
-          <c:dLbls>
-            <c:numFmt formatCode="#,##0" sourceLinked="0"/>
-            <c:txPr>
-              <a:bodyPr/>
-              <a:lstStyle/>
-              <a:p>
-                <a:pPr>
-                  <a:defRPr b="0" i="0" strike="noStrike" sz="5000" u="none">
-                    <a:solidFill>
-                      <a:srgbClr val="FFFFFF"/>
-                    </a:solidFill>
-                    <a:latin typeface="Helvetica Neue"/>
-                  </a:defRPr>
-                </a:pPr>
-              </a:p>
-            </c:txPr>
-            <c:dLblPos val="inEnd"/>
-            <c:showLegendKey val="0"/>
-            <c:showVal val="0"/>
-            <c:showCatName val="0"/>
-            <c:showSerName val="0"/>
-            <c:showPercent val="0"/>
-            <c:showBubbleSize val="0"/>
-            <c:showLeaderLines val="0"/>
-          </c:dLbls>
           <c:cat>
             <c:strRef>
               <c:f>Sheet1!$B$1:$E$1</c:f>
@@ -640,9 +613,6 @@
                 <c:pt idx="2">
                   <c:v>2018</c:v>
                 </c:pt>
-                <c:pt idx="3">
-                  <c:v/>
-                </c:pt>
               </c:strCache>
             </c:strRef>
           </c:cat>
@@ -650,20 +620,34 @@
             <c:numRef>
               <c:f>Sheet1!$B$2:$E$2</c:f>
               <c:numCache>
+                <c:formatCode>General</c:formatCode>
                 <c:ptCount val="3"/>
                 <c:pt idx="0">
-                  <c:v>9.000000</c:v>
+                  <c:v>9</c:v>
                 </c:pt>
                 <c:pt idx="1">
-                  <c:v>10.000000</c:v>
+                  <c:v>10</c:v>
                 </c:pt>
                 <c:pt idx="2">
-                  <c:v>18.000000</c:v>
+                  <c:v>18</c:v>
                 </c:pt>
               </c:numCache>
             </c:numRef>
           </c:val>
+          <c:extLst>
+            <c:ext xmlns:c16="http://schemas.microsoft.com/office/drawing/2014/chart" uri="{C3380CC4-5D6E-409C-BE32-E72D297353CC}">
+              <c16:uniqueId val="{00000000-0C1C-5F42-AF33-51542BBDFC47}"/>
+            </c:ext>
+          </c:extLst>
         </c:ser>
+        <c:dLbls>
+          <c:showLegendKey val="0"/>
+          <c:showVal val="0"/>
+          <c:showCatName val="0"/>
+          <c:showSerName val="0"/>
+          <c:showPercent val="0"/>
+          <c:showBubbleSize val="0"/>
+        </c:dLbls>
         <c:gapWidth val="40"/>
         <c:overlap val="100"/>
         <c:axId val="2094734552"/>
@@ -694,19 +678,21 @@
           <a:lstStyle/>
           <a:p>
             <a:pPr>
-              <a:defRPr b="0" i="0" strike="noStrike" sz="3400" u="none">
+              <a:defRPr sz="3400" b="0" i="0" u="none" strike="noStrike">
                 <a:solidFill>
                   <a:srgbClr val="000000"/>
                 </a:solidFill>
                 <a:latin typeface="Helvetica Neue"/>
               </a:defRPr>
             </a:pPr>
+            <a:endParaRPr lang="en-US"/>
           </a:p>
         </c:txPr>
         <c:crossAx val="2094734553"/>
         <c:crosses val="autoZero"/>
         <c:auto val="1"/>
         <c:lblAlgn val="ctr"/>
+        <c:lblOffset val="100"/>
         <c:noMultiLvlLbl val="1"/>
       </c:catAx>
       <c:valAx>
@@ -715,7 +701,7 @@
           <c:orientation val="minMax"/>
         </c:scaling>
         <c:delete val="0"/>
-        <c:axPos val="b"/>
+        <c:axPos val="t"/>
         <c:majorGridlines>
           <c:spPr>
             <a:ln w="12700" cap="flat">
@@ -743,13 +729,14 @@
           <a:lstStyle/>
           <a:p>
             <a:pPr>
-              <a:defRPr b="0" i="0" strike="noStrike" sz="3400" u="none">
+              <a:defRPr sz="3400" b="0" i="0" u="none" strike="noStrike">
                 <a:solidFill>
                   <a:srgbClr val="000000"/>
                 </a:solidFill>
                 <a:latin typeface="Helvetica Neue"/>
               </a:defRPr>
             </a:pPr>
+            <a:endParaRPr lang="en-US"/>
           </a:p>
         </c:txPr>
         <c:crossAx val="2094734552"/>
@@ -769,6 +756,7 @@
     </c:plotArea>
     <c:plotVisOnly val="1"/>
     <c:dispBlanksAs val="gap"/>
+    <c:showDLblsOverMax val="1"/>
   </c:chart>
   <c:spPr>
     <a:noFill/>
@@ -784,8 +772,13 @@
 </file>
 
 <file path=ppt/notesMasters/notesMaster1.xml><?xml version="1.0" encoding="utf-8"?>
-<p:notesMaster xmlns:a="http://schemas.openxmlformats.org/drawingml/2006/main" xmlns:r="http://schemas.openxmlformats.org/officeDocument/2006/relationships" xmlns:p="http://schemas.openxmlformats.org/presentationml/2006/main" xmlns:m="http://schemas.openxmlformats.org/officeDocument/2006/math" xmlns:a14="http://schemas.microsoft.com/office/drawing/2010/main">
+<p:notesMaster xmlns:a="http://schemas.openxmlformats.org/drawingml/2006/main" xmlns:r="http://schemas.openxmlformats.org/officeDocument/2006/relationships" xmlns:p="http://schemas.openxmlformats.org/presentationml/2006/main">
   <p:cSld>
+    <p:bg>
+      <p:bgRef idx="1001">
+        <a:schemeClr val="bg1"/>
+      </p:bgRef>
+    </p:bg>
     <p:spTree>
       <p:nvGrpSpPr>
         <p:cNvPr id="1" name=""/>
@@ -803,7 +796,9 @@
       <p:sp>
         <p:nvSpPr>
           <p:cNvPr id="148" name="Shape 148"/>
-          <p:cNvSpPr/>
+          <p:cNvSpPr>
+            <a:spLocks noGrp="1" noRot="1" noChangeAspect="1"/>
+          </p:cNvSpPr>
           <p:nvPr>
             <p:ph type="sldImg"/>
           </p:nvPr>
@@ -821,14 +816,16 @@
           <a:bodyPr/>
           <a:lstStyle/>
           <a:p>
-            <a:pPr/>
+            <a:endParaRPr/>
           </a:p>
         </p:txBody>
       </p:sp>
       <p:sp>
         <p:nvSpPr>
           <p:cNvPr id="149" name="Shape 149"/>
-          <p:cNvSpPr/>
+          <p:cNvSpPr>
+            <a:spLocks noGrp="1"/>
+          </p:cNvSpPr>
           <p:nvPr>
             <p:ph type="body" sz="quarter" idx="1"/>
           </p:nvPr>
@@ -846,7 +843,7 @@
           <a:bodyPr/>
           <a:lstStyle/>
           <a:p>
-            <a:pPr/>
+            <a:endParaRPr/>
           </a:p>
         </p:txBody>
       </p:sp>
@@ -958,13 +955,14 @@
 </file>
 
 <file path=ppt/slideLayouts/slideLayout1.xml><?xml version="1.0" encoding="utf-8"?>
-<p:sldLayout xmlns:a="http://schemas.openxmlformats.org/drawingml/2006/main" xmlns:r="http://schemas.openxmlformats.org/officeDocument/2006/relationships" xmlns:p="http://schemas.openxmlformats.org/presentationml/2006/main" xmlns:m="http://schemas.openxmlformats.org/officeDocument/2006/math" xmlns:a14="http://schemas.microsoft.com/office/drawing/2010/main" type="title" showMasterSp="1" showMasterPhAnim="1">
+<p:sldLayout xmlns:a="http://schemas.openxmlformats.org/drawingml/2006/main" xmlns:r="http://schemas.openxmlformats.org/officeDocument/2006/relationships" xmlns:p="http://schemas.openxmlformats.org/presentationml/2006/main" type="title">
   <p:cSld name="Title">
     <p:bg>
       <p:bgPr>
         <a:solidFill>
           <a:srgbClr val="003462"/>
         </a:solidFill>
+        <a:effectLst/>
       </p:bgPr>
     </p:bg>
     <p:spTree>
@@ -984,7 +982,9 @@
       <p:sp>
         <p:nvSpPr>
           <p:cNvPr id="11" name="Author and Date"/>
-          <p:cNvSpPr txBox="1"/>
+          <p:cNvSpPr txBox="1">
+            <a:spLocks noGrp="1"/>
+          </p:cNvSpPr>
           <p:nvPr>
             <p:ph type="body" sz="quarter" idx="21" hasCustomPrompt="1"/>
           </p:nvPr>
@@ -1010,7 +1010,7 @@
               </a:spcBef>
               <a:buSzTx/>
               <a:buNone/>
-              <a:defRPr b="1" sz="3600">
+              <a:defRPr sz="3600" b="1">
                 <a:solidFill>
                   <a:srgbClr val="FFFFFF"/>
                 </a:solidFill>
@@ -1018,7 +1018,6 @@
             </a:lvl1pPr>
           </a:lstStyle>
           <a:p>
-            <a:pPr/>
             <a:r>
               <a:t>Author and Date</a:t>
             </a:r>
@@ -1028,7 +1027,9 @@
       <p:sp>
         <p:nvSpPr>
           <p:cNvPr id="12" name="Presentation Title"/>
-          <p:cNvSpPr txBox="1"/>
+          <p:cNvSpPr txBox="1">
+            <a:spLocks noGrp="1"/>
+          </p:cNvSpPr>
           <p:nvPr>
             <p:ph type="title" hasCustomPrompt="1"/>
           </p:nvPr>
@@ -1046,7 +1047,7 @@
           <a:bodyPr anchor="b"/>
           <a:lstStyle>
             <a:lvl1pPr>
-              <a:defRPr spc="-232" sz="11600">
+              <a:defRPr sz="11600" spc="-232">
                 <a:solidFill>
                   <a:srgbClr val="FFFFFF"/>
                 </a:solidFill>
@@ -1054,7 +1055,6 @@
             </a:lvl1pPr>
           </a:lstStyle>
           <a:p>
-            <a:pPr/>
             <a:r>
               <a:t>Presentation Title</a:t>
             </a:r>
@@ -1064,7 +1064,9 @@
       <p:sp>
         <p:nvSpPr>
           <p:cNvPr id="13" name="Body Level One…"/>
-          <p:cNvSpPr txBox="1"/>
+          <p:cNvSpPr txBox="1">
+            <a:spLocks noGrp="1"/>
+          </p:cNvSpPr>
           <p:nvPr>
             <p:ph type="body" sz="quarter" idx="1" hasCustomPrompt="1"/>
           </p:nvPr>
@@ -1090,7 +1092,7 @@
               </a:spcBef>
               <a:buSzTx/>
               <a:buNone/>
-              <a:defRPr b="1" sz="5500">
+              <a:defRPr sz="5500" b="1">
                 <a:solidFill>
                   <a:schemeClr val="accent1"/>
                 </a:solidFill>
@@ -1105,7 +1107,7 @@
               </a:spcBef>
               <a:buSzTx/>
               <a:buNone/>
-              <a:defRPr b="1" sz="5500">
+              <a:defRPr sz="5500" b="1">
                 <a:solidFill>
                   <a:schemeClr val="accent1"/>
                 </a:solidFill>
@@ -1120,7 +1122,7 @@
               </a:spcBef>
               <a:buSzTx/>
               <a:buNone/>
-              <a:defRPr b="1" sz="5500">
+              <a:defRPr sz="5500" b="1">
                 <a:solidFill>
                   <a:schemeClr val="accent1"/>
                 </a:solidFill>
@@ -1135,7 +1137,7 @@
               </a:spcBef>
               <a:buSzTx/>
               <a:buNone/>
-              <a:defRPr b="1" sz="5500">
+              <a:defRPr sz="5500" b="1">
                 <a:solidFill>
                   <a:schemeClr val="accent1"/>
                 </a:solidFill>
@@ -1150,7 +1152,7 @@
               </a:spcBef>
               <a:buSzTx/>
               <a:buNone/>
-              <a:defRPr b="1" sz="5500">
+              <a:defRPr sz="5500" b="1">
                 <a:solidFill>
                   <a:schemeClr val="accent1"/>
                 </a:solidFill>
@@ -1158,41 +1160,34 @@
             </a:lvl5pPr>
           </a:lstStyle>
           <a:p>
-            <a:pPr/>
             <a:r>
               <a:t>Presentation Subtitle</a:t>
             </a:r>
           </a:p>
           <a:p>
             <a:pPr lvl="1"/>
-            <a:r>
-              <a:t/>
-            </a:r>
+            <a:endParaRPr/>
           </a:p>
           <a:p>
             <a:pPr lvl="2"/>
-            <a:r>
-              <a:t/>
-            </a:r>
+            <a:endParaRPr/>
           </a:p>
           <a:p>
             <a:pPr lvl="3"/>
-            <a:r>
-              <a:t/>
-            </a:r>
+            <a:endParaRPr/>
           </a:p>
           <a:p>
             <a:pPr lvl="4"/>
-            <a:r>
-              <a:t/>
-            </a:r>
+            <a:endParaRPr/>
           </a:p>
         </p:txBody>
       </p:sp>
       <p:sp>
         <p:nvSpPr>
           <p:cNvPr id="14" name="Slide Number"/>
-          <p:cNvSpPr txBox="1"/>
+          <p:cNvSpPr txBox="1">
+            <a:spLocks noGrp="1"/>
+          </p:cNvSpPr>
           <p:nvPr>
             <p:ph type="sldNum" sz="quarter" idx="2"/>
           </p:nvPr>
@@ -1214,8 +1209,10 @@
             </a:lvl1pPr>
           </a:lstStyle>
           <a:p>
-            <a:pPr/>
-            <a:fld id="{86CB4B4D-7CA3-9044-876B-883B54F8677D}" type="slidenum"/>
+            <a:fld id="{86CB4B4D-7CA3-9044-876B-883B54F8677D}" type="slidenum">
+              <a:t>‹#›</a:t>
+            </a:fld>
+            <a:endParaRPr/>
           </a:p>
         </p:txBody>
       </p:sp>
@@ -1224,12 +1221,12 @@
   <p:clrMapOvr>
     <a:masterClrMapping/>
   </p:clrMapOvr>
-  <p:transition xmlns:p14="http://schemas.microsoft.com/office/powerpoint/2010/main" spd="med" advClick="1"/>
+  <p:transition spd="med"/>
 </p:sldLayout>
 </file>
 
 <file path=ppt/slideLayouts/slideLayout10.xml><?xml version="1.0" encoding="utf-8"?>
-<p:sldLayout xmlns:a="http://schemas.openxmlformats.org/drawingml/2006/main" xmlns:r="http://schemas.openxmlformats.org/officeDocument/2006/relationships" xmlns:p="http://schemas.openxmlformats.org/presentationml/2006/main" xmlns:m="http://schemas.openxmlformats.org/officeDocument/2006/math" xmlns:a14="http://schemas.microsoft.com/office/drawing/2010/main" type="tx" showMasterSp="1" showMasterPhAnim="1">
+<p:sldLayout xmlns:a="http://schemas.openxmlformats.org/drawingml/2006/main" xmlns:r="http://schemas.openxmlformats.org/officeDocument/2006/relationships" xmlns:p="http://schemas.openxmlformats.org/presentationml/2006/main" type="tx">
   <p:cSld name="Statement">
     <p:spTree>
       <p:nvGrpSpPr>
@@ -1248,7 +1245,9 @@
       <p:sp>
         <p:nvSpPr>
           <p:cNvPr id="98" name="Body Level One…"/>
-          <p:cNvSpPr txBox="1"/>
+          <p:cNvSpPr txBox="1">
+            <a:spLocks noGrp="1"/>
+          </p:cNvSpPr>
           <p:nvPr>
             <p:ph type="body" sz="half" idx="1" hasCustomPrompt="1"/>
           </p:nvPr>
@@ -1274,7 +1273,7 @@
               </a:spcBef>
               <a:buSzTx/>
               <a:buNone/>
-              <a:defRPr spc="-232" sz="11600">
+              <a:defRPr sz="11600" spc="-232">
                 <a:solidFill>
                   <a:schemeClr val="accent1">
                     <a:hueOff val="114395"/>
@@ -1296,7 +1295,7 @@
               </a:spcBef>
               <a:buSzTx/>
               <a:buNone/>
-              <a:defRPr spc="-232" sz="11600">
+              <a:defRPr sz="11600" spc="-232">
                 <a:solidFill>
                   <a:schemeClr val="accent1">
                     <a:hueOff val="114395"/>
@@ -1318,7 +1317,7 @@
               </a:spcBef>
               <a:buSzTx/>
               <a:buNone/>
-              <a:defRPr spc="-232" sz="11600">
+              <a:defRPr sz="11600" spc="-232">
                 <a:solidFill>
                   <a:schemeClr val="accent1">
                     <a:hueOff val="114395"/>
@@ -1340,7 +1339,7 @@
               </a:spcBef>
               <a:buSzTx/>
               <a:buNone/>
-              <a:defRPr spc="-232" sz="11600">
+              <a:defRPr sz="11600" spc="-232">
                 <a:solidFill>
                   <a:schemeClr val="accent1">
                     <a:hueOff val="114395"/>
@@ -1362,7 +1361,7 @@
               </a:spcBef>
               <a:buSzTx/>
               <a:buNone/>
-              <a:defRPr spc="-232" sz="11600">
+              <a:defRPr sz="11600" spc="-232">
                 <a:solidFill>
                   <a:schemeClr val="accent1">
                     <a:hueOff val="114395"/>
@@ -1377,41 +1376,34 @@
             </a:lvl5pPr>
           </a:lstStyle>
           <a:p>
-            <a:pPr/>
             <a:r>
               <a:t>Statement</a:t>
             </a:r>
           </a:p>
           <a:p>
             <a:pPr lvl="1"/>
-            <a:r>
-              <a:t/>
-            </a:r>
+            <a:endParaRPr/>
           </a:p>
           <a:p>
             <a:pPr lvl="2"/>
-            <a:r>
-              <a:t/>
-            </a:r>
+            <a:endParaRPr/>
           </a:p>
           <a:p>
             <a:pPr lvl="3"/>
-            <a:r>
-              <a:t/>
-            </a:r>
+            <a:endParaRPr/>
           </a:p>
           <a:p>
             <a:pPr lvl="4"/>
-            <a:r>
-              <a:t/>
-            </a:r>
+            <a:endParaRPr/>
           </a:p>
         </p:txBody>
       </p:sp>
       <p:sp>
         <p:nvSpPr>
           <p:cNvPr id="99" name="Slide Number"/>
-          <p:cNvSpPr txBox="1"/>
+          <p:cNvSpPr txBox="1">
+            <a:spLocks noGrp="1"/>
+          </p:cNvSpPr>
           <p:nvPr>
             <p:ph type="sldNum" sz="quarter" idx="2"/>
           </p:nvPr>
@@ -1425,8 +1417,10 @@
           <a:bodyPr/>
           <a:lstStyle/>
           <a:p>
-            <a:pPr/>
-            <a:fld id="{86CB4B4D-7CA3-9044-876B-883B54F8677D}" type="slidenum"/>
+            <a:fld id="{86CB4B4D-7CA3-9044-876B-883B54F8677D}" type="slidenum">
+              <a:t>‹#›</a:t>
+            </a:fld>
+            <a:endParaRPr/>
           </a:p>
         </p:txBody>
       </p:sp>
@@ -1435,12 +1429,12 @@
   <p:clrMapOvr>
     <a:masterClrMapping/>
   </p:clrMapOvr>
-  <p:transition xmlns:p14="http://schemas.microsoft.com/office/powerpoint/2010/main" spd="med" advClick="1"/>
+  <p:transition spd="med"/>
 </p:sldLayout>
 </file>
 
 <file path=ppt/slideLayouts/slideLayout11.xml><?xml version="1.0" encoding="utf-8"?>
-<p:sldLayout xmlns:a="http://schemas.openxmlformats.org/drawingml/2006/main" xmlns:r="http://schemas.openxmlformats.org/officeDocument/2006/relationships" xmlns:p="http://schemas.openxmlformats.org/presentationml/2006/main" xmlns:m="http://schemas.openxmlformats.org/officeDocument/2006/math" xmlns:a14="http://schemas.microsoft.com/office/drawing/2010/main" type="tx" showMasterSp="1" showMasterPhAnim="1">
+<p:sldLayout xmlns:a="http://schemas.openxmlformats.org/drawingml/2006/main" xmlns:r="http://schemas.openxmlformats.org/officeDocument/2006/relationships" xmlns:p="http://schemas.openxmlformats.org/presentationml/2006/main" type="tx">
   <p:cSld name="Big Fact">
     <p:spTree>
       <p:nvGrpSpPr>
@@ -1459,7 +1453,9 @@
       <p:sp>
         <p:nvSpPr>
           <p:cNvPr id="106" name="Body Level One…"/>
-          <p:cNvSpPr txBox="1"/>
+          <p:cNvSpPr txBox="1">
+            <a:spLocks noGrp="1"/>
+          </p:cNvSpPr>
           <p:nvPr>
             <p:ph type="body" idx="1" hasCustomPrompt="1"/>
           </p:nvPr>
@@ -1485,7 +1481,7 @@
               </a:spcBef>
               <a:buSzTx/>
               <a:buNone/>
-              <a:defRPr b="1" spc="-250" sz="25000">
+              <a:defRPr sz="25000" b="1" spc="-250">
                 <a:solidFill>
                   <a:schemeClr val="accent1">
                     <a:hueOff val="114395"/>
@@ -1503,7 +1499,7 @@
               </a:spcBef>
               <a:buSzTx/>
               <a:buNone/>
-              <a:defRPr b="1" spc="-250" sz="25000">
+              <a:defRPr sz="25000" b="1" spc="-250">
                 <a:solidFill>
                   <a:schemeClr val="accent1">
                     <a:hueOff val="114395"/>
@@ -1521,7 +1517,7 @@
               </a:spcBef>
               <a:buSzTx/>
               <a:buNone/>
-              <a:defRPr b="1" spc="-250" sz="25000">
+              <a:defRPr sz="25000" b="1" spc="-250">
                 <a:solidFill>
                   <a:schemeClr val="accent1">
                     <a:hueOff val="114395"/>
@@ -1539,7 +1535,7 @@
               </a:spcBef>
               <a:buSzTx/>
               <a:buNone/>
-              <a:defRPr b="1" spc="-250" sz="25000">
+              <a:defRPr sz="25000" b="1" spc="-250">
                 <a:solidFill>
                   <a:schemeClr val="accent1">
                     <a:hueOff val="114395"/>
@@ -1557,7 +1553,7 @@
               </a:spcBef>
               <a:buSzTx/>
               <a:buNone/>
-              <a:defRPr b="1" spc="-250" sz="25000">
+              <a:defRPr sz="25000" b="1" spc="-250">
                 <a:solidFill>
                   <a:schemeClr val="accent1">
                     <a:hueOff val="114395"/>
@@ -1568,41 +1564,34 @@
             </a:lvl5pPr>
           </a:lstStyle>
           <a:p>
-            <a:pPr/>
             <a:r>
               <a:t>100%</a:t>
             </a:r>
           </a:p>
           <a:p>
             <a:pPr lvl="1"/>
-            <a:r>
-              <a:t/>
-            </a:r>
+            <a:endParaRPr/>
           </a:p>
           <a:p>
             <a:pPr lvl="2"/>
-            <a:r>
-              <a:t/>
-            </a:r>
+            <a:endParaRPr/>
           </a:p>
           <a:p>
             <a:pPr lvl="3"/>
-            <a:r>
-              <a:t/>
-            </a:r>
+            <a:endParaRPr/>
           </a:p>
           <a:p>
             <a:pPr lvl="4"/>
-            <a:r>
-              <a:t/>
-            </a:r>
+            <a:endParaRPr/>
           </a:p>
         </p:txBody>
       </p:sp>
       <p:sp>
         <p:nvSpPr>
           <p:cNvPr id="107" name="Fact information"/>
-          <p:cNvSpPr txBox="1"/>
+          <p:cNvSpPr txBox="1">
+            <a:spLocks noGrp="1"/>
+          </p:cNvSpPr>
           <p:nvPr>
             <p:ph type="body" sz="quarter" idx="21" hasCustomPrompt="1"/>
           </p:nvPr>
@@ -1628,11 +1617,10 @@
               </a:spcBef>
               <a:buSzTx/>
               <a:buNone/>
-              <a:defRPr b="1" sz="5500"/>
+              <a:defRPr sz="5500" b="1"/>
             </a:lvl1pPr>
           </a:lstStyle>
           <a:p>
-            <a:pPr/>
             <a:r>
               <a:t>Fact information</a:t>
             </a:r>
@@ -1642,7 +1630,9 @@
       <p:sp>
         <p:nvSpPr>
           <p:cNvPr id="108" name="Slide Number"/>
-          <p:cNvSpPr txBox="1"/>
+          <p:cNvSpPr txBox="1">
+            <a:spLocks noGrp="1"/>
+          </p:cNvSpPr>
           <p:nvPr>
             <p:ph type="sldNum" sz="quarter" idx="2"/>
           </p:nvPr>
@@ -1656,8 +1646,10 @@
           <a:bodyPr/>
           <a:lstStyle/>
           <a:p>
-            <a:pPr/>
-            <a:fld id="{86CB4B4D-7CA3-9044-876B-883B54F8677D}" type="slidenum"/>
+            <a:fld id="{86CB4B4D-7CA3-9044-876B-883B54F8677D}" type="slidenum">
+              <a:t>‹#›</a:t>
+            </a:fld>
+            <a:endParaRPr/>
           </a:p>
         </p:txBody>
       </p:sp>
@@ -1666,12 +1658,12 @@
   <p:clrMapOvr>
     <a:masterClrMapping/>
   </p:clrMapOvr>
-  <p:transition xmlns:p14="http://schemas.microsoft.com/office/powerpoint/2010/main" spd="med" advClick="1"/>
+  <p:transition spd="med"/>
 </p:sldLayout>
 </file>
 
 <file path=ppt/slideLayouts/slideLayout12.xml><?xml version="1.0" encoding="utf-8"?>
-<p:sldLayout xmlns:a="http://schemas.openxmlformats.org/drawingml/2006/main" xmlns:r="http://schemas.openxmlformats.org/officeDocument/2006/relationships" xmlns:p="http://schemas.openxmlformats.org/presentationml/2006/main" xmlns:m="http://schemas.openxmlformats.org/officeDocument/2006/math" xmlns:a14="http://schemas.microsoft.com/office/drawing/2010/main" type="tx" showMasterSp="1" showMasterPhAnim="1">
+<p:sldLayout xmlns:a="http://schemas.openxmlformats.org/drawingml/2006/main" xmlns:r="http://schemas.openxmlformats.org/officeDocument/2006/relationships" xmlns:p="http://schemas.openxmlformats.org/presentationml/2006/main" type="tx">
   <p:cSld name="Quote">
     <p:spTree>
       <p:nvGrpSpPr>
@@ -1690,7 +1682,9 @@
       <p:sp>
         <p:nvSpPr>
           <p:cNvPr id="115" name="Attribution"/>
-          <p:cNvSpPr txBox="1"/>
+          <p:cNvSpPr txBox="1">
+            <a:spLocks noGrp="1"/>
+          </p:cNvSpPr>
           <p:nvPr>
             <p:ph type="body" sz="quarter" idx="21" hasCustomPrompt="1"/>
           </p:nvPr>
@@ -1716,11 +1710,10 @@
               </a:spcBef>
               <a:buSzTx/>
               <a:buNone/>
-              <a:defRPr b="1" sz="3600"/>
+              <a:defRPr sz="3600" b="1"/>
             </a:lvl1pPr>
           </a:lstStyle>
           <a:p>
-            <a:pPr/>
             <a:r>
               <a:t>Attribution</a:t>
             </a:r>
@@ -1730,7 +1723,9 @@
       <p:sp>
         <p:nvSpPr>
           <p:cNvPr id="116" name="Body Level One…"/>
-          <p:cNvSpPr txBox="1"/>
+          <p:cNvSpPr txBox="1">
+            <a:spLocks noGrp="1"/>
+          </p:cNvSpPr>
           <p:nvPr>
             <p:ph type="body" sz="half" idx="1" hasCustomPrompt="1"/>
           </p:nvPr>
@@ -1753,7 +1748,7 @@
               </a:spcBef>
               <a:buSzTx/>
               <a:buNone/>
-              <a:defRPr spc="-170" sz="8500">
+              <a:defRPr sz="8500" spc="-170">
                 <a:solidFill>
                   <a:schemeClr val="accent1">
                     <a:hueOff val="114395"/>
@@ -1772,7 +1767,7 @@
               </a:spcBef>
               <a:buSzTx/>
               <a:buNone/>
-              <a:defRPr spc="-170" sz="8500">
+              <a:defRPr sz="8500" spc="-170">
                 <a:solidFill>
                   <a:schemeClr val="accent1">
                     <a:hueOff val="114395"/>
@@ -1791,7 +1786,7 @@
               </a:spcBef>
               <a:buSzTx/>
               <a:buNone/>
-              <a:defRPr spc="-170" sz="8500">
+              <a:defRPr sz="8500" spc="-170">
                 <a:solidFill>
                   <a:schemeClr val="accent1">
                     <a:hueOff val="114395"/>
@@ -1810,7 +1805,7 @@
               </a:spcBef>
               <a:buSzTx/>
               <a:buNone/>
-              <a:defRPr spc="-170" sz="8500">
+              <a:defRPr sz="8500" spc="-170">
                 <a:solidFill>
                   <a:schemeClr val="accent1">
                     <a:hueOff val="114395"/>
@@ -1829,7 +1824,7 @@
               </a:spcBef>
               <a:buSzTx/>
               <a:buNone/>
-              <a:defRPr spc="-170" sz="8500">
+              <a:defRPr sz="8500" spc="-170">
                 <a:solidFill>
                   <a:schemeClr val="accent1">
                     <a:hueOff val="114395"/>
@@ -1844,41 +1839,34 @@
             </a:lvl5pPr>
           </a:lstStyle>
           <a:p>
-            <a:pPr/>
             <a:r>
               <a:t>“Notable Quote”</a:t>
             </a:r>
           </a:p>
           <a:p>
             <a:pPr lvl="1"/>
-            <a:r>
-              <a:t/>
-            </a:r>
+            <a:endParaRPr/>
           </a:p>
           <a:p>
             <a:pPr lvl="2"/>
-            <a:r>
-              <a:t/>
-            </a:r>
+            <a:endParaRPr/>
           </a:p>
           <a:p>
             <a:pPr lvl="3"/>
-            <a:r>
-              <a:t/>
-            </a:r>
+            <a:endParaRPr/>
           </a:p>
           <a:p>
             <a:pPr lvl="4"/>
-            <a:r>
-              <a:t/>
-            </a:r>
+            <a:endParaRPr/>
           </a:p>
         </p:txBody>
       </p:sp>
       <p:sp>
         <p:nvSpPr>
           <p:cNvPr id="117" name="Slide Number"/>
-          <p:cNvSpPr txBox="1"/>
+          <p:cNvSpPr txBox="1">
+            <a:spLocks noGrp="1"/>
+          </p:cNvSpPr>
           <p:nvPr>
             <p:ph type="sldNum" sz="quarter" idx="2"/>
           </p:nvPr>
@@ -1892,8 +1880,10 @@
           <a:bodyPr/>
           <a:lstStyle/>
           <a:p>
-            <a:pPr/>
-            <a:fld id="{86CB4B4D-7CA3-9044-876B-883B54F8677D}" type="slidenum"/>
+            <a:fld id="{86CB4B4D-7CA3-9044-876B-883B54F8677D}" type="slidenum">
+              <a:t>‹#›</a:t>
+            </a:fld>
+            <a:endParaRPr/>
           </a:p>
         </p:txBody>
       </p:sp>
@@ -1902,12 +1892,12 @@
   <p:clrMapOvr>
     <a:masterClrMapping/>
   </p:clrMapOvr>
-  <p:transition xmlns:p14="http://schemas.microsoft.com/office/powerpoint/2010/main" spd="med" advClick="1"/>
+  <p:transition spd="med"/>
 </p:sldLayout>
 </file>
 
 <file path=ppt/slideLayouts/slideLayout13.xml><?xml version="1.0" encoding="utf-8"?>
-<p:sldLayout xmlns:a="http://schemas.openxmlformats.org/drawingml/2006/main" xmlns:r="http://schemas.openxmlformats.org/officeDocument/2006/relationships" xmlns:p="http://schemas.openxmlformats.org/presentationml/2006/main" xmlns:m="http://schemas.openxmlformats.org/officeDocument/2006/math" xmlns:a14="http://schemas.microsoft.com/office/drawing/2010/main" type="tx" showMasterSp="1" showMasterPhAnim="1">
+<p:sldLayout xmlns:a="http://schemas.openxmlformats.org/drawingml/2006/main" xmlns:r="http://schemas.openxmlformats.org/officeDocument/2006/relationships" xmlns:p="http://schemas.openxmlformats.org/presentationml/2006/main" type="tx">
   <p:cSld name="Photo - 3 Up">
     <p:spTree>
       <p:nvGrpSpPr>
@@ -1926,7 +1916,9 @@
       <p:sp>
         <p:nvSpPr>
           <p:cNvPr id="124" name="617931575_1991x1322.jpg"/>
-          <p:cNvSpPr/>
+          <p:cNvSpPr>
+            <a:spLocks noGrp="1"/>
+          </p:cNvSpPr>
           <p:nvPr>
             <p:ph type="pic" sz="quarter" idx="21"/>
           </p:nvPr>
@@ -1946,14 +1938,16 @@
           </a:bodyPr>
           <a:lstStyle/>
           <a:p>
-            <a:pPr/>
+            <a:endParaRPr/>
           </a:p>
         </p:txBody>
       </p:sp>
       <p:sp>
         <p:nvSpPr>
           <p:cNvPr id="125" name="740627569_2880x1920.jpg"/>
-          <p:cNvSpPr/>
+          <p:cNvSpPr>
+            <a:spLocks noGrp="1"/>
+          </p:cNvSpPr>
           <p:nvPr>
             <p:ph type="pic" sz="quarter" idx="22"/>
           </p:nvPr>
@@ -1973,14 +1967,16 @@
           </a:bodyPr>
           <a:lstStyle/>
           <a:p>
-            <a:pPr/>
+            <a:endParaRPr/>
           </a:p>
         </p:txBody>
       </p:sp>
       <p:sp>
         <p:nvSpPr>
           <p:cNvPr id="126" name="996267730_2880x1920.jpg"/>
-          <p:cNvSpPr/>
+          <p:cNvSpPr>
+            <a:spLocks noGrp="1"/>
+          </p:cNvSpPr>
           <p:nvPr>
             <p:ph type="pic" idx="23"/>
           </p:nvPr>
@@ -2000,14 +1996,16 @@
           </a:bodyPr>
           <a:lstStyle/>
           <a:p>
-            <a:pPr/>
+            <a:endParaRPr/>
           </a:p>
         </p:txBody>
       </p:sp>
       <p:sp>
         <p:nvSpPr>
           <p:cNvPr id="127" name="Slide Number"/>
-          <p:cNvSpPr txBox="1"/>
+          <p:cNvSpPr txBox="1">
+            <a:spLocks noGrp="1"/>
+          </p:cNvSpPr>
           <p:nvPr>
             <p:ph type="sldNum" sz="quarter" idx="2"/>
           </p:nvPr>
@@ -2021,8 +2019,10 @@
           <a:bodyPr/>
           <a:lstStyle/>
           <a:p>
-            <a:pPr/>
-            <a:fld id="{86CB4B4D-7CA3-9044-876B-883B54F8677D}" type="slidenum"/>
+            <a:fld id="{86CB4B4D-7CA3-9044-876B-883B54F8677D}" type="slidenum">
+              <a:t>‹#›</a:t>
+            </a:fld>
+            <a:endParaRPr/>
           </a:p>
         </p:txBody>
       </p:sp>
@@ -2031,12 +2031,12 @@
   <p:clrMapOvr>
     <a:masterClrMapping/>
   </p:clrMapOvr>
-  <p:transition xmlns:p14="http://schemas.microsoft.com/office/powerpoint/2010/main" spd="med" advClick="1"/>
+  <p:transition spd="med"/>
 </p:sldLayout>
 </file>
 
 <file path=ppt/slideLayouts/slideLayout14.xml><?xml version="1.0" encoding="utf-8"?>
-<p:sldLayout xmlns:a="http://schemas.openxmlformats.org/drawingml/2006/main" xmlns:r="http://schemas.openxmlformats.org/officeDocument/2006/relationships" xmlns:p="http://schemas.openxmlformats.org/presentationml/2006/main" xmlns:m="http://schemas.openxmlformats.org/officeDocument/2006/math" xmlns:a14="http://schemas.microsoft.com/office/drawing/2010/main" type="tx" showMasterSp="1" showMasterPhAnim="1">
+<p:sldLayout xmlns:a="http://schemas.openxmlformats.org/drawingml/2006/main" xmlns:r="http://schemas.openxmlformats.org/officeDocument/2006/relationships" xmlns:p="http://schemas.openxmlformats.org/presentationml/2006/main" type="tx">
   <p:cSld name="Photo">
     <p:spTree>
       <p:nvGrpSpPr>
@@ -2055,7 +2055,9 @@
       <p:sp>
         <p:nvSpPr>
           <p:cNvPr id="134" name="996267730_2880x1920.jpg"/>
-          <p:cNvSpPr/>
+          <p:cNvSpPr>
+            <a:spLocks noGrp="1"/>
+          </p:cNvSpPr>
           <p:nvPr>
             <p:ph type="pic" idx="21"/>
           </p:nvPr>
@@ -2075,14 +2077,16 @@
           </a:bodyPr>
           <a:lstStyle/>
           <a:p>
-            <a:pPr/>
+            <a:endParaRPr/>
           </a:p>
         </p:txBody>
       </p:sp>
       <p:sp>
         <p:nvSpPr>
           <p:cNvPr id="135" name="Slide Number"/>
-          <p:cNvSpPr txBox="1"/>
+          <p:cNvSpPr txBox="1">
+            <a:spLocks noGrp="1"/>
+          </p:cNvSpPr>
           <p:nvPr>
             <p:ph type="sldNum" sz="quarter" idx="2"/>
           </p:nvPr>
@@ -2104,8 +2108,10 @@
             </a:lvl1pPr>
           </a:lstStyle>
           <a:p>
-            <a:pPr/>
-            <a:fld id="{86CB4B4D-7CA3-9044-876B-883B54F8677D}" type="slidenum"/>
+            <a:fld id="{86CB4B4D-7CA3-9044-876B-883B54F8677D}" type="slidenum">
+              <a:t>‹#›</a:t>
+            </a:fld>
+            <a:endParaRPr/>
           </a:p>
         </p:txBody>
       </p:sp>
@@ -2114,12 +2120,12 @@
   <p:clrMapOvr>
     <a:masterClrMapping/>
   </p:clrMapOvr>
-  <p:transition xmlns:p14="http://schemas.microsoft.com/office/powerpoint/2010/main" spd="med" advClick="1"/>
+  <p:transition spd="med"/>
 </p:sldLayout>
 </file>
 
 <file path=ppt/slideLayouts/slideLayout15.xml><?xml version="1.0" encoding="utf-8"?>
-<p:sldLayout xmlns:a="http://schemas.openxmlformats.org/drawingml/2006/main" xmlns:r="http://schemas.openxmlformats.org/officeDocument/2006/relationships" xmlns:p="http://schemas.openxmlformats.org/presentationml/2006/main" xmlns:m="http://schemas.openxmlformats.org/officeDocument/2006/math" xmlns:a14="http://schemas.microsoft.com/office/drawing/2010/main" type="tx" showMasterSp="1" showMasterPhAnim="1">
+<p:sldLayout xmlns:a="http://schemas.openxmlformats.org/drawingml/2006/main" xmlns:r="http://schemas.openxmlformats.org/officeDocument/2006/relationships" xmlns:p="http://schemas.openxmlformats.org/presentationml/2006/main" type="tx">
   <p:cSld name="Blank">
     <p:spTree>
       <p:nvGrpSpPr>
@@ -2138,7 +2144,9 @@
       <p:sp>
         <p:nvSpPr>
           <p:cNvPr id="142" name="Slide Number"/>
-          <p:cNvSpPr txBox="1"/>
+          <p:cNvSpPr txBox="1">
+            <a:spLocks noGrp="1"/>
+          </p:cNvSpPr>
           <p:nvPr>
             <p:ph type="sldNum" sz="quarter" idx="2"/>
           </p:nvPr>
@@ -2152,8 +2160,10 @@
           <a:bodyPr/>
           <a:lstStyle/>
           <a:p>
-            <a:pPr/>
-            <a:fld id="{86CB4B4D-7CA3-9044-876B-883B54F8677D}" type="slidenum"/>
+            <a:fld id="{86CB4B4D-7CA3-9044-876B-883B54F8677D}" type="slidenum">
+              <a:t>‹#›</a:t>
+            </a:fld>
+            <a:endParaRPr/>
           </a:p>
         </p:txBody>
       </p:sp>
@@ -2162,12 +2172,12 @@
   <p:clrMapOvr>
     <a:masterClrMapping/>
   </p:clrMapOvr>
-  <p:transition xmlns:p14="http://schemas.microsoft.com/office/powerpoint/2010/main" spd="med" advClick="1"/>
+  <p:transition spd="med"/>
 </p:sldLayout>
 </file>
 
 <file path=ppt/slideLayouts/slideLayout2.xml><?xml version="1.0" encoding="utf-8"?>
-<p:sldLayout xmlns:a="http://schemas.openxmlformats.org/drawingml/2006/main" xmlns:r="http://schemas.openxmlformats.org/officeDocument/2006/relationships" xmlns:p="http://schemas.openxmlformats.org/presentationml/2006/main" xmlns:m="http://schemas.openxmlformats.org/officeDocument/2006/math" xmlns:a14="http://schemas.microsoft.com/office/drawing/2010/main" type="tx" showMasterSp="1" showMasterPhAnim="1">
+<p:sldLayout xmlns:a="http://schemas.openxmlformats.org/drawingml/2006/main" xmlns:r="http://schemas.openxmlformats.org/officeDocument/2006/relationships" xmlns:p="http://schemas.openxmlformats.org/presentationml/2006/main" type="tx">
   <p:cSld name="Title &amp; Photo">
     <p:spTree>
       <p:nvGrpSpPr>
@@ -2186,7 +2196,9 @@
       <p:sp>
         <p:nvSpPr>
           <p:cNvPr id="21" name="740627569_2880x1920.jpg"/>
-          <p:cNvSpPr/>
+          <p:cNvSpPr>
+            <a:spLocks noGrp="1"/>
+          </p:cNvSpPr>
           <p:nvPr>
             <p:ph type="pic" idx="21"/>
           </p:nvPr>
@@ -2206,14 +2218,16 @@
           </a:bodyPr>
           <a:lstStyle/>
           <a:p>
-            <a:pPr/>
+            <a:endParaRPr/>
           </a:p>
         </p:txBody>
       </p:sp>
       <p:sp>
         <p:nvSpPr>
           <p:cNvPr id="22" name="Presentation Title"/>
-          <p:cNvSpPr txBox="1"/>
+          <p:cNvSpPr txBox="1">
+            <a:spLocks noGrp="1"/>
+          </p:cNvSpPr>
           <p:nvPr>
             <p:ph type="title" hasCustomPrompt="1"/>
           </p:nvPr>
@@ -2231,7 +2245,7 @@
           <a:bodyPr anchor="b"/>
           <a:lstStyle>
             <a:lvl1pPr>
-              <a:defRPr spc="-232" sz="11600">
+              <a:defRPr sz="11600" spc="-232">
                 <a:solidFill>
                   <a:srgbClr val="FFFFFF"/>
                 </a:solidFill>
@@ -2239,7 +2253,6 @@
             </a:lvl1pPr>
           </a:lstStyle>
           <a:p>
-            <a:pPr/>
             <a:r>
               <a:t>Presentation Title</a:t>
             </a:r>
@@ -2249,7 +2262,9 @@
       <p:sp>
         <p:nvSpPr>
           <p:cNvPr id="23" name="Author and Date"/>
-          <p:cNvSpPr txBox="1"/>
+          <p:cNvSpPr txBox="1">
+            <a:spLocks noGrp="1"/>
+          </p:cNvSpPr>
           <p:nvPr>
             <p:ph type="body" sz="quarter" idx="22" hasCustomPrompt="1"/>
           </p:nvPr>
@@ -2275,11 +2290,10 @@
               </a:spcBef>
               <a:buSzTx/>
               <a:buNone/>
-              <a:defRPr b="1" sz="3600"/>
+              <a:defRPr sz="3600" b="1"/>
             </a:lvl1pPr>
           </a:lstStyle>
           <a:p>
-            <a:pPr/>
             <a:r>
               <a:t>Author and Date</a:t>
             </a:r>
@@ -2289,7 +2303,9 @@
       <p:sp>
         <p:nvSpPr>
           <p:cNvPr id="24" name="Body Level One…"/>
-          <p:cNvSpPr txBox="1"/>
+          <p:cNvSpPr txBox="1">
+            <a:spLocks noGrp="1"/>
+          </p:cNvSpPr>
           <p:nvPr>
             <p:ph type="body" sz="quarter" idx="1" hasCustomPrompt="1"/>
           </p:nvPr>
@@ -2315,7 +2331,7 @@
               </a:spcBef>
               <a:buSzTx/>
               <a:buNone/>
-              <a:defRPr b="1" sz="5500">
+              <a:defRPr sz="5500" b="1">
                 <a:solidFill>
                   <a:srgbClr val="FFFFFF"/>
                 </a:solidFill>
@@ -2330,7 +2346,7 @@
               </a:spcBef>
               <a:buSzTx/>
               <a:buNone/>
-              <a:defRPr b="1" sz="5500">
+              <a:defRPr sz="5500" b="1">
                 <a:solidFill>
                   <a:srgbClr val="FFFFFF"/>
                 </a:solidFill>
@@ -2345,7 +2361,7 @@
               </a:spcBef>
               <a:buSzTx/>
               <a:buNone/>
-              <a:defRPr b="1" sz="5500">
+              <a:defRPr sz="5500" b="1">
                 <a:solidFill>
                   <a:srgbClr val="FFFFFF"/>
                 </a:solidFill>
@@ -2360,7 +2376,7 @@
               </a:spcBef>
               <a:buSzTx/>
               <a:buNone/>
-              <a:defRPr b="1" sz="5500">
+              <a:defRPr sz="5500" b="1">
                 <a:solidFill>
                   <a:srgbClr val="FFFFFF"/>
                 </a:solidFill>
@@ -2375,7 +2391,7 @@
               </a:spcBef>
               <a:buSzTx/>
               <a:buNone/>
-              <a:defRPr b="1" sz="5500">
+              <a:defRPr sz="5500" b="1">
                 <a:solidFill>
                   <a:srgbClr val="FFFFFF"/>
                 </a:solidFill>
@@ -2383,41 +2399,34 @@
             </a:lvl5pPr>
           </a:lstStyle>
           <a:p>
-            <a:pPr/>
             <a:r>
               <a:t>Presentation Subtitle</a:t>
             </a:r>
           </a:p>
           <a:p>
             <a:pPr lvl="1"/>
-            <a:r>
-              <a:t/>
-            </a:r>
+            <a:endParaRPr/>
           </a:p>
           <a:p>
             <a:pPr lvl="2"/>
-            <a:r>
-              <a:t/>
-            </a:r>
+            <a:endParaRPr/>
           </a:p>
           <a:p>
             <a:pPr lvl="3"/>
-            <a:r>
-              <a:t/>
-            </a:r>
+            <a:endParaRPr/>
           </a:p>
           <a:p>
             <a:pPr lvl="4"/>
-            <a:r>
-              <a:t/>
-            </a:r>
+            <a:endParaRPr/>
           </a:p>
         </p:txBody>
       </p:sp>
       <p:sp>
         <p:nvSpPr>
           <p:cNvPr id="25" name="Slide Number"/>
-          <p:cNvSpPr txBox="1"/>
+          <p:cNvSpPr txBox="1">
+            <a:spLocks noGrp="1"/>
+          </p:cNvSpPr>
           <p:nvPr>
             <p:ph type="sldNum" sz="quarter" idx="2"/>
           </p:nvPr>
@@ -2439,8 +2448,10 @@
             </a:lvl1pPr>
           </a:lstStyle>
           <a:p>
-            <a:pPr/>
-            <a:fld id="{86CB4B4D-7CA3-9044-876B-883B54F8677D}" type="slidenum"/>
+            <a:fld id="{86CB4B4D-7CA3-9044-876B-883B54F8677D}" type="slidenum">
+              <a:t>‹#›</a:t>
+            </a:fld>
+            <a:endParaRPr/>
           </a:p>
         </p:txBody>
       </p:sp>
@@ -2449,12 +2460,12 @@
   <p:clrMapOvr>
     <a:masterClrMapping/>
   </p:clrMapOvr>
-  <p:transition xmlns:p14="http://schemas.microsoft.com/office/powerpoint/2010/main" spd="med" advClick="1"/>
+  <p:transition spd="med"/>
 </p:sldLayout>
 </file>
 
 <file path=ppt/slideLayouts/slideLayout3.xml><?xml version="1.0" encoding="utf-8"?>
-<p:sldLayout xmlns:a="http://schemas.openxmlformats.org/drawingml/2006/main" xmlns:r="http://schemas.openxmlformats.org/officeDocument/2006/relationships" xmlns:p="http://schemas.openxmlformats.org/presentationml/2006/main" xmlns:m="http://schemas.openxmlformats.org/officeDocument/2006/math" xmlns:a14="http://schemas.microsoft.com/office/drawing/2010/main" type="tx" showMasterSp="1" showMasterPhAnim="1">
+<p:sldLayout xmlns:a="http://schemas.openxmlformats.org/drawingml/2006/main" xmlns:r="http://schemas.openxmlformats.org/officeDocument/2006/relationships" xmlns:p="http://schemas.openxmlformats.org/presentationml/2006/main" type="tx">
   <p:cSld name="Title &amp; Photo Alt">
     <p:spTree>
       <p:nvGrpSpPr>
@@ -2473,7 +2484,9 @@
       <p:sp>
         <p:nvSpPr>
           <p:cNvPr id="32" name="136959463_1989x1321.jpg"/>
-          <p:cNvSpPr/>
+          <p:cNvSpPr>
+            <a:spLocks noGrp="1"/>
+          </p:cNvSpPr>
           <p:nvPr>
             <p:ph type="pic" idx="21"/>
           </p:nvPr>
@@ -2493,14 +2506,16 @@
           </a:bodyPr>
           <a:lstStyle/>
           <a:p>
-            <a:pPr/>
+            <a:endParaRPr/>
           </a:p>
         </p:txBody>
       </p:sp>
       <p:sp>
         <p:nvSpPr>
           <p:cNvPr id="33" name="Slide Title"/>
-          <p:cNvSpPr txBox="1"/>
+          <p:cNvSpPr txBox="1">
+            <a:spLocks noGrp="1"/>
+          </p:cNvSpPr>
           <p:nvPr>
             <p:ph type="title" hasCustomPrompt="1"/>
           </p:nvPr>
@@ -2518,7 +2533,6 @@
           <a:bodyPr anchor="b"/>
           <a:lstStyle/>
           <a:p>
-            <a:pPr/>
             <a:r>
               <a:t>Slide Title</a:t>
             </a:r>
@@ -2528,7 +2542,9 @@
       <p:sp>
         <p:nvSpPr>
           <p:cNvPr id="34" name="Body Level One…"/>
-          <p:cNvSpPr txBox="1"/>
+          <p:cNvSpPr txBox="1">
+            <a:spLocks noGrp="1"/>
+          </p:cNvSpPr>
           <p:nvPr>
             <p:ph type="body" sz="quarter" idx="1" hasCustomPrompt="1"/>
           </p:nvPr>
@@ -2554,7 +2570,7 @@
               </a:spcBef>
               <a:buSzTx/>
               <a:buNone/>
-              <a:defRPr b="1" sz="5500"/>
+              <a:defRPr sz="5500" b="1"/>
             </a:lvl1pPr>
             <a:lvl2pPr marL="0" indent="457200" defTabSz="825500">
               <a:lnSpc>
@@ -2565,7 +2581,7 @@
               </a:spcBef>
               <a:buSzTx/>
               <a:buNone/>
-              <a:defRPr b="1" sz="5500"/>
+              <a:defRPr sz="5500" b="1"/>
             </a:lvl2pPr>
             <a:lvl3pPr marL="0" indent="914400" defTabSz="825500">
               <a:lnSpc>
@@ -2576,7 +2592,7 @@
               </a:spcBef>
               <a:buSzTx/>
               <a:buNone/>
-              <a:defRPr b="1" sz="5500"/>
+              <a:defRPr sz="5500" b="1"/>
             </a:lvl3pPr>
             <a:lvl4pPr marL="0" indent="1371600" defTabSz="825500">
               <a:lnSpc>
@@ -2587,7 +2603,7 @@
               </a:spcBef>
               <a:buSzTx/>
               <a:buNone/>
-              <a:defRPr b="1" sz="5500"/>
+              <a:defRPr sz="5500" b="1"/>
             </a:lvl4pPr>
             <a:lvl5pPr marL="0" indent="1828800" defTabSz="825500">
               <a:lnSpc>
@@ -2598,45 +2614,38 @@
               </a:spcBef>
               <a:buSzTx/>
               <a:buNone/>
-              <a:defRPr b="1" sz="5500"/>
+              <a:defRPr sz="5500" b="1"/>
             </a:lvl5pPr>
           </a:lstStyle>
           <a:p>
-            <a:pPr/>
             <a:r>
               <a:t>Slide Subtitle</a:t>
             </a:r>
           </a:p>
           <a:p>
             <a:pPr lvl="1"/>
-            <a:r>
-              <a:t/>
-            </a:r>
+            <a:endParaRPr/>
           </a:p>
           <a:p>
             <a:pPr lvl="2"/>
-            <a:r>
-              <a:t/>
-            </a:r>
+            <a:endParaRPr/>
           </a:p>
           <a:p>
             <a:pPr lvl="3"/>
-            <a:r>
-              <a:t/>
-            </a:r>
+            <a:endParaRPr/>
           </a:p>
           <a:p>
             <a:pPr lvl="4"/>
-            <a:r>
-              <a:t/>
-            </a:r>
+            <a:endParaRPr/>
           </a:p>
         </p:txBody>
       </p:sp>
       <p:sp>
         <p:nvSpPr>
           <p:cNvPr id="35" name="Slide Number"/>
-          <p:cNvSpPr txBox="1"/>
+          <p:cNvSpPr txBox="1">
+            <a:spLocks noGrp="1"/>
+          </p:cNvSpPr>
           <p:nvPr>
             <p:ph type="sldNum" sz="quarter" idx="2"/>
           </p:nvPr>
@@ -2654,8 +2663,10 @@
           <a:bodyPr/>
           <a:lstStyle/>
           <a:p>
-            <a:pPr/>
-            <a:fld id="{86CB4B4D-7CA3-9044-876B-883B54F8677D}" type="slidenum"/>
+            <a:fld id="{86CB4B4D-7CA3-9044-876B-883B54F8677D}" type="slidenum">
+              <a:t>‹#›</a:t>
+            </a:fld>
+            <a:endParaRPr/>
           </a:p>
         </p:txBody>
       </p:sp>
@@ -2664,12 +2675,12 @@
   <p:clrMapOvr>
     <a:masterClrMapping/>
   </p:clrMapOvr>
-  <p:transition xmlns:p14="http://schemas.microsoft.com/office/powerpoint/2010/main" spd="med" advClick="1"/>
+  <p:transition spd="med"/>
 </p:sldLayout>
 </file>
 
 <file path=ppt/slideLayouts/slideLayout4.xml><?xml version="1.0" encoding="utf-8"?>
-<p:sldLayout xmlns:a="http://schemas.openxmlformats.org/drawingml/2006/main" xmlns:r="http://schemas.openxmlformats.org/officeDocument/2006/relationships" xmlns:p="http://schemas.openxmlformats.org/presentationml/2006/main" xmlns:m="http://schemas.openxmlformats.org/officeDocument/2006/math" xmlns:a14="http://schemas.microsoft.com/office/drawing/2010/main" type="tx" showMasterSp="1" showMasterPhAnim="1">
+<p:sldLayout xmlns:a="http://schemas.openxmlformats.org/drawingml/2006/main" xmlns:r="http://schemas.openxmlformats.org/officeDocument/2006/relationships" xmlns:p="http://schemas.openxmlformats.org/presentationml/2006/main" type="tx">
   <p:cSld name="Title &amp; Bullets">
     <p:spTree>
       <p:nvGrpSpPr>
@@ -2688,7 +2699,9 @@
       <p:sp>
         <p:nvSpPr>
           <p:cNvPr id="42" name="Slide Title"/>
-          <p:cNvSpPr txBox="1"/>
+          <p:cNvSpPr txBox="1">
+            <a:spLocks noGrp="1"/>
+          </p:cNvSpPr>
           <p:nvPr>
             <p:ph type="title" hasCustomPrompt="1"/>
           </p:nvPr>
@@ -2702,7 +2715,6 @@
           <a:bodyPr/>
           <a:lstStyle/>
           <a:p>
-            <a:pPr/>
             <a:r>
               <a:t>Slide Title</a:t>
             </a:r>
@@ -2712,7 +2724,9 @@
       <p:sp>
         <p:nvSpPr>
           <p:cNvPr id="43" name="Slide Subtitle"/>
-          <p:cNvSpPr txBox="1"/>
+          <p:cNvSpPr txBox="1">
+            <a:spLocks noGrp="1"/>
+          </p:cNvSpPr>
           <p:nvPr>
             <p:ph type="body" sz="quarter" idx="21" hasCustomPrompt="1"/>
           </p:nvPr>
@@ -2738,11 +2752,10 @@
               </a:spcBef>
               <a:buSzTx/>
               <a:buNone/>
-              <a:defRPr b="1" sz="5500"/>
+              <a:defRPr sz="5500" b="1"/>
             </a:lvl1pPr>
           </a:lstStyle>
           <a:p>
-            <a:pPr/>
             <a:r>
               <a:t>Slide Subtitle</a:t>
             </a:r>
@@ -2752,7 +2765,9 @@
       <p:sp>
         <p:nvSpPr>
           <p:cNvPr id="44" name="Body Level One…"/>
-          <p:cNvSpPr txBox="1"/>
+          <p:cNvSpPr txBox="1">
+            <a:spLocks noGrp="1"/>
+          </p:cNvSpPr>
           <p:nvPr>
             <p:ph type="body" idx="1" hasCustomPrompt="1"/>
           </p:nvPr>
@@ -2766,41 +2781,34 @@
           <a:bodyPr/>
           <a:lstStyle/>
           <a:p>
-            <a:pPr/>
             <a:r>
               <a:t>Slide bullet text</a:t>
             </a:r>
           </a:p>
           <a:p>
             <a:pPr lvl="1"/>
-            <a:r>
-              <a:t/>
-            </a:r>
+            <a:endParaRPr/>
           </a:p>
           <a:p>
             <a:pPr lvl="2"/>
-            <a:r>
-              <a:t/>
-            </a:r>
+            <a:endParaRPr/>
           </a:p>
           <a:p>
             <a:pPr lvl="3"/>
-            <a:r>
-              <a:t/>
-            </a:r>
+            <a:endParaRPr/>
           </a:p>
           <a:p>
             <a:pPr lvl="4"/>
-            <a:r>
-              <a:t/>
-            </a:r>
+            <a:endParaRPr/>
           </a:p>
         </p:txBody>
       </p:sp>
       <p:sp>
         <p:nvSpPr>
           <p:cNvPr id="45" name="Slide Number"/>
-          <p:cNvSpPr txBox="1"/>
+          <p:cNvSpPr txBox="1">
+            <a:spLocks noGrp="1"/>
+          </p:cNvSpPr>
           <p:nvPr>
             <p:ph type="sldNum" sz="quarter" idx="2"/>
           </p:nvPr>
@@ -2814,8 +2822,10 @@
           <a:bodyPr/>
           <a:lstStyle/>
           <a:p>
-            <a:pPr/>
-            <a:fld id="{86CB4B4D-7CA3-9044-876B-883B54F8677D}" type="slidenum"/>
+            <a:fld id="{86CB4B4D-7CA3-9044-876B-883B54F8677D}" type="slidenum">
+              <a:t>‹#›</a:t>
+            </a:fld>
+            <a:endParaRPr/>
           </a:p>
         </p:txBody>
       </p:sp>
@@ -2824,12 +2834,12 @@
   <p:clrMapOvr>
     <a:masterClrMapping/>
   </p:clrMapOvr>
-  <p:transition xmlns:p14="http://schemas.microsoft.com/office/powerpoint/2010/main" spd="med" advClick="1"/>
+  <p:transition spd="med"/>
 </p:sldLayout>
 </file>
 
 <file path=ppt/slideLayouts/slideLayout5.xml><?xml version="1.0" encoding="utf-8"?>
-<p:sldLayout xmlns:a="http://schemas.openxmlformats.org/drawingml/2006/main" xmlns:r="http://schemas.openxmlformats.org/officeDocument/2006/relationships" xmlns:p="http://schemas.openxmlformats.org/presentationml/2006/main" xmlns:m="http://schemas.openxmlformats.org/officeDocument/2006/math" xmlns:a14="http://schemas.microsoft.com/office/drawing/2010/main" type="tx" showMasterSp="1" showMasterPhAnim="1">
+<p:sldLayout xmlns:a="http://schemas.openxmlformats.org/drawingml/2006/main" xmlns:r="http://schemas.openxmlformats.org/officeDocument/2006/relationships" xmlns:p="http://schemas.openxmlformats.org/presentationml/2006/main" type="tx">
   <p:cSld name="Bullets">
     <p:spTree>
       <p:nvGrpSpPr>
@@ -2848,7 +2858,9 @@
       <p:sp>
         <p:nvSpPr>
           <p:cNvPr id="52" name="Body Level One…"/>
-          <p:cNvSpPr txBox="1"/>
+          <p:cNvSpPr txBox="1">
+            <a:spLocks noGrp="1"/>
+          </p:cNvSpPr>
           <p:nvPr>
             <p:ph type="body" idx="1" hasCustomPrompt="1"/>
           </p:nvPr>
@@ -2862,41 +2874,34 @@
           <a:bodyPr numCol="2" spcCol="1098550"/>
           <a:lstStyle/>
           <a:p>
-            <a:pPr/>
             <a:r>
               <a:t>Slide bullet text</a:t>
             </a:r>
           </a:p>
           <a:p>
             <a:pPr lvl="1"/>
-            <a:r>
-              <a:t/>
-            </a:r>
+            <a:endParaRPr/>
           </a:p>
           <a:p>
             <a:pPr lvl="2"/>
-            <a:r>
-              <a:t/>
-            </a:r>
+            <a:endParaRPr/>
           </a:p>
           <a:p>
             <a:pPr lvl="3"/>
-            <a:r>
-              <a:t/>
-            </a:r>
+            <a:endParaRPr/>
           </a:p>
           <a:p>
             <a:pPr lvl="4"/>
-            <a:r>
-              <a:t/>
-            </a:r>
+            <a:endParaRPr/>
           </a:p>
         </p:txBody>
       </p:sp>
       <p:sp>
         <p:nvSpPr>
           <p:cNvPr id="53" name="Slide Number"/>
-          <p:cNvSpPr txBox="1"/>
+          <p:cNvSpPr txBox="1">
+            <a:spLocks noGrp="1"/>
+          </p:cNvSpPr>
           <p:nvPr>
             <p:ph type="sldNum" sz="quarter" idx="2"/>
           </p:nvPr>
@@ -2910,8 +2915,10 @@
           <a:bodyPr/>
           <a:lstStyle/>
           <a:p>
-            <a:pPr/>
-            <a:fld id="{86CB4B4D-7CA3-9044-876B-883B54F8677D}" type="slidenum"/>
+            <a:fld id="{86CB4B4D-7CA3-9044-876B-883B54F8677D}" type="slidenum">
+              <a:t>‹#›</a:t>
+            </a:fld>
+            <a:endParaRPr/>
           </a:p>
         </p:txBody>
       </p:sp>
@@ -2920,12 +2927,12 @@
   <p:clrMapOvr>
     <a:masterClrMapping/>
   </p:clrMapOvr>
-  <p:transition xmlns:p14="http://schemas.microsoft.com/office/powerpoint/2010/main" spd="med" advClick="1"/>
+  <p:transition spd="med"/>
 </p:sldLayout>
 </file>
 
 <file path=ppt/slideLayouts/slideLayout6.xml><?xml version="1.0" encoding="utf-8"?>
-<p:sldLayout xmlns:a="http://schemas.openxmlformats.org/drawingml/2006/main" xmlns:r="http://schemas.openxmlformats.org/officeDocument/2006/relationships" xmlns:p="http://schemas.openxmlformats.org/presentationml/2006/main" xmlns:m="http://schemas.openxmlformats.org/officeDocument/2006/math" xmlns:a14="http://schemas.microsoft.com/office/drawing/2010/main" type="tx" showMasterSp="1" showMasterPhAnim="1">
+<p:sldLayout xmlns:a="http://schemas.openxmlformats.org/drawingml/2006/main" xmlns:r="http://schemas.openxmlformats.org/officeDocument/2006/relationships" xmlns:p="http://schemas.openxmlformats.org/presentationml/2006/main" type="tx">
   <p:cSld name="Title, Bullets &amp; Photo">
     <p:spTree>
       <p:nvGrpSpPr>
@@ -2944,7 +2951,9 @@
       <p:sp>
         <p:nvSpPr>
           <p:cNvPr id="60" name="Slide Subtitle"/>
-          <p:cNvSpPr txBox="1"/>
+          <p:cNvSpPr txBox="1">
+            <a:spLocks noGrp="1"/>
+          </p:cNvSpPr>
           <p:nvPr>
             <p:ph type="body" sz="quarter" idx="21" hasCustomPrompt="1"/>
           </p:nvPr>
@@ -2970,11 +2979,10 @@
               </a:spcBef>
               <a:buSzTx/>
               <a:buNone/>
-              <a:defRPr b="1" sz="5500"/>
+              <a:defRPr sz="5500" b="1"/>
             </a:lvl1pPr>
           </a:lstStyle>
           <a:p>
-            <a:pPr/>
             <a:r>
               <a:t>Slide Subtitle</a:t>
             </a:r>
@@ -2984,7 +2992,9 @@
       <p:sp>
         <p:nvSpPr>
           <p:cNvPr id="61" name="Body Level One…"/>
-          <p:cNvSpPr txBox="1"/>
+          <p:cNvSpPr txBox="1">
+            <a:spLocks noGrp="1"/>
+          </p:cNvSpPr>
           <p:nvPr>
             <p:ph type="body" sz="half" idx="1" hasCustomPrompt="1"/>
           </p:nvPr>
@@ -3002,41 +3012,34 @@
           <a:bodyPr/>
           <a:lstStyle/>
           <a:p>
-            <a:pPr/>
             <a:r>
               <a:t>Slide bullet text</a:t>
             </a:r>
           </a:p>
           <a:p>
             <a:pPr lvl="1"/>
-            <a:r>
-              <a:t/>
-            </a:r>
+            <a:endParaRPr/>
           </a:p>
           <a:p>
             <a:pPr lvl="2"/>
-            <a:r>
-              <a:t/>
-            </a:r>
+            <a:endParaRPr/>
           </a:p>
           <a:p>
             <a:pPr lvl="3"/>
-            <a:r>
-              <a:t/>
-            </a:r>
+            <a:endParaRPr/>
           </a:p>
           <a:p>
             <a:pPr lvl="4"/>
-            <a:r>
-              <a:t/>
-            </a:r>
+            <a:endParaRPr/>
           </a:p>
         </p:txBody>
       </p:sp>
       <p:sp>
         <p:nvSpPr>
           <p:cNvPr id="62" name="617931575_1991x1322.jpg"/>
-          <p:cNvSpPr/>
+          <p:cNvSpPr>
+            <a:spLocks noGrp="1"/>
+          </p:cNvSpPr>
           <p:nvPr>
             <p:ph type="pic" idx="22"/>
           </p:nvPr>
@@ -3056,14 +3059,16 @@
           </a:bodyPr>
           <a:lstStyle/>
           <a:p>
-            <a:pPr/>
+            <a:endParaRPr/>
           </a:p>
         </p:txBody>
       </p:sp>
       <p:sp>
         <p:nvSpPr>
           <p:cNvPr id="63" name="Slide Title"/>
-          <p:cNvSpPr txBox="1"/>
+          <p:cNvSpPr txBox="1">
+            <a:spLocks noGrp="1"/>
+          </p:cNvSpPr>
           <p:nvPr>
             <p:ph type="title" hasCustomPrompt="1"/>
           </p:nvPr>
@@ -3081,7 +3086,6 @@
           <a:bodyPr/>
           <a:lstStyle/>
           <a:p>
-            <a:pPr/>
             <a:r>
               <a:t>Slide Title</a:t>
             </a:r>
@@ -3091,7 +3095,9 @@
       <p:sp>
         <p:nvSpPr>
           <p:cNvPr id="64" name="Slide Number"/>
-          <p:cNvSpPr txBox="1"/>
+          <p:cNvSpPr txBox="1">
+            <a:spLocks noGrp="1"/>
+          </p:cNvSpPr>
           <p:nvPr>
             <p:ph type="sldNum" sz="quarter" idx="2"/>
           </p:nvPr>
@@ -3105,8 +3111,10 @@
           <a:bodyPr/>
           <a:lstStyle/>
           <a:p>
-            <a:pPr/>
-            <a:fld id="{86CB4B4D-7CA3-9044-876B-883B54F8677D}" type="slidenum"/>
+            <a:fld id="{86CB4B4D-7CA3-9044-876B-883B54F8677D}" type="slidenum">
+              <a:t>‹#›</a:t>
+            </a:fld>
+            <a:endParaRPr/>
           </a:p>
         </p:txBody>
       </p:sp>
@@ -3115,18 +3123,19 @@
   <p:clrMapOvr>
     <a:masterClrMapping/>
   </p:clrMapOvr>
-  <p:transition xmlns:p14="http://schemas.microsoft.com/office/powerpoint/2010/main" spd="med" advClick="1"/>
+  <p:transition spd="med"/>
 </p:sldLayout>
 </file>
 
 <file path=ppt/slideLayouts/slideLayout7.xml><?xml version="1.0" encoding="utf-8"?>
-<p:sldLayout xmlns:a="http://schemas.openxmlformats.org/drawingml/2006/main" xmlns:r="http://schemas.openxmlformats.org/officeDocument/2006/relationships" xmlns:p="http://schemas.openxmlformats.org/presentationml/2006/main" xmlns:m="http://schemas.openxmlformats.org/officeDocument/2006/math" xmlns:a14="http://schemas.microsoft.com/office/drawing/2010/main" type="tx" showMasterSp="1" showMasterPhAnim="1">
+<p:sldLayout xmlns:a="http://schemas.openxmlformats.org/drawingml/2006/main" xmlns:r="http://schemas.openxmlformats.org/officeDocument/2006/relationships" xmlns:p="http://schemas.openxmlformats.org/presentationml/2006/main" type="tx">
   <p:cSld name="Section">
     <p:bg>
       <p:bgPr>
         <a:solidFill>
           <a:srgbClr val="003462"/>
         </a:solidFill>
+        <a:effectLst/>
       </p:bgPr>
     </p:bg>
     <p:spTree>
@@ -3146,7 +3155,9 @@
       <p:sp>
         <p:nvSpPr>
           <p:cNvPr id="71" name="Section Title"/>
-          <p:cNvSpPr txBox="1"/>
+          <p:cNvSpPr txBox="1">
+            <a:spLocks noGrp="1"/>
+          </p:cNvSpPr>
           <p:nvPr>
             <p:ph type="title" hasCustomPrompt="1"/>
           </p:nvPr>
@@ -3164,7 +3175,7 @@
           <a:bodyPr anchor="ctr"/>
           <a:lstStyle>
             <a:lvl1pPr>
-              <a:defRPr b="0" spc="-232" sz="11600">
+              <a:defRPr sz="11600" b="0" spc="-232">
                 <a:solidFill>
                   <a:srgbClr val="FFFFFF"/>
                 </a:solidFill>
@@ -3176,7 +3187,6 @@
             </a:lvl1pPr>
           </a:lstStyle>
           <a:p>
-            <a:pPr/>
             <a:r>
               <a:t>Section Title</a:t>
             </a:r>
@@ -3186,7 +3196,9 @@
       <p:sp>
         <p:nvSpPr>
           <p:cNvPr id="72" name="Slide Number"/>
-          <p:cNvSpPr txBox="1"/>
+          <p:cNvSpPr txBox="1">
+            <a:spLocks noGrp="1"/>
+          </p:cNvSpPr>
           <p:nvPr>
             <p:ph type="sldNum" sz="quarter" idx="2"/>
           </p:nvPr>
@@ -3212,8 +3224,10 @@
             </a:lvl1pPr>
           </a:lstStyle>
           <a:p>
-            <a:pPr/>
-            <a:fld id="{86CB4B4D-7CA3-9044-876B-883B54F8677D}" type="slidenum"/>
+            <a:fld id="{86CB4B4D-7CA3-9044-876B-883B54F8677D}" type="slidenum">
+              <a:t>‹#›</a:t>
+            </a:fld>
+            <a:endParaRPr/>
           </a:p>
         </p:txBody>
       </p:sp>
@@ -3222,12 +3236,12 @@
   <p:clrMapOvr>
     <a:masterClrMapping/>
   </p:clrMapOvr>
-  <p:transition xmlns:p14="http://schemas.microsoft.com/office/powerpoint/2010/main" spd="med" advClick="1"/>
+  <p:transition spd="med"/>
 </p:sldLayout>
 </file>
 
 <file path=ppt/slideLayouts/slideLayout8.xml><?xml version="1.0" encoding="utf-8"?>
-<p:sldLayout xmlns:a="http://schemas.openxmlformats.org/drawingml/2006/main" xmlns:r="http://schemas.openxmlformats.org/officeDocument/2006/relationships" xmlns:p="http://schemas.openxmlformats.org/presentationml/2006/main" xmlns:m="http://schemas.openxmlformats.org/officeDocument/2006/math" xmlns:a14="http://schemas.microsoft.com/office/drawing/2010/main" type="tx" showMasterSp="1" showMasterPhAnim="1">
+<p:sldLayout xmlns:a="http://schemas.openxmlformats.org/drawingml/2006/main" xmlns:r="http://schemas.openxmlformats.org/officeDocument/2006/relationships" xmlns:p="http://schemas.openxmlformats.org/presentationml/2006/main" type="tx">
   <p:cSld name="Title Only">
     <p:spTree>
       <p:nvGrpSpPr>
@@ -3246,7 +3260,9 @@
       <p:sp>
         <p:nvSpPr>
           <p:cNvPr id="79" name="Slide Title"/>
-          <p:cNvSpPr txBox="1"/>
+          <p:cNvSpPr txBox="1">
+            <a:spLocks noGrp="1"/>
+          </p:cNvSpPr>
           <p:nvPr>
             <p:ph type="title" hasCustomPrompt="1"/>
           </p:nvPr>
@@ -3264,7 +3280,6 @@
           <a:bodyPr/>
           <a:lstStyle/>
           <a:p>
-            <a:pPr/>
             <a:r>
               <a:t>Slide Title</a:t>
             </a:r>
@@ -3274,7 +3289,9 @@
       <p:sp>
         <p:nvSpPr>
           <p:cNvPr id="80" name="Slide Subtitle"/>
-          <p:cNvSpPr txBox="1"/>
+          <p:cNvSpPr txBox="1">
+            <a:spLocks noGrp="1"/>
+          </p:cNvSpPr>
           <p:nvPr>
             <p:ph type="body" sz="quarter" idx="21" hasCustomPrompt="1"/>
           </p:nvPr>
@@ -3300,11 +3317,10 @@
               </a:spcBef>
               <a:buSzTx/>
               <a:buNone/>
-              <a:defRPr b="1" sz="5500"/>
+              <a:defRPr sz="5500" b="1"/>
             </a:lvl1pPr>
           </a:lstStyle>
           <a:p>
-            <a:pPr/>
             <a:r>
               <a:t>Slide Subtitle</a:t>
             </a:r>
@@ -3314,7 +3330,9 @@
       <p:sp>
         <p:nvSpPr>
           <p:cNvPr id="81" name="Slide Number"/>
-          <p:cNvSpPr txBox="1"/>
+          <p:cNvSpPr txBox="1">
+            <a:spLocks noGrp="1"/>
+          </p:cNvSpPr>
           <p:nvPr>
             <p:ph type="sldNum" sz="quarter" idx="2"/>
           </p:nvPr>
@@ -3328,8 +3346,10 @@
           <a:bodyPr/>
           <a:lstStyle/>
           <a:p>
-            <a:pPr/>
-            <a:fld id="{86CB4B4D-7CA3-9044-876B-883B54F8677D}" type="slidenum"/>
+            <a:fld id="{86CB4B4D-7CA3-9044-876B-883B54F8677D}" type="slidenum">
+              <a:t>‹#›</a:t>
+            </a:fld>
+            <a:endParaRPr/>
           </a:p>
         </p:txBody>
       </p:sp>
@@ -3338,12 +3358,12 @@
   <p:clrMapOvr>
     <a:masterClrMapping/>
   </p:clrMapOvr>
-  <p:transition xmlns:p14="http://schemas.microsoft.com/office/powerpoint/2010/main" spd="med" advClick="1"/>
+  <p:transition spd="med"/>
 </p:sldLayout>
 </file>
 
 <file path=ppt/slideLayouts/slideLayout9.xml><?xml version="1.0" encoding="utf-8"?>
-<p:sldLayout xmlns:a="http://schemas.openxmlformats.org/drawingml/2006/main" xmlns:r="http://schemas.openxmlformats.org/officeDocument/2006/relationships" xmlns:p="http://schemas.openxmlformats.org/presentationml/2006/main" xmlns:m="http://schemas.openxmlformats.org/officeDocument/2006/math" xmlns:a14="http://schemas.microsoft.com/office/drawing/2010/main" type="tx" showMasterSp="1" showMasterPhAnim="1">
+<p:sldLayout xmlns:a="http://schemas.openxmlformats.org/drawingml/2006/main" xmlns:r="http://schemas.openxmlformats.org/officeDocument/2006/relationships" xmlns:p="http://schemas.openxmlformats.org/presentationml/2006/main" type="tx">
   <p:cSld name="Agenda">
     <p:spTree>
       <p:nvGrpSpPr>
@@ -3362,7 +3382,9 @@
       <p:sp>
         <p:nvSpPr>
           <p:cNvPr id="88" name="Agenda Title"/>
-          <p:cNvSpPr txBox="1"/>
+          <p:cNvSpPr txBox="1">
+            <a:spLocks noGrp="1"/>
+          </p:cNvSpPr>
           <p:nvPr>
             <p:ph type="title" hasCustomPrompt="1"/>
           </p:nvPr>
@@ -3380,7 +3402,6 @@
           <a:bodyPr/>
           <a:lstStyle/>
           <a:p>
-            <a:pPr/>
             <a:r>
               <a:t>Agenda Title</a:t>
             </a:r>
@@ -3390,7 +3411,9 @@
       <p:sp>
         <p:nvSpPr>
           <p:cNvPr id="89" name="Agenda Subtitle"/>
-          <p:cNvSpPr txBox="1"/>
+          <p:cNvSpPr txBox="1">
+            <a:spLocks noGrp="1"/>
+          </p:cNvSpPr>
           <p:nvPr>
             <p:ph type="body" sz="quarter" idx="21" hasCustomPrompt="1"/>
           </p:nvPr>
@@ -3416,11 +3439,10 @@
               </a:spcBef>
               <a:buSzTx/>
               <a:buNone/>
-              <a:defRPr b="1" sz="5500"/>
+              <a:defRPr sz="5500" b="1"/>
             </a:lvl1pPr>
           </a:lstStyle>
           <a:p>
-            <a:pPr/>
             <a:r>
               <a:t>Agenda Subtitle</a:t>
             </a:r>
@@ -3430,7 +3452,9 @@
       <p:sp>
         <p:nvSpPr>
           <p:cNvPr id="90" name="Body Level One…"/>
-          <p:cNvSpPr txBox="1"/>
+          <p:cNvSpPr txBox="1">
+            <a:spLocks noGrp="1"/>
+          </p:cNvSpPr>
           <p:nvPr>
             <p:ph type="body" idx="1" hasCustomPrompt="1"/>
           </p:nvPr>
@@ -3452,7 +3476,7 @@
               </a:spcBef>
               <a:buSzTx/>
               <a:buNone/>
-              <a:defRPr spc="-55" sz="5500"/>
+              <a:defRPr sz="5500" spc="-55"/>
             </a:lvl1pPr>
             <a:lvl2pPr marL="0" indent="457200" defTabSz="825500">
               <a:lnSpc>
@@ -3463,7 +3487,7 @@
               </a:spcBef>
               <a:buSzTx/>
               <a:buNone/>
-              <a:defRPr spc="-55" sz="5500"/>
+              <a:defRPr sz="5500" spc="-55"/>
             </a:lvl2pPr>
             <a:lvl3pPr marL="0" indent="914400" defTabSz="825500">
               <a:lnSpc>
@@ -3474,7 +3498,7 @@
               </a:spcBef>
               <a:buSzTx/>
               <a:buNone/>
-              <a:defRPr spc="-55" sz="5500"/>
+              <a:defRPr sz="5500" spc="-55"/>
             </a:lvl3pPr>
             <a:lvl4pPr marL="0" indent="1371600" defTabSz="825500">
               <a:lnSpc>
@@ -3485,7 +3509,7 @@
               </a:spcBef>
               <a:buSzTx/>
               <a:buNone/>
-              <a:defRPr spc="-55" sz="5500"/>
+              <a:defRPr sz="5500" spc="-55"/>
             </a:lvl4pPr>
             <a:lvl5pPr marL="0" indent="1828800" defTabSz="825500">
               <a:lnSpc>
@@ -3496,45 +3520,38 @@
               </a:spcBef>
               <a:buSzTx/>
               <a:buNone/>
-              <a:defRPr spc="-55" sz="5500"/>
+              <a:defRPr sz="5500" spc="-55"/>
             </a:lvl5pPr>
           </a:lstStyle>
           <a:p>
-            <a:pPr/>
             <a:r>
               <a:t>Agenda Topics</a:t>
             </a:r>
           </a:p>
           <a:p>
             <a:pPr lvl="1"/>
-            <a:r>
-              <a:t/>
-            </a:r>
+            <a:endParaRPr/>
           </a:p>
           <a:p>
             <a:pPr lvl="2"/>
-            <a:r>
-              <a:t/>
-            </a:r>
+            <a:endParaRPr/>
           </a:p>
           <a:p>
             <a:pPr lvl="3"/>
-            <a:r>
-              <a:t/>
-            </a:r>
+            <a:endParaRPr/>
           </a:p>
           <a:p>
             <a:pPr lvl="4"/>
-            <a:r>
-              <a:t/>
-            </a:r>
+            <a:endParaRPr/>
           </a:p>
         </p:txBody>
       </p:sp>
       <p:sp>
         <p:nvSpPr>
           <p:cNvPr id="91" name="Slide Number"/>
-          <p:cNvSpPr txBox="1"/>
+          <p:cNvSpPr txBox="1">
+            <a:spLocks noGrp="1"/>
+          </p:cNvSpPr>
           <p:nvPr>
             <p:ph type="sldNum" sz="quarter" idx="2"/>
           </p:nvPr>
@@ -3548,8 +3565,10 @@
           <a:bodyPr/>
           <a:lstStyle/>
           <a:p>
-            <a:pPr/>
-            <a:fld id="{86CB4B4D-7CA3-9044-876B-883B54F8677D}" type="slidenum"/>
+            <a:fld id="{86CB4B4D-7CA3-9044-876B-883B54F8677D}" type="slidenum">
+              <a:t>‹#›</a:t>
+            </a:fld>
+            <a:endParaRPr/>
           </a:p>
         </p:txBody>
       </p:sp>
@@ -3558,18 +3577,19 @@
   <p:clrMapOvr>
     <a:masterClrMapping/>
   </p:clrMapOvr>
-  <p:transition xmlns:p14="http://schemas.microsoft.com/office/powerpoint/2010/main" spd="med" advClick="1"/>
+  <p:transition spd="med"/>
 </p:sldLayout>
 </file>
 
 <file path=ppt/slideMasters/slideMaster1.xml><?xml version="1.0" encoding="utf-8"?>
-<p:sldMaster xmlns:a="http://schemas.openxmlformats.org/drawingml/2006/main" xmlns:r="http://schemas.openxmlformats.org/officeDocument/2006/relationships" xmlns:p="http://schemas.openxmlformats.org/presentationml/2006/main" xmlns:m="http://schemas.openxmlformats.org/officeDocument/2006/math" xmlns:a14="http://schemas.microsoft.com/office/drawing/2010/main">
+<p:sldMaster xmlns:a="http://schemas.openxmlformats.org/drawingml/2006/main" xmlns:r="http://schemas.openxmlformats.org/officeDocument/2006/relationships" xmlns:p="http://schemas.openxmlformats.org/presentationml/2006/main">
   <p:cSld>
     <p:bg>
       <p:bgPr>
         <a:solidFill>
           <a:srgbClr val="FFFFFF"/>
         </a:solidFill>
+        <a:effectLst/>
       </p:bgPr>
     </p:bg>
     <p:spTree>
@@ -3589,7 +3609,9 @@
       <p:sp>
         <p:nvSpPr>
           <p:cNvPr id="2" name="Slide Title"/>
-          <p:cNvSpPr txBox="1"/>
+          <p:cNvSpPr txBox="1">
+            <a:spLocks noGrp="1"/>
+          </p:cNvSpPr>
           <p:nvPr>
             <p:ph type="title" hasCustomPrompt="1"/>
           </p:nvPr>
@@ -3607,17 +3629,16 @@
           </a:ln>
           <a:extLst>
             <a:ext uri="{C572A759-6A51-4108-AA02-DFA0A04FC94B}">
-              <ma14:wrappingTextBoxFlag xmlns:ma14="http://schemas.microsoft.com/office/mac/drawingml/2011/main" val="1"/>
+              <ma14:wrappingTextBoxFlag xmlns="" xmlns:m="http://schemas.openxmlformats.org/officeDocument/2006/math" xmlns:a14="http://schemas.microsoft.com/office/drawing/2010/main" xmlns:ma14="http://schemas.microsoft.com/office/mac/drawingml/2011/main" val="1"/>
             </a:ext>
           </a:extLst>
         </p:spPr>
         <p:txBody>
           <a:bodyPr lIns="50800" tIns="50800" rIns="50800" bIns="50800">
-            <a:normAutofit fontScale="100000" lnSpcReduction="0"/>
+            <a:normAutofit/>
           </a:bodyPr>
           <a:lstStyle/>
           <a:p>
-            <a:pPr/>
             <a:r>
               <a:t>Slide Title</a:t>
             </a:r>
@@ -3627,7 +3648,9 @@
       <p:sp>
         <p:nvSpPr>
           <p:cNvPr id="3" name="Body Level One…"/>
-          <p:cNvSpPr txBox="1"/>
+          <p:cNvSpPr txBox="1">
+            <a:spLocks noGrp="1"/>
+          </p:cNvSpPr>
           <p:nvPr>
             <p:ph type="body" idx="1" hasCustomPrompt="1"/>
           </p:nvPr>
@@ -3645,51 +3668,44 @@
           </a:ln>
           <a:extLst>
             <a:ext uri="{C572A759-6A51-4108-AA02-DFA0A04FC94B}">
-              <ma14:wrappingTextBoxFlag xmlns:ma14="http://schemas.microsoft.com/office/mac/drawingml/2011/main" val="1"/>
+              <ma14:wrappingTextBoxFlag xmlns="" xmlns:m="http://schemas.openxmlformats.org/officeDocument/2006/math" xmlns:a14="http://schemas.microsoft.com/office/drawing/2010/main" xmlns:ma14="http://schemas.microsoft.com/office/mac/drawingml/2011/main" val="1"/>
             </a:ext>
           </a:extLst>
         </p:spPr>
         <p:txBody>
           <a:bodyPr lIns="50800" tIns="50800" rIns="50800" bIns="50800">
-            <a:normAutofit fontScale="100000" lnSpcReduction="0"/>
+            <a:normAutofit/>
           </a:bodyPr>
           <a:lstStyle/>
           <a:p>
-            <a:pPr/>
             <a:r>
               <a:t>Slide bullet text</a:t>
             </a:r>
           </a:p>
           <a:p>
             <a:pPr lvl="1"/>
-            <a:r>
-              <a:t/>
-            </a:r>
+            <a:endParaRPr/>
           </a:p>
           <a:p>
             <a:pPr lvl="2"/>
-            <a:r>
-              <a:t/>
-            </a:r>
+            <a:endParaRPr/>
           </a:p>
           <a:p>
             <a:pPr lvl="3"/>
-            <a:r>
-              <a:t/>
-            </a:r>
+            <a:endParaRPr/>
           </a:p>
           <a:p>
             <a:pPr lvl="4"/>
-            <a:r>
-              <a:t/>
-            </a:r>
+            <a:endParaRPr/>
           </a:p>
         </p:txBody>
       </p:sp>
       <p:sp>
         <p:nvSpPr>
           <p:cNvPr id="4" name="Slide Number"/>
-          <p:cNvSpPr txBox="1"/>
+          <p:cNvSpPr txBox="1">
+            <a:spLocks noGrp="1"/>
+          </p:cNvSpPr>
           <p:nvPr>
             <p:ph type="sldNum" sz="quarter" idx="2"/>
           </p:nvPr>
@@ -3720,8 +3736,10 @@
             </a:lvl1pPr>
           </a:lstStyle>
           <a:p>
-            <a:pPr/>
-            <a:fld id="{86CB4B4D-7CA3-9044-876B-883B54F8677D}" type="slidenum"/>
+            <a:fld id="{86CB4B4D-7CA3-9044-876B-883B54F8677D}" type="slidenum">
+              <a:t>‹#›</a:t>
+            </a:fld>
+            <a:endParaRPr/>
           </a:p>
         </p:txBody>
       </p:sp>
@@ -3729,23 +3747,23 @@
   </p:cSld>
   <p:clrMap bg1="lt1" tx1="dk1" bg2="lt2" tx2="dk2" accent1="accent1" accent2="accent2" accent3="accent3" accent4="accent4" accent5="accent5" accent6="accent6" hlink="hlink" folHlink="folHlink"/>
   <p:sldLayoutIdLst>
-    <p:sldLayoutId id="2147483649" r:id="rId2"/>
-    <p:sldLayoutId id="2147483650" r:id="rId3"/>
-    <p:sldLayoutId id="2147483651" r:id="rId4"/>
-    <p:sldLayoutId id="2147483652" r:id="rId5"/>
-    <p:sldLayoutId id="2147483653" r:id="rId6"/>
-    <p:sldLayoutId id="2147483654" r:id="rId7"/>
-    <p:sldLayoutId id="2147483655" r:id="rId8"/>
-    <p:sldLayoutId id="2147483656" r:id="rId9"/>
-    <p:sldLayoutId id="2147483657" r:id="rId10"/>
-    <p:sldLayoutId id="2147483658" r:id="rId11"/>
-    <p:sldLayoutId id="2147483659" r:id="rId12"/>
-    <p:sldLayoutId id="2147483660" r:id="rId13"/>
-    <p:sldLayoutId id="2147483661" r:id="rId14"/>
-    <p:sldLayoutId id="2147483662" r:id="rId15"/>
-    <p:sldLayoutId id="2147483663" r:id="rId16"/>
+    <p:sldLayoutId id="2147483649" r:id="rId1"/>
+    <p:sldLayoutId id="2147483650" r:id="rId2"/>
+    <p:sldLayoutId id="2147483651" r:id="rId3"/>
+    <p:sldLayoutId id="2147483652" r:id="rId4"/>
+    <p:sldLayoutId id="2147483653" r:id="rId5"/>
+    <p:sldLayoutId id="2147483654" r:id="rId6"/>
+    <p:sldLayoutId id="2147483655" r:id="rId7"/>
+    <p:sldLayoutId id="2147483656" r:id="rId8"/>
+    <p:sldLayoutId id="2147483657" r:id="rId9"/>
+    <p:sldLayoutId id="2147483658" r:id="rId10"/>
+    <p:sldLayoutId id="2147483659" r:id="rId11"/>
+    <p:sldLayoutId id="2147483660" r:id="rId12"/>
+    <p:sldLayoutId id="2147483661" r:id="rId13"/>
+    <p:sldLayoutId id="2147483662" r:id="rId14"/>
+    <p:sldLayoutId id="2147483663" r:id="rId15"/>
   </p:sldLayoutIdLst>
-  <p:transition xmlns:p14="http://schemas.microsoft.com/office/powerpoint/2010/main" spd="med" advClick="1"/>
+  <p:transition spd="med"/>
   <p:txStyles>
     <p:titleStyle>
       <a:lvl1pPr marL="0" marR="0" indent="0" algn="l" defTabSz="2438338" rtl="0" latinLnBrk="0">
@@ -3763,7 +3781,7 @@
         <a:buFontTx/>
         <a:buNone/>
         <a:tabLst/>
-        <a:defRPr b="1" baseline="0" cap="none" i="0" spc="-170" strike="noStrike" sz="8500" u="none">
+        <a:defRPr sz="8500" b="1" i="0" u="none" strike="noStrike" cap="none" spc="-170" baseline="0">
           <a:solidFill>
             <a:schemeClr val="accent1">
               <a:hueOff val="114395"/>
@@ -3792,7 +3810,7 @@
         <a:buFontTx/>
         <a:buNone/>
         <a:tabLst/>
-        <a:defRPr b="1" baseline="0" cap="none" i="0" spc="-170" strike="noStrike" sz="8500" u="none">
+        <a:defRPr sz="8500" b="1" i="0" u="none" strike="noStrike" cap="none" spc="-170" baseline="0">
           <a:solidFill>
             <a:schemeClr val="accent1">
               <a:hueOff val="114395"/>
@@ -3821,7 +3839,7 @@
         <a:buFontTx/>
         <a:buNone/>
         <a:tabLst/>
-        <a:defRPr b="1" baseline="0" cap="none" i="0" spc="-170" strike="noStrike" sz="8500" u="none">
+        <a:defRPr sz="8500" b="1" i="0" u="none" strike="noStrike" cap="none" spc="-170" baseline="0">
           <a:solidFill>
             <a:schemeClr val="accent1">
               <a:hueOff val="114395"/>
@@ -3850,7 +3868,7 @@
         <a:buFontTx/>
         <a:buNone/>
         <a:tabLst/>
-        <a:defRPr b="1" baseline="0" cap="none" i="0" spc="-170" strike="noStrike" sz="8500" u="none">
+        <a:defRPr sz="8500" b="1" i="0" u="none" strike="noStrike" cap="none" spc="-170" baseline="0">
           <a:solidFill>
             <a:schemeClr val="accent1">
               <a:hueOff val="114395"/>
@@ -3879,7 +3897,7 @@
         <a:buFontTx/>
         <a:buNone/>
         <a:tabLst/>
-        <a:defRPr b="1" baseline="0" cap="none" i="0" spc="-170" strike="noStrike" sz="8500" u="none">
+        <a:defRPr sz="8500" b="1" i="0" u="none" strike="noStrike" cap="none" spc="-170" baseline="0">
           <a:solidFill>
             <a:schemeClr val="accent1">
               <a:hueOff val="114395"/>
@@ -3908,7 +3926,7 @@
         <a:buFontTx/>
         <a:buNone/>
         <a:tabLst/>
-        <a:defRPr b="1" baseline="0" cap="none" i="0" spc="-170" strike="noStrike" sz="8500" u="none">
+        <a:defRPr sz="8500" b="1" i="0" u="none" strike="noStrike" cap="none" spc="-170" baseline="0">
           <a:solidFill>
             <a:schemeClr val="accent1">
               <a:hueOff val="114395"/>
@@ -3937,7 +3955,7 @@
         <a:buFontTx/>
         <a:buNone/>
         <a:tabLst/>
-        <a:defRPr b="1" baseline="0" cap="none" i="0" spc="-170" strike="noStrike" sz="8500" u="none">
+        <a:defRPr sz="8500" b="1" i="0" u="none" strike="noStrike" cap="none" spc="-170" baseline="0">
           <a:solidFill>
             <a:schemeClr val="accent1">
               <a:hueOff val="114395"/>
@@ -3966,7 +3984,7 @@
         <a:buFontTx/>
         <a:buNone/>
         <a:tabLst/>
-        <a:defRPr b="1" baseline="0" cap="none" i="0" spc="-170" strike="noStrike" sz="8500" u="none">
+        <a:defRPr sz="8500" b="1" i="0" u="none" strike="noStrike" cap="none" spc="-170" baseline="0">
           <a:solidFill>
             <a:schemeClr val="accent1">
               <a:hueOff val="114395"/>
@@ -3995,7 +4013,7 @@
         <a:buFontTx/>
         <a:buNone/>
         <a:tabLst/>
-        <a:defRPr b="1" baseline="0" cap="none" i="0" spc="-170" strike="noStrike" sz="8500" u="none">
+        <a:defRPr sz="8500" b="1" i="0" u="none" strike="noStrike" cap="none" spc="-170" baseline="0">
           <a:solidFill>
             <a:schemeClr val="accent1">
               <a:hueOff val="114395"/>
@@ -4026,7 +4044,7 @@
         <a:buFontTx/>
         <a:buChar char="•"/>
         <a:tabLst/>
-        <a:defRPr b="0" baseline="0" cap="none" i="0" spc="0" strike="noStrike" sz="4800" u="none">
+        <a:defRPr sz="4800" b="0" i="0" u="none" strike="noStrike" cap="none" spc="0" baseline="0">
           <a:solidFill>
             <a:srgbClr val="000000"/>
           </a:solidFill>
@@ -4052,7 +4070,7 @@
         <a:buFontTx/>
         <a:buChar char="•"/>
         <a:tabLst/>
-        <a:defRPr b="0" baseline="0" cap="none" i="0" spc="0" strike="noStrike" sz="4800" u="none">
+        <a:defRPr sz="4800" b="0" i="0" u="none" strike="noStrike" cap="none" spc="0" baseline="0">
           <a:solidFill>
             <a:srgbClr val="000000"/>
           </a:solidFill>
@@ -4078,7 +4096,7 @@
         <a:buFontTx/>
         <a:buChar char="•"/>
         <a:tabLst/>
-        <a:defRPr b="0" baseline="0" cap="none" i="0" spc="0" strike="noStrike" sz="4800" u="none">
+        <a:defRPr sz="4800" b="0" i="0" u="none" strike="noStrike" cap="none" spc="0" baseline="0">
           <a:solidFill>
             <a:srgbClr val="000000"/>
           </a:solidFill>
@@ -4104,7 +4122,7 @@
         <a:buFontTx/>
         <a:buChar char="•"/>
         <a:tabLst/>
-        <a:defRPr b="0" baseline="0" cap="none" i="0" spc="0" strike="noStrike" sz="4800" u="none">
+        <a:defRPr sz="4800" b="0" i="0" u="none" strike="noStrike" cap="none" spc="0" baseline="0">
           <a:solidFill>
             <a:srgbClr val="000000"/>
           </a:solidFill>
@@ -4130,7 +4148,7 @@
         <a:buFontTx/>
         <a:buChar char="•"/>
         <a:tabLst/>
-        <a:defRPr b="0" baseline="0" cap="none" i="0" spc="0" strike="noStrike" sz="4800" u="none">
+        <a:defRPr sz="4800" b="0" i="0" u="none" strike="noStrike" cap="none" spc="0" baseline="0">
           <a:solidFill>
             <a:srgbClr val="000000"/>
           </a:solidFill>
@@ -4156,7 +4174,7 @@
         <a:buFontTx/>
         <a:buChar char="•"/>
         <a:tabLst/>
-        <a:defRPr b="0" baseline="0" cap="none" i="0" spc="0" strike="noStrike" sz="4800" u="none">
+        <a:defRPr sz="4800" b="0" i="0" u="none" strike="noStrike" cap="none" spc="0" baseline="0">
           <a:solidFill>
             <a:srgbClr val="000000"/>
           </a:solidFill>
@@ -4182,7 +4200,7 @@
         <a:buFontTx/>
         <a:buChar char="•"/>
         <a:tabLst/>
-        <a:defRPr b="0" baseline="0" cap="none" i="0" spc="0" strike="noStrike" sz="4800" u="none">
+        <a:defRPr sz="4800" b="0" i="0" u="none" strike="noStrike" cap="none" spc="0" baseline="0">
           <a:solidFill>
             <a:srgbClr val="000000"/>
           </a:solidFill>
@@ -4208,7 +4226,7 @@
         <a:buFontTx/>
         <a:buChar char="•"/>
         <a:tabLst/>
-        <a:defRPr b="0" baseline="0" cap="none" i="0" spc="0" strike="noStrike" sz="4800" u="none">
+        <a:defRPr sz="4800" b="0" i="0" u="none" strike="noStrike" cap="none" spc="0" baseline="0">
           <a:solidFill>
             <a:srgbClr val="000000"/>
           </a:solidFill>
@@ -4234,7 +4252,7 @@
         <a:buFontTx/>
         <a:buChar char="•"/>
         <a:tabLst/>
-        <a:defRPr b="0" baseline="0" cap="none" i="0" spc="0" strike="noStrike" sz="4800" u="none">
+        <a:defRPr sz="4800" b="0" i="0" u="none" strike="noStrike" cap="none" spc="0" baseline="0">
           <a:solidFill>
             <a:srgbClr val="000000"/>
           </a:solidFill>
@@ -4262,7 +4280,7 @@
         <a:buFontTx/>
         <a:buNone/>
         <a:tabLst/>
-        <a:defRPr b="0" baseline="0" cap="none" i="0" spc="0" strike="noStrike" sz="1800" u="none">
+        <a:defRPr sz="1800" b="0" i="0" u="none" strike="noStrike" cap="none" spc="0" baseline="0">
           <a:solidFill>
             <a:schemeClr val="tx1"/>
           </a:solidFill>
@@ -4288,7 +4306,7 @@
         <a:buFontTx/>
         <a:buNone/>
         <a:tabLst/>
-        <a:defRPr b="0" baseline="0" cap="none" i="0" spc="0" strike="noStrike" sz="1800" u="none">
+        <a:defRPr sz="1800" b="0" i="0" u="none" strike="noStrike" cap="none" spc="0" baseline="0">
           <a:solidFill>
             <a:schemeClr val="tx1"/>
           </a:solidFill>
@@ -4314,7 +4332,7 @@
         <a:buFontTx/>
         <a:buNone/>
         <a:tabLst/>
-        <a:defRPr b="0" baseline="0" cap="none" i="0" spc="0" strike="noStrike" sz="1800" u="none">
+        <a:defRPr sz="1800" b="0" i="0" u="none" strike="noStrike" cap="none" spc="0" baseline="0">
           <a:solidFill>
             <a:schemeClr val="tx1"/>
           </a:solidFill>
@@ -4340,7 +4358,7 @@
         <a:buFontTx/>
         <a:buNone/>
         <a:tabLst/>
-        <a:defRPr b="0" baseline="0" cap="none" i="0" spc="0" strike="noStrike" sz="1800" u="none">
+        <a:defRPr sz="1800" b="0" i="0" u="none" strike="noStrike" cap="none" spc="0" baseline="0">
           <a:solidFill>
             <a:schemeClr val="tx1"/>
           </a:solidFill>
@@ -4366,7 +4384,7 @@
         <a:buFontTx/>
         <a:buNone/>
         <a:tabLst/>
-        <a:defRPr b="0" baseline="0" cap="none" i="0" spc="0" strike="noStrike" sz="1800" u="none">
+        <a:defRPr sz="1800" b="0" i="0" u="none" strike="noStrike" cap="none" spc="0" baseline="0">
           <a:solidFill>
             <a:schemeClr val="tx1"/>
           </a:solidFill>
@@ -4392,7 +4410,7 @@
         <a:buFontTx/>
         <a:buNone/>
         <a:tabLst/>
-        <a:defRPr b="0" baseline="0" cap="none" i="0" spc="0" strike="noStrike" sz="1800" u="none">
+        <a:defRPr sz="1800" b="0" i="0" u="none" strike="noStrike" cap="none" spc="0" baseline="0">
           <a:solidFill>
             <a:schemeClr val="tx1"/>
           </a:solidFill>
@@ -4418,7 +4436,7 @@
         <a:buFontTx/>
         <a:buNone/>
         <a:tabLst/>
-        <a:defRPr b="0" baseline="0" cap="none" i="0" spc="0" strike="noStrike" sz="1800" u="none">
+        <a:defRPr sz="1800" b="0" i="0" u="none" strike="noStrike" cap="none" spc="0" baseline="0">
           <a:solidFill>
             <a:schemeClr val="tx1"/>
           </a:solidFill>
@@ -4444,7 +4462,7 @@
         <a:buFontTx/>
         <a:buNone/>
         <a:tabLst/>
-        <a:defRPr b="0" baseline="0" cap="none" i="0" spc="0" strike="noStrike" sz="1800" u="none">
+        <a:defRPr sz="1800" b="0" i="0" u="none" strike="noStrike" cap="none" spc="0" baseline="0">
           <a:solidFill>
             <a:schemeClr val="tx1"/>
           </a:solidFill>
@@ -4470,7 +4488,7 @@
         <a:buFontTx/>
         <a:buNone/>
         <a:tabLst/>
-        <a:defRPr b="0" baseline="0" cap="none" i="0" spc="0" strike="noStrike" sz="1800" u="none">
+        <a:defRPr sz="1800" b="0" i="0" u="none" strike="noStrike" cap="none" spc="0" baseline="0">
           <a:solidFill>
             <a:schemeClr val="tx1"/>
           </a:solidFill>
@@ -4487,7 +4505,7 @@
 </file>
 
 <file path=ppt/slides/slide1.xml><?xml version="1.0" encoding="utf-8"?>
-<p:sld xmlns:a="http://schemas.openxmlformats.org/drawingml/2006/main" xmlns:r="http://schemas.openxmlformats.org/officeDocument/2006/relationships" xmlns:p="http://schemas.openxmlformats.org/presentationml/2006/main" xmlns:m="http://schemas.openxmlformats.org/officeDocument/2006/math" xmlns:a14="http://schemas.microsoft.com/office/drawing/2010/main" showMasterSp="1" showMasterPhAnim="1">
+<p:sld xmlns:a="http://schemas.openxmlformats.org/drawingml/2006/main" xmlns:r="http://schemas.openxmlformats.org/officeDocument/2006/relationships" xmlns:p="http://schemas.openxmlformats.org/presentationml/2006/main">
   <p:cSld>
     <p:spTree>
       <p:nvGrpSpPr>
@@ -4506,7 +4524,9 @@
       <p:sp>
         <p:nvSpPr>
           <p:cNvPr id="151" name="Jake Guerrero"/>
-          <p:cNvSpPr txBox="1"/>
+          <p:cNvSpPr txBox="1">
+            <a:spLocks noGrp="1"/>
+          </p:cNvSpPr>
           <p:nvPr>
             <p:ph type="body" idx="21"/>
           </p:nvPr>
@@ -4517,15 +4537,16 @@
           </a:prstGeom>
           <a:extLst>
             <a:ext uri="{C572A759-6A51-4108-AA02-DFA0A04FC94B}">
-              <ma14:wrappingTextBoxFlag xmlns:ma14="http://schemas.microsoft.com/office/mac/drawingml/2011/main" val="1"/>
+              <ma14:wrappingTextBoxFlag xmlns="" xmlns:m="http://schemas.openxmlformats.org/officeDocument/2006/math" xmlns:a14="http://schemas.microsoft.com/office/drawing/2010/main" xmlns:ma14="http://schemas.microsoft.com/office/mac/drawingml/2011/main" val="1"/>
             </a:ext>
           </a:extLst>
         </p:spPr>
         <p:txBody>
-          <a:bodyPr/>
+          <a:bodyPr>
+            <a:normAutofit lnSpcReduction="10000"/>
+          </a:bodyPr>
           <a:lstStyle/>
           <a:p>
-            <a:pPr/>
             <a:r>
               <a:t>Jake Guerrero</a:t>
             </a:r>
@@ -4535,7 +4556,9 @@
       <p:sp>
         <p:nvSpPr>
           <p:cNvPr id="152" name="Email Usage"/>
-          <p:cNvSpPr txBox="1"/>
+          <p:cNvSpPr txBox="1">
+            <a:spLocks noGrp="1"/>
+          </p:cNvSpPr>
           <p:nvPr>
             <p:ph type="ctrTitle"/>
           </p:nvPr>
@@ -4549,7 +4572,6 @@
           <a:bodyPr/>
           <a:lstStyle/>
           <a:p>
-            <a:pPr/>
             <a:r>
               <a:t>Email Usage</a:t>
             </a:r>
@@ -4561,12 +4583,12 @@
   <p:clrMapOvr>
     <a:masterClrMapping/>
   </p:clrMapOvr>
-  <p:transition xmlns:p14="http://schemas.microsoft.com/office/powerpoint/2010/main" spd="med" advClick="1"/>
+  <p:transition spd="med"/>
 </p:sld>
 </file>
 
 <file path=ppt/slides/slide2.xml><?xml version="1.0" encoding="utf-8"?>
-<p:sld xmlns:a="http://schemas.openxmlformats.org/drawingml/2006/main" xmlns:r="http://schemas.openxmlformats.org/officeDocument/2006/relationships" xmlns:p="http://schemas.openxmlformats.org/presentationml/2006/main" xmlns:m="http://schemas.openxmlformats.org/officeDocument/2006/math" xmlns:a14="http://schemas.microsoft.com/office/drawing/2010/main" showMasterSp="1" showMasterPhAnim="1">
+<p:sld xmlns:a="http://schemas.openxmlformats.org/drawingml/2006/main" xmlns:r="http://schemas.openxmlformats.org/officeDocument/2006/relationships" xmlns:p="http://schemas.openxmlformats.org/presentationml/2006/main">
   <p:cSld>
     <p:spTree>
       <p:nvGrpSpPr>
@@ -4585,7 +4607,9 @@
       <p:sp>
         <p:nvSpPr>
           <p:cNvPr id="154" name="Email Usage"/>
-          <p:cNvSpPr txBox="1"/>
+          <p:cNvSpPr txBox="1">
+            <a:spLocks noGrp="1"/>
+          </p:cNvSpPr>
           <p:nvPr>
             <p:ph type="title"/>
           </p:nvPr>
@@ -4599,7 +4623,6 @@
           <a:bodyPr/>
           <a:lstStyle/>
           <a:p>
-            <a:pPr/>
             <a:r>
               <a:t>Email Usage</a:t>
             </a:r>
@@ -4609,7 +4632,9 @@
       <p:sp>
         <p:nvSpPr>
           <p:cNvPr id="155" name="Majority of every person in the world has at least an email set up in their name, around 85% of the world. Statistics tell that in 2025, over 376 billon emails will have been sent to people all over the world. 90 percent of users in the United States are"/>
-          <p:cNvSpPr txBox="1"/>
+          <p:cNvSpPr txBox="1">
+            <a:spLocks noGrp="1"/>
+          </p:cNvSpPr>
           <p:nvPr>
             <p:ph type="body" sz="half" idx="1"/>
           </p:nvPr>
@@ -4634,7 +4659,6 @@
             </a:lvl1pPr>
           </a:lstStyle>
           <a:p>
-            <a:pPr/>
             <a:r>
               <a:t>Majority of every person in the world has at least an email set up in their name, around 85% of the world. Statistics tell that in 2025, over 376 billon emails will have been sent to people all over the world. 90 percent of users in the United States are on Google Mail, showing over 130 million people on the site. Aol, another company that provides help for people send emails to other people around the world. During its peak, AOL had the most people using the service. People use these email providers in their every day life, between work, school, social life, social media and games through their devices found in their homes on a day to day activity. Email usage will continue to rise, having over a billion users in 2025.</a:t>
             </a:r>
@@ -4650,9 +4674,7 @@
           <p:nvPr/>
         </p:nvPicPr>
         <p:blipFill>
-          <a:blip r:embed="rId2">
-            <a:extLst/>
-          </a:blip>
+          <a:blip r:embed="rId2"/>
           <a:stretch>
             <a:fillRect/>
           </a:stretch>
@@ -4675,12 +4697,12 @@
   <p:clrMapOvr>
     <a:masterClrMapping/>
   </p:clrMapOvr>
-  <p:transition xmlns:p14="http://schemas.microsoft.com/office/powerpoint/2010/main" spd="med" advClick="1"/>
+  <p:transition spd="med"/>
 </p:sld>
 </file>
 
 <file path=ppt/slides/slide3.xml><?xml version="1.0" encoding="utf-8"?>
-<p:sld xmlns:a="http://schemas.openxmlformats.org/drawingml/2006/main" xmlns:r="http://schemas.openxmlformats.org/officeDocument/2006/relationships" xmlns:p="http://schemas.openxmlformats.org/presentationml/2006/main" xmlns:m="http://schemas.openxmlformats.org/officeDocument/2006/math" xmlns:a14="http://schemas.microsoft.com/office/drawing/2010/main" showMasterSp="1" showMasterPhAnim="1">
+<p:sld xmlns:a="http://schemas.openxmlformats.org/drawingml/2006/main" xmlns:r="http://schemas.openxmlformats.org/officeDocument/2006/relationships" xmlns:p="http://schemas.openxmlformats.org/presentationml/2006/main">
   <p:cSld>
     <p:spTree>
       <p:nvGrpSpPr>
@@ -4699,7 +4721,9 @@
       <p:sp>
         <p:nvSpPr>
           <p:cNvPr id="158" name="Aol"/>
-          <p:cNvSpPr txBox="1"/>
+          <p:cNvSpPr txBox="1">
+            <a:spLocks noGrp="1"/>
+          </p:cNvSpPr>
           <p:nvPr>
             <p:ph type="title"/>
           </p:nvPr>
@@ -4713,7 +4737,6 @@
           <a:bodyPr/>
           <a:lstStyle/>
           <a:p>
-            <a:pPr/>
             <a:r>
               <a:t>Aol</a:t>
             </a:r>
@@ -4723,7 +4746,9 @@
       <p:sp>
         <p:nvSpPr>
           <p:cNvPr id="159" name="As of 1993, the American Online (AOL) and Delphi started using email services. In 1996, around 5 million people had subscribed to the service. At the services peak four years later, 23 million people joined aol’s services. After years, when google, yahoo"/>
-          <p:cNvSpPr txBox="1"/>
+          <p:cNvSpPr txBox="1">
+            <a:spLocks noGrp="1"/>
+          </p:cNvSpPr>
           <p:nvPr>
             <p:ph type="body" sz="half" idx="1"/>
           </p:nvPr>
@@ -4741,9 +4766,17 @@
           <a:bodyPr/>
           <a:lstStyle/>
           <a:p>
-            <a:pPr/>
             <a:r>
-              <a:t>As of 1993, the American Online (AOL) and Delphi started using email services. In 1996, around 5 million people had subscribed to the service. At the services peak four years later, 23 million people joined aol’s services. After years, when google, yahoo, and other services were adding onto email, the amount of people joining decreased. When 2012 came around, the service had around 3.5 million people while 9 years later, it dwindled to 1.5 million people.</a:t>
+              <a:rPr dirty="0"/>
+              <a:t>As of 1993, the American Online (AOL) and Delphi started using email services. In 1996, around 5 million people had subscribed to the service. At the services peak four years later, 23 million people joined </a:t>
+            </a:r>
+            <a:r>
+              <a:rPr dirty="0" err="1"/>
+              <a:t>aol’s</a:t>
+            </a:r>
+            <a:r>
+              <a:rPr dirty="0"/>
+              <a:t> services. After years, when google, yahoo, and other services were adding onto email, the amount of people joining decreased. When 2012 came around, the service had around 3.5 million people while 9 years later, it dwindled to 1.5 million people.</a:t>
             </a:r>
           </a:p>
         </p:txBody>
@@ -4752,15 +4785,159 @@
         <p:nvGraphicFramePr>
           <p:cNvPr id="160" name="2D Column Chart"/>
           <p:cNvGraphicFramePr/>
-          <p:nvPr/>
+          <p:nvPr>
+            <p:extLst>
+              <p:ext uri="{D42A27DB-BD31-4B8C-83A1-F6EECF244321}">
+                <p14:modId xmlns:p14="http://schemas.microsoft.com/office/powerpoint/2010/main" val="3870518947"/>
+              </p:ext>
+            </p:extLst>
+          </p:nvPr>
         </p:nvGraphicFramePr>
         <p:xfrm>
           <a:off x="490279" y="4680710"/>
           <a:ext cx="11105541" cy="7015883"/>
         </p:xfrm>
-        <a:graphic xmlns:a="http://schemas.openxmlformats.org/drawingml/2006/main">
+        <a:graphic>
           <a:graphicData uri="http://schemas.openxmlformats.org/drawingml/2006/chart">
-            <c:chart xmlns:c="http://schemas.openxmlformats.org/drawingml/2006/chart" r:id="rId2"/>
+            <c:chart xmlns:c="http://schemas.openxmlformats.org/drawingml/2006/chart" xmlns:r="http://schemas.openxmlformats.org/officeDocument/2006/relationships" r:id="rId2"/>
+          </a:graphicData>
+        </a:graphic>
+      </p:graphicFrame>
+      <p:graphicFrame>
+        <p:nvGraphicFramePr>
+          <p:cNvPr id="2" name="Table 2">
+            <a:extLst>
+              <a:ext uri="{FF2B5EF4-FFF2-40B4-BE49-F238E27FC236}">
+                <a16:creationId xmlns:a16="http://schemas.microsoft.com/office/drawing/2014/main" id="{A7989DF5-74B1-3741-97A6-F8736DA428F2}"/>
+              </a:ext>
+            </a:extLst>
+          </p:cNvPr>
+          <p:cNvGraphicFramePr>
+            <a:graphicFrameLocks noGrp="1"/>
+          </p:cNvGraphicFramePr>
+          <p:nvPr>
+            <p:extLst>
+              <p:ext uri="{D42A27DB-BD31-4B8C-83A1-F6EECF244321}">
+                <p14:modId xmlns:p14="http://schemas.microsoft.com/office/powerpoint/2010/main" val="3927547680"/>
+              </p:ext>
+            </p:extLst>
+          </p:nvPr>
+        </p:nvGraphicFramePr>
+        <p:xfrm>
+          <a:off x="4121150" y="11513712"/>
+          <a:ext cx="5045152" cy="534317"/>
+        </p:xfrm>
+        <a:graphic>
+          <a:graphicData uri="http://schemas.openxmlformats.org/drawingml/2006/table">
+            <a:tbl>
+              <a:tblPr firstRow="1" bandRow="1">
+                <a:tableStyleId>{5940675A-B579-460E-94D1-54222C63F5DA}</a:tableStyleId>
+              </a:tblPr>
+              <a:tblGrid>
+                <a:gridCol w="5045152">
+                  <a:extLst>
+                    <a:ext uri="{9D8B030D-6E8A-4147-A177-3AD203B41FA5}">
+                      <a16:colId xmlns:a16="http://schemas.microsoft.com/office/drawing/2014/main" val="1907106088"/>
+                    </a:ext>
+                  </a:extLst>
+                </a:gridCol>
+              </a:tblGrid>
+              <a:tr h="534317">
+                <a:tc>
+                  <a:txBody>
+                    <a:bodyPr/>
+                    <a:lstStyle/>
+                    <a:p>
+                      <a:r>
+                        <a:rPr lang="en-US" sz="2400" b="1" dirty="0">
+                          <a:solidFill>
+                            <a:schemeClr val="bg2">
+                              <a:lumMod val="10000"/>
+                            </a:schemeClr>
+                          </a:solidFill>
+                        </a:rPr>
+                        <a:t>Years of AOL</a:t>
+                      </a:r>
+                    </a:p>
+                  </a:txBody>
+                  <a:tcPr/>
+                </a:tc>
+                <a:extLst>
+                  <a:ext uri="{0D108BD9-81ED-4DB2-BD59-A6C34878D82A}">
+                    <a16:rowId xmlns:a16="http://schemas.microsoft.com/office/drawing/2014/main" val="2639034568"/>
+                  </a:ext>
+                </a:extLst>
+              </a:tr>
+            </a:tbl>
+          </a:graphicData>
+        </a:graphic>
+      </p:graphicFrame>
+      <p:graphicFrame>
+        <p:nvGraphicFramePr>
+          <p:cNvPr id="3" name="Table 2">
+            <a:extLst>
+              <a:ext uri="{FF2B5EF4-FFF2-40B4-BE49-F238E27FC236}">
+                <a16:creationId xmlns:a16="http://schemas.microsoft.com/office/drawing/2014/main" id="{FA16F41A-9898-6781-2BA7-A00B1BA110B3}"/>
+              </a:ext>
+            </a:extLst>
+          </p:cNvPr>
+          <p:cNvGraphicFramePr>
+            <a:graphicFrameLocks noGrp="1"/>
+          </p:cNvGraphicFramePr>
+          <p:nvPr>
+            <p:extLst>
+              <p:ext uri="{D42A27DB-BD31-4B8C-83A1-F6EECF244321}">
+                <p14:modId xmlns:p14="http://schemas.microsoft.com/office/powerpoint/2010/main" val="2269277393"/>
+              </p:ext>
+            </p:extLst>
+          </p:nvPr>
+        </p:nvGraphicFramePr>
+        <p:xfrm>
+          <a:off x="0" y="6858001"/>
+          <a:ext cx="2252778" cy="858644"/>
+        </p:xfrm>
+        <a:graphic>
+          <a:graphicData uri="http://schemas.openxmlformats.org/drawingml/2006/table">
+            <a:tbl>
+              <a:tblPr firstRow="1" bandRow="1">
+                <a:tableStyleId>{5940675A-B579-460E-94D1-54222C63F5DA}</a:tableStyleId>
+              </a:tblPr>
+              <a:tblGrid>
+                <a:gridCol w="2252778">
+                  <a:extLst>
+                    <a:ext uri="{9D8B030D-6E8A-4147-A177-3AD203B41FA5}">
+                      <a16:colId xmlns:a16="http://schemas.microsoft.com/office/drawing/2014/main" val="1907106088"/>
+                    </a:ext>
+                  </a:extLst>
+                </a:gridCol>
+              </a:tblGrid>
+              <a:tr h="858644">
+                <a:tc>
+                  <a:txBody>
+                    <a:bodyPr/>
+                    <a:lstStyle/>
+                    <a:p>
+                      <a:r>
+                        <a:rPr lang="en-US" sz="2400" b="1" dirty="0">
+                          <a:solidFill>
+                            <a:schemeClr val="bg2">
+                              <a:lumMod val="10000"/>
+                            </a:schemeClr>
+                          </a:solidFill>
+                        </a:rPr>
+                        <a:t># of People using</a:t>
+                      </a:r>
+                    </a:p>
+                  </a:txBody>
+                  <a:tcPr/>
+                </a:tc>
+                <a:extLst>
+                  <a:ext uri="{0D108BD9-81ED-4DB2-BD59-A6C34878D82A}">
+                    <a16:rowId xmlns:a16="http://schemas.microsoft.com/office/drawing/2014/main" val="2639034568"/>
+                  </a:ext>
+                </a:extLst>
+              </a:tr>
+            </a:tbl>
           </a:graphicData>
         </a:graphic>
       </p:graphicFrame>
@@ -4769,12 +4946,12 @@
   <p:clrMapOvr>
     <a:masterClrMapping/>
   </p:clrMapOvr>
-  <p:transition xmlns:p14="http://schemas.microsoft.com/office/powerpoint/2010/main" spd="med" advClick="1"/>
+  <p:transition spd="med"/>
 </p:sld>
 </file>
 
 <file path=ppt/slides/slide4.xml><?xml version="1.0" encoding="utf-8"?>
-<p:sld xmlns:a="http://schemas.openxmlformats.org/drawingml/2006/main" xmlns:r="http://schemas.openxmlformats.org/officeDocument/2006/relationships" xmlns:p="http://schemas.openxmlformats.org/presentationml/2006/main" xmlns:m="http://schemas.openxmlformats.org/officeDocument/2006/math" xmlns:a14="http://schemas.microsoft.com/office/drawing/2010/main" showMasterSp="1" showMasterPhAnim="1">
+<p:sld xmlns:a="http://schemas.openxmlformats.org/drawingml/2006/main" xmlns:r="http://schemas.openxmlformats.org/officeDocument/2006/relationships" xmlns:p="http://schemas.openxmlformats.org/presentationml/2006/main">
   <p:cSld>
     <p:spTree>
       <p:nvGrpSpPr>
@@ -4793,7 +4970,9 @@
       <p:sp>
         <p:nvSpPr>
           <p:cNvPr id="162" name="Gmail"/>
-          <p:cNvSpPr txBox="1"/>
+          <p:cNvSpPr txBox="1">
+            <a:spLocks noGrp="1"/>
+          </p:cNvSpPr>
           <p:nvPr>
             <p:ph type="title"/>
           </p:nvPr>
@@ -4807,7 +4986,6 @@
           <a:bodyPr/>
           <a:lstStyle/>
           <a:p>
-            <a:pPr/>
             <a:r>
               <a:t>Gmail</a:t>
             </a:r>
@@ -4817,7 +4995,9 @@
       <p:sp>
         <p:nvSpPr>
           <p:cNvPr id="163" name="Google, one of the worlds used search engines, came out in 1998. Six years later, google introduced gmail to the world. Gmail is used at the forefront of everything when logging into apps. Most apps ask which email they use, having gmail on the lists app"/>
-          <p:cNvSpPr txBox="1"/>
+          <p:cNvSpPr txBox="1">
+            <a:spLocks noGrp="1"/>
+          </p:cNvSpPr>
           <p:nvPr>
             <p:ph type="body" sz="half" idx="1"/>
           </p:nvPr>
@@ -4835,7 +5015,6 @@
           <a:bodyPr/>
           <a:lstStyle/>
           <a:p>
-            <a:pPr/>
             <a:r>
               <a:t>Google, one of the worlds used search engines, came out in 1998. Six years later, google introduced gmail to the world. Gmail is used at the forefront of everything when logging into apps. Most apps ask which email they use, having gmail on the lists apps and websites make. In 2015, gmail users reached 900 million people, growing to 1 billion people in 2016. Two years later, it reached over 1.8 billion users. Gmail grew over the years, being one of the most used email services of all time.</a:t>
             </a:r>
@@ -4852,9 +5031,9 @@
           <a:off x="220034" y="4644278"/>
           <a:ext cx="10889642" cy="7015883"/>
         </p:xfrm>
-        <a:graphic xmlns:a="http://schemas.openxmlformats.org/drawingml/2006/main">
+        <a:graphic>
           <a:graphicData uri="http://schemas.openxmlformats.org/drawingml/2006/chart">
-            <c:chart xmlns:c="http://schemas.openxmlformats.org/drawingml/2006/chart" r:id="rId2"/>
+            <c:chart xmlns:c="http://schemas.openxmlformats.org/drawingml/2006/chart" xmlns:r="http://schemas.openxmlformats.org/officeDocument/2006/relationships" r:id="rId2"/>
           </a:graphicData>
         </a:graphic>
       </p:graphicFrame>
@@ -4863,12 +5042,12 @@
   <p:clrMapOvr>
     <a:masterClrMapping/>
   </p:clrMapOvr>
-  <p:transition xmlns:p14="http://schemas.microsoft.com/office/powerpoint/2010/main" spd="med" advClick="1"/>
+  <p:transition spd="med"/>
 </p:sld>
 </file>
 
 <file path=ppt/slides/slide5.xml><?xml version="1.0" encoding="utf-8"?>
-<p:sld xmlns:a="http://schemas.openxmlformats.org/drawingml/2006/main" xmlns:r="http://schemas.openxmlformats.org/officeDocument/2006/relationships" xmlns:p="http://schemas.openxmlformats.org/presentationml/2006/main" xmlns:m="http://schemas.openxmlformats.org/officeDocument/2006/math" xmlns:a14="http://schemas.microsoft.com/office/drawing/2010/main" showMasterSp="1" showMasterPhAnim="1">
+<p:sld xmlns:a="http://schemas.openxmlformats.org/drawingml/2006/main" xmlns:r="http://schemas.openxmlformats.org/officeDocument/2006/relationships" xmlns:p="http://schemas.openxmlformats.org/presentationml/2006/main">
   <p:cSld>
     <p:spTree>
       <p:nvGrpSpPr>
@@ -4887,7 +5066,9 @@
       <p:sp>
         <p:nvSpPr>
           <p:cNvPr id="166" name="Email Education"/>
-          <p:cNvSpPr txBox="1"/>
+          <p:cNvSpPr txBox="1">
+            <a:spLocks noGrp="1"/>
+          </p:cNvSpPr>
           <p:nvPr>
             <p:ph type="title"/>
           </p:nvPr>
@@ -4901,7 +5082,6 @@
           <a:bodyPr/>
           <a:lstStyle/>
           <a:p>
-            <a:pPr/>
             <a:r>
               <a:t>Email Education</a:t>
             </a:r>
@@ -4911,7 +5091,9 @@
       <p:sp>
         <p:nvSpPr>
           <p:cNvPr id="167" name="Did you know there is an article published that tells how a how a person is educated by which email provider is used? The article, “Where are you @? What your email says about your education” by Carolyn Morris talks about how people use either gmail or a"/>
-          <p:cNvSpPr txBox="1"/>
+          <p:cNvSpPr txBox="1">
+            <a:spLocks noGrp="1"/>
+          </p:cNvSpPr>
           <p:nvPr>
             <p:ph type="body" idx="1"/>
           </p:nvPr>
@@ -4925,7 +5107,6 @@
           <a:bodyPr/>
           <a:lstStyle/>
           <a:p>
-            <a:pPr/>
             <a:r>
               <a:t>Did you know there is an article published that tells how a how a person is educated by which email provider is used? The article, “Where are you @? What your email says about your education” by Carolyn Morris talks about how people use either gmail or aol shows how the use of which provider a person uses. Email is used by a lot of generations. Morris tells that “there are approximately 900 million Gmail users” in the world, which half of them were first opened in the last three years from 2021. From a percent, 60 percent of gmail users use Gmail and have either a high school or Associates degree, while 75 percent have a bachelor’s and 80 percent are from a graduate or professional degrees. Nonetheless, people that are older than 55 use AOL account, saying that these people are the most educated.</a:t>
             </a:r>
@@ -4937,12 +5118,12 @@
   <p:clrMapOvr>
     <a:masterClrMapping/>
   </p:clrMapOvr>
-  <p:transition xmlns:p14="http://schemas.microsoft.com/office/powerpoint/2010/main" spd="med" advClick="1"/>
+  <p:transition spd="med"/>
 </p:sld>
 </file>
 
 <file path=ppt/slides/slide6.xml><?xml version="1.0" encoding="utf-8"?>
-<p:sld xmlns:a="http://schemas.openxmlformats.org/drawingml/2006/main" xmlns:r="http://schemas.openxmlformats.org/officeDocument/2006/relationships" xmlns:p="http://schemas.openxmlformats.org/presentationml/2006/main" xmlns:m="http://schemas.openxmlformats.org/officeDocument/2006/math" xmlns:a14="http://schemas.microsoft.com/office/drawing/2010/main" showMasterSp="1" showMasterPhAnim="1">
+<p:sld xmlns:a="http://schemas.openxmlformats.org/drawingml/2006/main" xmlns:r="http://schemas.openxmlformats.org/officeDocument/2006/relationships" xmlns:p="http://schemas.openxmlformats.org/presentationml/2006/main">
   <p:cSld>
     <p:spTree>
       <p:nvGrpSpPr>
@@ -4961,7 +5142,9 @@
       <p:sp>
         <p:nvSpPr>
           <p:cNvPr id="169" name="Credits"/>
-          <p:cNvSpPr txBox="1"/>
+          <p:cNvSpPr txBox="1">
+            <a:spLocks noGrp="1"/>
+          </p:cNvSpPr>
           <p:nvPr>
             <p:ph type="title"/>
           </p:nvPr>
@@ -4975,7 +5158,6 @@
           <a:bodyPr/>
           <a:lstStyle/>
           <a:p>
-            <a:pPr/>
             <a:r>
               <a:t>Credits</a:t>
             </a:r>
@@ -4985,7 +5167,9 @@
       <p:sp>
         <p:nvSpPr>
           <p:cNvPr id="170" name="https://www.cnbc.com/2021/05/03/aol-1point5-million-people-still-pay-for-service-but-not-for-dial-up-internet.html…"/>
-          <p:cNvSpPr txBox="1"/>
+          <p:cNvSpPr txBox="1">
+            <a:spLocks noGrp="1"/>
+          </p:cNvSpPr>
           <p:nvPr>
             <p:ph type="body" idx="1"/>
           </p:nvPr>
@@ -5007,7 +5191,7 @@
             </a:pPr>
             <a:r>
               <a:rPr u="sng">
-                <a:hlinkClick r:id="rId2" invalidUrl="" action="" tgtFrame="" tooltip="" history="1" highlightClick="0" endSnd="0"/>
+                <a:hlinkClick r:id="rId2"/>
               </a:rPr>
               <a:t>https://www.cnbc.com/2021/05/03/aol-1point5-million-people-still-pay-for-service-but-not-for-dial-up-internet.html</a:t>
             </a:r>
@@ -5021,7 +5205,7 @@
             </a:pPr>
             <a:r>
               <a:rPr u="sng">
-                <a:hlinkClick r:id="rId3" invalidUrl="" action="" tgtFrame="" tooltip="" history="1" highlightClick="0" endSnd="0"/>
+                <a:hlinkClick r:id="rId3"/>
               </a:rPr>
               <a:t>https://www.cnbc.com/2015/05/12/timeline-aol-through-the-years.html</a:t>
             </a:r>
@@ -5046,7 +5230,7 @@
             </a:pPr>
             <a:r>
               <a:rPr u="sng">
-                <a:hlinkClick r:id="rId4" invalidUrl="" action="" tgtFrame="" tooltip="" history="1" highlightClick="0" endSnd="0"/>
+                <a:hlinkClick r:id="rId4"/>
               </a:rPr>
               <a:t>https://time.com/43263/gmail-10th-anniversary/</a:t>
             </a:r>
@@ -5060,7 +5244,7 @@
             </a:pPr>
             <a:r>
               <a:rPr u="sng">
-                <a:hlinkClick r:id="rId5" invalidUrl="" action="" tgtFrame="" tooltip="" history="1" highlightClick="0" endSnd="0"/>
+                <a:hlinkClick r:id="rId5"/>
               </a:rPr>
               <a:t>https://techjury.net/blog/gmail-statistics/</a:t>
             </a:r>
@@ -5074,7 +5258,7 @@
             </a:pPr>
             <a:r>
               <a:rPr u="sng">
-                <a:hlinkClick r:id="rId6" invalidUrl="" action="" tgtFrame="" tooltip="" history="1" highlightClick="0" endSnd="0"/>
+                <a:hlinkClick r:id="rId6"/>
               </a:rPr>
               <a:t>https://www.sellcell.com/blog/most-popular-email-provider-by-number-of-users/</a:t>
             </a:r>
@@ -5097,12 +5281,12 @@
   <p:clrMapOvr>
     <a:masterClrMapping/>
   </p:clrMapOvr>
-  <p:transition xmlns:p14="http://schemas.microsoft.com/office/powerpoint/2010/main" spd="med" advClick="1"/>
+  <p:transition spd="med"/>
 </p:sld>
 </file>
 
 <file path=ppt/theme/theme1.xml><?xml version="1.0" encoding="utf-8"?>
-<a:theme xmlns:a="http://schemas.openxmlformats.org/drawingml/2006/main" xmlns:r="http://schemas.openxmlformats.org/officeDocument/2006/relationships" name="30_BasicColor">
+<a:theme xmlns:a="http://schemas.openxmlformats.org/drawingml/2006/main" name="30_BasicColor">
   <a:themeElements>
     <a:clrScheme name="30_BasicColor">
       <a:dk1>
@@ -5301,7 +5485,7 @@
         <a:effectLst/>
         <a:sp3d/>
       </a:spPr>
-      <a:bodyPr rot="0" spcFirstLastPara="1" vertOverflow="overflow" horzOverflow="overflow" vert="horz" wrap="square" lIns="50800" tIns="50800" rIns="50800" bIns="50800" numCol="1" spcCol="38100" rtlCol="0" anchor="ctr" upright="0">
+      <a:bodyPr rot="0" spcFirstLastPara="1" vertOverflow="overflow" horzOverflow="overflow" vert="horz" wrap="square" lIns="50800" tIns="50800" rIns="50800" bIns="50800" numCol="1" spcCol="38100" rtlCol="0" anchor="ctr">
         <a:spAutoFit/>
       </a:bodyPr>
       <a:lstStyle>
@@ -5320,7 +5504,7 @@
           <a:buFontTx/>
           <a:buNone/>
           <a:tabLst/>
-          <a:defRPr b="0" baseline="0" cap="none" i="0" spc="0" strike="noStrike" sz="3200" u="none" kumimoji="0" normalizeH="0">
+          <a:defRPr kumimoji="0" sz="3200" b="0" i="0" u="none" strike="noStrike" cap="none" spc="0" normalizeH="0" baseline="0">
             <a:ln>
               <a:noFill/>
             </a:ln>
@@ -5350,7 +5534,7 @@
           <a:buFontTx/>
           <a:buNone/>
           <a:tabLst/>
-          <a:defRPr b="0" baseline="0" cap="none" i="0" spc="0" strike="noStrike" sz="1800" u="none" kumimoji="0" normalizeH="0">
+          <a:defRPr kumimoji="0" sz="1800" b="0" i="0" u="none" strike="noStrike" cap="none" spc="0" normalizeH="0" baseline="0">
             <a:ln>
               <a:noFill/>
             </a:ln>
@@ -5376,7 +5560,7 @@
           <a:buFontTx/>
           <a:buNone/>
           <a:tabLst/>
-          <a:defRPr b="0" baseline="0" cap="none" i="0" spc="0" strike="noStrike" sz="1800" u="none" kumimoji="0" normalizeH="0">
+          <a:defRPr kumimoji="0" sz="1800" b="0" i="0" u="none" strike="noStrike" cap="none" spc="0" normalizeH="0" baseline="0">
             <a:ln>
               <a:noFill/>
             </a:ln>
@@ -5402,7 +5586,7 @@
           <a:buFontTx/>
           <a:buNone/>
           <a:tabLst/>
-          <a:defRPr b="0" baseline="0" cap="none" i="0" spc="0" strike="noStrike" sz="1800" u="none" kumimoji="0" normalizeH="0">
+          <a:defRPr kumimoji="0" sz="1800" b="0" i="0" u="none" strike="noStrike" cap="none" spc="0" normalizeH="0" baseline="0">
             <a:ln>
               <a:noFill/>
             </a:ln>
@@ -5428,7 +5612,7 @@
           <a:buFontTx/>
           <a:buNone/>
           <a:tabLst/>
-          <a:defRPr b="0" baseline="0" cap="none" i="0" spc="0" strike="noStrike" sz="1800" u="none" kumimoji="0" normalizeH="0">
+          <a:defRPr kumimoji="0" sz="1800" b="0" i="0" u="none" strike="noStrike" cap="none" spc="0" normalizeH="0" baseline="0">
             <a:ln>
               <a:noFill/>
             </a:ln>
@@ -5454,7 +5638,7 @@
           <a:buFontTx/>
           <a:buNone/>
           <a:tabLst/>
-          <a:defRPr b="0" baseline="0" cap="none" i="0" spc="0" strike="noStrike" sz="1800" u="none" kumimoji="0" normalizeH="0">
+          <a:defRPr kumimoji="0" sz="1800" b="0" i="0" u="none" strike="noStrike" cap="none" spc="0" normalizeH="0" baseline="0">
             <a:ln>
               <a:noFill/>
             </a:ln>
@@ -5480,7 +5664,7 @@
           <a:buFontTx/>
           <a:buNone/>
           <a:tabLst/>
-          <a:defRPr b="0" baseline="0" cap="none" i="0" spc="0" strike="noStrike" sz="1800" u="none" kumimoji="0" normalizeH="0">
+          <a:defRPr kumimoji="0" sz="1800" b="0" i="0" u="none" strike="noStrike" cap="none" spc="0" normalizeH="0" baseline="0">
             <a:ln>
               <a:noFill/>
             </a:ln>
@@ -5506,7 +5690,7 @@
           <a:buFontTx/>
           <a:buNone/>
           <a:tabLst/>
-          <a:defRPr b="0" baseline="0" cap="none" i="0" spc="0" strike="noStrike" sz="1800" u="none" kumimoji="0" normalizeH="0">
+          <a:defRPr kumimoji="0" sz="1800" b="0" i="0" u="none" strike="noStrike" cap="none" spc="0" normalizeH="0" baseline="0">
             <a:ln>
               <a:noFill/>
             </a:ln>
@@ -5532,7 +5716,7 @@
           <a:buFontTx/>
           <a:buNone/>
           <a:tabLst/>
-          <a:defRPr b="0" baseline="0" cap="none" i="0" spc="0" strike="noStrike" sz="1800" u="none" kumimoji="0" normalizeH="0">
+          <a:defRPr kumimoji="0" sz="1800" b="0" i="0" u="none" strike="noStrike" cap="none" spc="0" normalizeH="0" baseline="0">
             <a:ln>
               <a:noFill/>
             </a:ln>
@@ -5558,7 +5742,7 @@
           <a:buFontTx/>
           <a:buNone/>
           <a:tabLst/>
-          <a:defRPr b="0" baseline="0" cap="none" i="0" spc="0" strike="noStrike" sz="1800" u="none" kumimoji="0" normalizeH="0">
+          <a:defRPr kumimoji="0" sz="1800" b="0" i="0" u="none" strike="noStrike" cap="none" spc="0" normalizeH="0" baseline="0">
             <a:ln>
               <a:noFill/>
             </a:ln>
@@ -5571,9 +5755,15 @@
         </a:lvl9pPr>
       </a:lstStyle>
       <a:style>
-        <a:lnRef idx="0"/>
-        <a:fillRef idx="0"/>
-        <a:effectRef idx="0"/>
+        <a:lnRef idx="0">
+          <a:scrgbClr r="0" g="0" b="0"/>
+        </a:lnRef>
+        <a:fillRef idx="0">
+          <a:scrgbClr r="0" g="0" b="0"/>
+        </a:fillRef>
+        <a:effectRef idx="0">
+          <a:scrgbClr r="0" g="0" b="0"/>
+        </a:effectRef>
         <a:fontRef idx="none"/>
       </a:style>
     </a:spDef>
@@ -5590,7 +5780,7 @@
         <a:effectLst/>
         <a:sp3d/>
       </a:spPr>
-      <a:bodyPr rot="0" spcFirstLastPara="1" vertOverflow="overflow" horzOverflow="overflow" vert="horz" wrap="square" lIns="91439" tIns="45719" rIns="91439" bIns="45719" numCol="1" spcCol="38100" rtlCol="0" anchor="t" upright="0">
+      <a:bodyPr rot="0" spcFirstLastPara="1" vertOverflow="overflow" horzOverflow="overflow" vert="horz" wrap="square" lIns="91439" tIns="45719" rIns="91439" bIns="45719" numCol="1" spcCol="38100" rtlCol="0" anchor="t">
         <a:noAutofit/>
       </a:bodyPr>
       <a:lstStyle>
@@ -5609,7 +5799,7 @@
           <a:buFontTx/>
           <a:buNone/>
           <a:tabLst/>
-          <a:defRPr b="0" baseline="0" cap="none" i="0" spc="0" strike="noStrike" sz="1800" u="none" kumimoji="0" normalizeH="0">
+          <a:defRPr kumimoji="0" sz="1800" b="0" i="0" u="none" strike="noStrike" cap="none" spc="0" normalizeH="0" baseline="0">
             <a:ln>
               <a:noFill/>
             </a:ln>
@@ -5635,7 +5825,7 @@
           <a:buFontTx/>
           <a:buNone/>
           <a:tabLst/>
-          <a:defRPr b="0" baseline="0" cap="none" i="0" spc="0" strike="noStrike" sz="1800" u="none" kumimoji="0" normalizeH="0">
+          <a:defRPr kumimoji="0" sz="1800" b="0" i="0" u="none" strike="noStrike" cap="none" spc="0" normalizeH="0" baseline="0">
             <a:ln>
               <a:noFill/>
             </a:ln>
@@ -5661,7 +5851,7 @@
           <a:buFontTx/>
           <a:buNone/>
           <a:tabLst/>
-          <a:defRPr b="0" baseline="0" cap="none" i="0" spc="0" strike="noStrike" sz="1800" u="none" kumimoji="0" normalizeH="0">
+          <a:defRPr kumimoji="0" sz="1800" b="0" i="0" u="none" strike="noStrike" cap="none" spc="0" normalizeH="0" baseline="0">
             <a:ln>
               <a:noFill/>
             </a:ln>
@@ -5687,7 +5877,7 @@
           <a:buFontTx/>
           <a:buNone/>
           <a:tabLst/>
-          <a:defRPr b="0" baseline="0" cap="none" i="0" spc="0" strike="noStrike" sz="1800" u="none" kumimoji="0" normalizeH="0">
+          <a:defRPr kumimoji="0" sz="1800" b="0" i="0" u="none" strike="noStrike" cap="none" spc="0" normalizeH="0" baseline="0">
             <a:ln>
               <a:noFill/>
             </a:ln>
@@ -5713,7 +5903,7 @@
           <a:buFontTx/>
           <a:buNone/>
           <a:tabLst/>
-          <a:defRPr b="0" baseline="0" cap="none" i="0" spc="0" strike="noStrike" sz="1800" u="none" kumimoji="0" normalizeH="0">
+          <a:defRPr kumimoji="0" sz="1800" b="0" i="0" u="none" strike="noStrike" cap="none" spc="0" normalizeH="0" baseline="0">
             <a:ln>
               <a:noFill/>
             </a:ln>
@@ -5739,7 +5929,7 @@
           <a:buFontTx/>
           <a:buNone/>
           <a:tabLst/>
-          <a:defRPr b="0" baseline="0" cap="none" i="0" spc="0" strike="noStrike" sz="1800" u="none" kumimoji="0" normalizeH="0">
+          <a:defRPr kumimoji="0" sz="1800" b="0" i="0" u="none" strike="noStrike" cap="none" spc="0" normalizeH="0" baseline="0">
             <a:ln>
               <a:noFill/>
             </a:ln>
@@ -5765,7 +5955,7 @@
           <a:buFontTx/>
           <a:buNone/>
           <a:tabLst/>
-          <a:defRPr b="0" baseline="0" cap="none" i="0" spc="0" strike="noStrike" sz="1800" u="none" kumimoji="0" normalizeH="0">
+          <a:defRPr kumimoji="0" sz="1800" b="0" i="0" u="none" strike="noStrike" cap="none" spc="0" normalizeH="0" baseline="0">
             <a:ln>
               <a:noFill/>
             </a:ln>
@@ -5791,7 +5981,7 @@
           <a:buFontTx/>
           <a:buNone/>
           <a:tabLst/>
-          <a:defRPr b="0" baseline="0" cap="none" i="0" spc="0" strike="noStrike" sz="1800" u="none" kumimoji="0" normalizeH="0">
+          <a:defRPr kumimoji="0" sz="1800" b="0" i="0" u="none" strike="noStrike" cap="none" spc="0" normalizeH="0" baseline="0">
             <a:ln>
               <a:noFill/>
             </a:ln>
@@ -5817,7 +6007,7 @@
           <a:buFontTx/>
           <a:buNone/>
           <a:tabLst/>
-          <a:defRPr b="0" baseline="0" cap="none" i="0" spc="0" strike="noStrike" sz="1800" u="none" kumimoji="0" normalizeH="0">
+          <a:defRPr kumimoji="0" sz="1800" b="0" i="0" u="none" strike="noStrike" cap="none" spc="0" normalizeH="0" baseline="0">
             <a:ln>
               <a:noFill/>
             </a:ln>
@@ -5843,7 +6033,7 @@
           <a:buFontTx/>
           <a:buNone/>
           <a:tabLst/>
-          <a:defRPr b="0" baseline="0" cap="none" i="0" spc="0" strike="noStrike" sz="1800" u="none" kumimoji="0" normalizeH="0">
+          <a:defRPr kumimoji="0" sz="1800" b="0" i="0" u="none" strike="noStrike" cap="none" spc="0" normalizeH="0" baseline="0">
             <a:ln>
               <a:noFill/>
             </a:ln>
@@ -5856,9 +6046,15 @@
         </a:lvl9pPr>
       </a:lstStyle>
       <a:style>
-        <a:lnRef idx="0"/>
-        <a:fillRef idx="0"/>
-        <a:effectRef idx="0"/>
+        <a:lnRef idx="0">
+          <a:scrgbClr r="0" g="0" b="0"/>
+        </a:lnRef>
+        <a:fillRef idx="0">
+          <a:scrgbClr r="0" g="0" b="0"/>
+        </a:fillRef>
+        <a:effectRef idx="0">
+          <a:scrgbClr r="0" g="0" b="0"/>
+        </a:effectRef>
         <a:fontRef idx="none"/>
       </a:style>
     </a:lnDef>
@@ -5872,7 +6068,7 @@
         <a:effectLst/>
         <a:sp3d/>
       </a:spPr>
-      <a:bodyPr rot="0" spcFirstLastPara="1" vertOverflow="overflow" horzOverflow="overflow" vert="horz" wrap="square" lIns="50800" tIns="50800" rIns="50800" bIns="50800" numCol="1" spcCol="38100" rtlCol="0" anchor="ctr" upright="0">
+      <a:bodyPr rot="0" spcFirstLastPara="1" vertOverflow="overflow" horzOverflow="overflow" vert="horz" wrap="square" lIns="50800" tIns="50800" rIns="50800" bIns="50800" numCol="1" spcCol="38100" rtlCol="0" anchor="ctr">
         <a:spAutoFit/>
       </a:bodyPr>
       <a:lstStyle>
@@ -5891,7 +6087,7 @@
           <a:buFontTx/>
           <a:buNone/>
           <a:tabLst/>
-          <a:defRPr b="0" baseline="0" cap="none" i="0" spc="0" strike="noStrike" sz="2400" u="none" kumimoji="0" normalizeH="0">
+          <a:defRPr kumimoji="0" sz="2400" b="0" i="0" u="none" strike="noStrike" cap="none" spc="0" normalizeH="0" baseline="0">
             <a:ln>
               <a:noFill/>
             </a:ln>
@@ -5921,7 +6117,7 @@
           <a:buFontTx/>
           <a:buNone/>
           <a:tabLst/>
-          <a:defRPr b="0" baseline="0" cap="none" i="0" spc="0" strike="noStrike" sz="1800" u="none" kumimoji="0" normalizeH="0">
+          <a:defRPr kumimoji="0" sz="1800" b="0" i="0" u="none" strike="noStrike" cap="none" spc="0" normalizeH="0" baseline="0">
             <a:ln>
               <a:noFill/>
             </a:ln>
@@ -5947,7 +6143,7 @@
           <a:buFontTx/>
           <a:buNone/>
           <a:tabLst/>
-          <a:defRPr b="0" baseline="0" cap="none" i="0" spc="0" strike="noStrike" sz="1800" u="none" kumimoji="0" normalizeH="0">
+          <a:defRPr kumimoji="0" sz="1800" b="0" i="0" u="none" strike="noStrike" cap="none" spc="0" normalizeH="0" baseline="0">
             <a:ln>
               <a:noFill/>
             </a:ln>
@@ -5973,7 +6169,7 @@
           <a:buFontTx/>
           <a:buNone/>
           <a:tabLst/>
-          <a:defRPr b="0" baseline="0" cap="none" i="0" spc="0" strike="noStrike" sz="1800" u="none" kumimoji="0" normalizeH="0">
+          <a:defRPr kumimoji="0" sz="1800" b="0" i="0" u="none" strike="noStrike" cap="none" spc="0" normalizeH="0" baseline="0">
             <a:ln>
               <a:noFill/>
             </a:ln>
@@ -5999,7 +6195,7 @@
           <a:buFontTx/>
           <a:buNone/>
           <a:tabLst/>
-          <a:defRPr b="0" baseline="0" cap="none" i="0" spc="0" strike="noStrike" sz="1800" u="none" kumimoji="0" normalizeH="0">
+          <a:defRPr kumimoji="0" sz="1800" b="0" i="0" u="none" strike="noStrike" cap="none" spc="0" normalizeH="0" baseline="0">
             <a:ln>
               <a:noFill/>
             </a:ln>
@@ -6025,7 +6221,7 @@
           <a:buFontTx/>
           <a:buNone/>
           <a:tabLst/>
-          <a:defRPr b="0" baseline="0" cap="none" i="0" spc="0" strike="noStrike" sz="1800" u="none" kumimoji="0" normalizeH="0">
+          <a:defRPr kumimoji="0" sz="1800" b="0" i="0" u="none" strike="noStrike" cap="none" spc="0" normalizeH="0" baseline="0">
             <a:ln>
               <a:noFill/>
             </a:ln>
@@ -6051,7 +6247,7 @@
           <a:buFontTx/>
           <a:buNone/>
           <a:tabLst/>
-          <a:defRPr b="0" baseline="0" cap="none" i="0" spc="0" strike="noStrike" sz="1800" u="none" kumimoji="0" normalizeH="0">
+          <a:defRPr kumimoji="0" sz="1800" b="0" i="0" u="none" strike="noStrike" cap="none" spc="0" normalizeH="0" baseline="0">
             <a:ln>
               <a:noFill/>
             </a:ln>
@@ -6077,7 +6273,7 @@
           <a:buFontTx/>
           <a:buNone/>
           <a:tabLst/>
-          <a:defRPr b="0" baseline="0" cap="none" i="0" spc="0" strike="noStrike" sz="1800" u="none" kumimoji="0" normalizeH="0">
+          <a:defRPr kumimoji="0" sz="1800" b="0" i="0" u="none" strike="noStrike" cap="none" spc="0" normalizeH="0" baseline="0">
             <a:ln>
               <a:noFill/>
             </a:ln>
@@ -6103,7 +6299,7 @@
           <a:buFontTx/>
           <a:buNone/>
           <a:tabLst/>
-          <a:defRPr b="0" baseline="0" cap="none" i="0" spc="0" strike="noStrike" sz="1800" u="none" kumimoji="0" normalizeH="0">
+          <a:defRPr kumimoji="0" sz="1800" b="0" i="0" u="none" strike="noStrike" cap="none" spc="0" normalizeH="0" baseline="0">
             <a:ln>
               <a:noFill/>
             </a:ln>
@@ -6129,7 +6325,7 @@
           <a:buFontTx/>
           <a:buNone/>
           <a:tabLst/>
-          <a:defRPr b="0" baseline="0" cap="none" i="0" spc="0" strike="noStrike" sz="1800" u="none" kumimoji="0" normalizeH="0">
+          <a:defRPr kumimoji="0" sz="1800" b="0" i="0" u="none" strike="noStrike" cap="none" spc="0" normalizeH="0" baseline="0">
             <a:ln>
               <a:noFill/>
             </a:ln>
@@ -6142,18 +6338,25 @@
         </a:lvl9pPr>
       </a:lstStyle>
       <a:style>
-        <a:lnRef idx="0"/>
-        <a:fillRef idx="0"/>
-        <a:effectRef idx="0"/>
+        <a:lnRef idx="0">
+          <a:scrgbClr r="0" g="0" b="0"/>
+        </a:lnRef>
+        <a:fillRef idx="0">
+          <a:scrgbClr r="0" g="0" b="0"/>
+        </a:fillRef>
+        <a:effectRef idx="0">
+          <a:scrgbClr r="0" g="0" b="0"/>
+        </a:effectRef>
         <a:fontRef idx="none"/>
       </a:style>
     </a:txDef>
   </a:objectDefaults>
+  <a:extraClrSchemeLst/>
 </a:theme>
 </file>
 
 <file path=ppt/theme/theme2.xml><?xml version="1.0" encoding="utf-8"?>
-<a:theme xmlns:a="http://schemas.openxmlformats.org/drawingml/2006/main" xmlns:r="http://schemas.openxmlformats.org/officeDocument/2006/relationships" name="30_BasicColor">
+<a:theme xmlns:a="http://schemas.openxmlformats.org/drawingml/2006/main" name="30_BasicColor">
   <a:themeElements>
     <a:clrScheme name="30_BasicColor">
       <a:dk1>
@@ -6352,7 +6555,7 @@
         <a:effectLst/>
         <a:sp3d/>
       </a:spPr>
-      <a:bodyPr rot="0" spcFirstLastPara="1" vertOverflow="overflow" horzOverflow="overflow" vert="horz" wrap="square" lIns="50800" tIns="50800" rIns="50800" bIns="50800" numCol="1" spcCol="38100" rtlCol="0" anchor="ctr" upright="0">
+      <a:bodyPr rot="0" spcFirstLastPara="1" vertOverflow="overflow" horzOverflow="overflow" vert="horz" wrap="square" lIns="50800" tIns="50800" rIns="50800" bIns="50800" numCol="1" spcCol="38100" rtlCol="0" anchor="ctr">
         <a:spAutoFit/>
       </a:bodyPr>
       <a:lstStyle>
@@ -6371,7 +6574,7 @@
           <a:buFontTx/>
           <a:buNone/>
           <a:tabLst/>
-          <a:defRPr b="0" baseline="0" cap="none" i="0" spc="0" strike="noStrike" sz="3200" u="none" kumimoji="0" normalizeH="0">
+          <a:defRPr kumimoji="0" sz="3200" b="0" i="0" u="none" strike="noStrike" cap="none" spc="0" normalizeH="0" baseline="0">
             <a:ln>
               <a:noFill/>
             </a:ln>
@@ -6401,7 +6604,7 @@
           <a:buFontTx/>
           <a:buNone/>
           <a:tabLst/>
-          <a:defRPr b="0" baseline="0" cap="none" i="0" spc="0" strike="noStrike" sz="1800" u="none" kumimoji="0" normalizeH="0">
+          <a:defRPr kumimoji="0" sz="1800" b="0" i="0" u="none" strike="noStrike" cap="none" spc="0" normalizeH="0" baseline="0">
             <a:ln>
               <a:noFill/>
             </a:ln>
@@ -6427,7 +6630,7 @@
           <a:buFontTx/>
           <a:buNone/>
           <a:tabLst/>
-          <a:defRPr b="0" baseline="0" cap="none" i="0" spc="0" strike="noStrike" sz="1800" u="none" kumimoji="0" normalizeH="0">
+          <a:defRPr kumimoji="0" sz="1800" b="0" i="0" u="none" strike="noStrike" cap="none" spc="0" normalizeH="0" baseline="0">
             <a:ln>
               <a:noFill/>
             </a:ln>
@@ -6453,7 +6656,7 @@
           <a:buFontTx/>
           <a:buNone/>
           <a:tabLst/>
-          <a:defRPr b="0" baseline="0" cap="none" i="0" spc="0" strike="noStrike" sz="1800" u="none" kumimoji="0" normalizeH="0">
+          <a:defRPr kumimoji="0" sz="1800" b="0" i="0" u="none" strike="noStrike" cap="none" spc="0" normalizeH="0" baseline="0">
             <a:ln>
               <a:noFill/>
             </a:ln>
@@ -6479,7 +6682,7 @@
           <a:buFontTx/>
           <a:buNone/>
           <a:tabLst/>
-          <a:defRPr b="0" baseline="0" cap="none" i="0" spc="0" strike="noStrike" sz="1800" u="none" kumimoji="0" normalizeH="0">
+          <a:defRPr kumimoji="0" sz="1800" b="0" i="0" u="none" strike="noStrike" cap="none" spc="0" normalizeH="0" baseline="0">
             <a:ln>
               <a:noFill/>
             </a:ln>
@@ -6505,7 +6708,7 @@
           <a:buFontTx/>
           <a:buNone/>
           <a:tabLst/>
-          <a:defRPr b="0" baseline="0" cap="none" i="0" spc="0" strike="noStrike" sz="1800" u="none" kumimoji="0" normalizeH="0">
+          <a:defRPr kumimoji="0" sz="1800" b="0" i="0" u="none" strike="noStrike" cap="none" spc="0" normalizeH="0" baseline="0">
             <a:ln>
               <a:noFill/>
             </a:ln>
@@ -6531,7 +6734,7 @@
           <a:buFontTx/>
           <a:buNone/>
           <a:tabLst/>
-          <a:defRPr b="0" baseline="0" cap="none" i="0" spc="0" strike="noStrike" sz="1800" u="none" kumimoji="0" normalizeH="0">
+          <a:defRPr kumimoji="0" sz="1800" b="0" i="0" u="none" strike="noStrike" cap="none" spc="0" normalizeH="0" baseline="0">
             <a:ln>
               <a:noFill/>
             </a:ln>
@@ -6557,7 +6760,7 @@
           <a:buFontTx/>
           <a:buNone/>
           <a:tabLst/>
-          <a:defRPr b="0" baseline="0" cap="none" i="0" spc="0" strike="noStrike" sz="1800" u="none" kumimoji="0" normalizeH="0">
+          <a:defRPr kumimoji="0" sz="1800" b="0" i="0" u="none" strike="noStrike" cap="none" spc="0" normalizeH="0" baseline="0">
             <a:ln>
               <a:noFill/>
             </a:ln>
@@ -6583,7 +6786,7 @@
           <a:buFontTx/>
           <a:buNone/>
           <a:tabLst/>
-          <a:defRPr b="0" baseline="0" cap="none" i="0" spc="0" strike="noStrike" sz="1800" u="none" kumimoji="0" normalizeH="0">
+          <a:defRPr kumimoji="0" sz="1800" b="0" i="0" u="none" strike="noStrike" cap="none" spc="0" normalizeH="0" baseline="0">
             <a:ln>
               <a:noFill/>
             </a:ln>
@@ -6609,7 +6812,7 @@
           <a:buFontTx/>
           <a:buNone/>
           <a:tabLst/>
-          <a:defRPr b="0" baseline="0" cap="none" i="0" spc="0" strike="noStrike" sz="1800" u="none" kumimoji="0" normalizeH="0">
+          <a:defRPr kumimoji="0" sz="1800" b="0" i="0" u="none" strike="noStrike" cap="none" spc="0" normalizeH="0" baseline="0">
             <a:ln>
               <a:noFill/>
             </a:ln>
@@ -6622,9 +6825,15 @@
         </a:lvl9pPr>
       </a:lstStyle>
       <a:style>
-        <a:lnRef idx="0"/>
-        <a:fillRef idx="0"/>
-        <a:effectRef idx="0"/>
+        <a:lnRef idx="0">
+          <a:scrgbClr r="0" g="0" b="0"/>
+        </a:lnRef>
+        <a:fillRef idx="0">
+          <a:scrgbClr r="0" g="0" b="0"/>
+        </a:fillRef>
+        <a:effectRef idx="0">
+          <a:scrgbClr r="0" g="0" b="0"/>
+        </a:effectRef>
         <a:fontRef idx="none"/>
       </a:style>
     </a:spDef>
@@ -6641,7 +6850,7 @@
         <a:effectLst/>
         <a:sp3d/>
       </a:spPr>
-      <a:bodyPr rot="0" spcFirstLastPara="1" vertOverflow="overflow" horzOverflow="overflow" vert="horz" wrap="square" lIns="91439" tIns="45719" rIns="91439" bIns="45719" numCol="1" spcCol="38100" rtlCol="0" anchor="t" upright="0">
+      <a:bodyPr rot="0" spcFirstLastPara="1" vertOverflow="overflow" horzOverflow="overflow" vert="horz" wrap="square" lIns="91439" tIns="45719" rIns="91439" bIns="45719" numCol="1" spcCol="38100" rtlCol="0" anchor="t">
         <a:noAutofit/>
       </a:bodyPr>
       <a:lstStyle>
@@ -6660,7 +6869,7 @@
           <a:buFontTx/>
           <a:buNone/>
           <a:tabLst/>
-          <a:defRPr b="0" baseline="0" cap="none" i="0" spc="0" strike="noStrike" sz="1800" u="none" kumimoji="0" normalizeH="0">
+          <a:defRPr kumimoji="0" sz="1800" b="0" i="0" u="none" strike="noStrike" cap="none" spc="0" normalizeH="0" baseline="0">
             <a:ln>
               <a:noFill/>
             </a:ln>
@@ -6686,7 +6895,7 @@
           <a:buFontTx/>
           <a:buNone/>
           <a:tabLst/>
-          <a:defRPr b="0" baseline="0" cap="none" i="0" spc="0" strike="noStrike" sz="1800" u="none" kumimoji="0" normalizeH="0">
+          <a:defRPr kumimoji="0" sz="1800" b="0" i="0" u="none" strike="noStrike" cap="none" spc="0" normalizeH="0" baseline="0">
             <a:ln>
               <a:noFill/>
             </a:ln>
@@ -6712,7 +6921,7 @@
           <a:buFontTx/>
           <a:buNone/>
           <a:tabLst/>
-          <a:defRPr b="0" baseline="0" cap="none" i="0" spc="0" strike="noStrike" sz="1800" u="none" kumimoji="0" normalizeH="0">
+          <a:defRPr kumimoji="0" sz="1800" b="0" i="0" u="none" strike="noStrike" cap="none" spc="0" normalizeH="0" baseline="0">
             <a:ln>
               <a:noFill/>
             </a:ln>
@@ -6738,7 +6947,7 @@
           <a:buFontTx/>
           <a:buNone/>
           <a:tabLst/>
-          <a:defRPr b="0" baseline="0" cap="none" i="0" spc="0" strike="noStrike" sz="1800" u="none" kumimoji="0" normalizeH="0">
+          <a:defRPr kumimoji="0" sz="1800" b="0" i="0" u="none" strike="noStrike" cap="none" spc="0" normalizeH="0" baseline="0">
             <a:ln>
               <a:noFill/>
             </a:ln>
@@ -6764,7 +6973,7 @@
           <a:buFontTx/>
           <a:buNone/>
           <a:tabLst/>
-          <a:defRPr b="0" baseline="0" cap="none" i="0" spc="0" strike="noStrike" sz="1800" u="none" kumimoji="0" normalizeH="0">
+          <a:defRPr kumimoji="0" sz="1800" b="0" i="0" u="none" strike="noStrike" cap="none" spc="0" normalizeH="0" baseline="0">
             <a:ln>
               <a:noFill/>
             </a:ln>
@@ -6790,7 +6999,7 @@
           <a:buFontTx/>
           <a:buNone/>
           <a:tabLst/>
-          <a:defRPr b="0" baseline="0" cap="none" i="0" spc="0" strike="noStrike" sz="1800" u="none" kumimoji="0" normalizeH="0">
+          <a:defRPr kumimoji="0" sz="1800" b="0" i="0" u="none" strike="noStrike" cap="none" spc="0" normalizeH="0" baseline="0">
             <a:ln>
               <a:noFill/>
             </a:ln>
@@ -6816,7 +7025,7 @@
           <a:buFontTx/>
           <a:buNone/>
           <a:tabLst/>
-          <a:defRPr b="0" baseline="0" cap="none" i="0" spc="0" strike="noStrike" sz="1800" u="none" kumimoji="0" normalizeH="0">
+          <a:defRPr kumimoji="0" sz="1800" b="0" i="0" u="none" strike="noStrike" cap="none" spc="0" normalizeH="0" baseline="0">
             <a:ln>
               <a:noFill/>
             </a:ln>
@@ -6842,7 +7051,7 @@
           <a:buFontTx/>
           <a:buNone/>
           <a:tabLst/>
-          <a:defRPr b="0" baseline="0" cap="none" i="0" spc="0" strike="noStrike" sz="1800" u="none" kumimoji="0" normalizeH="0">
+          <a:defRPr kumimoji="0" sz="1800" b="0" i="0" u="none" strike="noStrike" cap="none" spc="0" normalizeH="0" baseline="0">
             <a:ln>
               <a:noFill/>
             </a:ln>
@@ -6868,7 +7077,7 @@
           <a:buFontTx/>
           <a:buNone/>
           <a:tabLst/>
-          <a:defRPr b="0" baseline="0" cap="none" i="0" spc="0" strike="noStrike" sz="1800" u="none" kumimoji="0" normalizeH="0">
+          <a:defRPr kumimoji="0" sz="1800" b="0" i="0" u="none" strike="noStrike" cap="none" spc="0" normalizeH="0" baseline="0">
             <a:ln>
               <a:noFill/>
             </a:ln>
@@ -6894,7 +7103,7 @@
           <a:buFontTx/>
           <a:buNone/>
           <a:tabLst/>
-          <a:defRPr b="0" baseline="0" cap="none" i="0" spc="0" strike="noStrike" sz="1800" u="none" kumimoji="0" normalizeH="0">
+          <a:defRPr kumimoji="0" sz="1800" b="0" i="0" u="none" strike="noStrike" cap="none" spc="0" normalizeH="0" baseline="0">
             <a:ln>
               <a:noFill/>
             </a:ln>
@@ -6907,9 +7116,15 @@
         </a:lvl9pPr>
       </a:lstStyle>
       <a:style>
-        <a:lnRef idx="0"/>
-        <a:fillRef idx="0"/>
-        <a:effectRef idx="0"/>
+        <a:lnRef idx="0">
+          <a:scrgbClr r="0" g="0" b="0"/>
+        </a:lnRef>
+        <a:fillRef idx="0">
+          <a:scrgbClr r="0" g="0" b="0"/>
+        </a:fillRef>
+        <a:effectRef idx="0">
+          <a:scrgbClr r="0" g="0" b="0"/>
+        </a:effectRef>
         <a:fontRef idx="none"/>
       </a:style>
     </a:lnDef>
@@ -6923,7 +7138,7 @@
         <a:effectLst/>
         <a:sp3d/>
       </a:spPr>
-      <a:bodyPr rot="0" spcFirstLastPara="1" vertOverflow="overflow" horzOverflow="overflow" vert="horz" wrap="square" lIns="50800" tIns="50800" rIns="50800" bIns="50800" numCol="1" spcCol="38100" rtlCol="0" anchor="ctr" upright="0">
+      <a:bodyPr rot="0" spcFirstLastPara="1" vertOverflow="overflow" horzOverflow="overflow" vert="horz" wrap="square" lIns="50800" tIns="50800" rIns="50800" bIns="50800" numCol="1" spcCol="38100" rtlCol="0" anchor="ctr">
         <a:spAutoFit/>
       </a:bodyPr>
       <a:lstStyle>
@@ -6942,7 +7157,7 @@
           <a:buFontTx/>
           <a:buNone/>
           <a:tabLst/>
-          <a:defRPr b="0" baseline="0" cap="none" i="0" spc="0" strike="noStrike" sz="2400" u="none" kumimoji="0" normalizeH="0">
+          <a:defRPr kumimoji="0" sz="2400" b="0" i="0" u="none" strike="noStrike" cap="none" spc="0" normalizeH="0" baseline="0">
             <a:ln>
               <a:noFill/>
             </a:ln>
@@ -6972,7 +7187,7 @@
           <a:buFontTx/>
           <a:buNone/>
           <a:tabLst/>
-          <a:defRPr b="0" baseline="0" cap="none" i="0" spc="0" strike="noStrike" sz="1800" u="none" kumimoji="0" normalizeH="0">
+          <a:defRPr kumimoji="0" sz="1800" b="0" i="0" u="none" strike="noStrike" cap="none" spc="0" normalizeH="0" baseline="0">
             <a:ln>
               <a:noFill/>
             </a:ln>
@@ -6998,7 +7213,7 @@
           <a:buFontTx/>
           <a:buNone/>
           <a:tabLst/>
-          <a:defRPr b="0" baseline="0" cap="none" i="0" spc="0" strike="noStrike" sz="1800" u="none" kumimoji="0" normalizeH="0">
+          <a:defRPr kumimoji="0" sz="1800" b="0" i="0" u="none" strike="noStrike" cap="none" spc="0" normalizeH="0" baseline="0">
             <a:ln>
               <a:noFill/>
             </a:ln>
@@ -7024,7 +7239,7 @@
           <a:buFontTx/>
           <a:buNone/>
           <a:tabLst/>
-          <a:defRPr b="0" baseline="0" cap="none" i="0" spc="0" strike="noStrike" sz="1800" u="none" kumimoji="0" normalizeH="0">
+          <a:defRPr kumimoji="0" sz="1800" b="0" i="0" u="none" strike="noStrike" cap="none" spc="0" normalizeH="0" baseline="0">
             <a:ln>
               <a:noFill/>
             </a:ln>
@@ -7050,7 +7265,7 @@
           <a:buFontTx/>
           <a:buNone/>
           <a:tabLst/>
-          <a:defRPr b="0" baseline="0" cap="none" i="0" spc="0" strike="noStrike" sz="1800" u="none" kumimoji="0" normalizeH="0">
+          <a:defRPr kumimoji="0" sz="1800" b="0" i="0" u="none" strike="noStrike" cap="none" spc="0" normalizeH="0" baseline="0">
             <a:ln>
               <a:noFill/>
             </a:ln>
@@ -7076,7 +7291,7 @@
           <a:buFontTx/>
           <a:buNone/>
           <a:tabLst/>
-          <a:defRPr b="0" baseline="0" cap="none" i="0" spc="0" strike="noStrike" sz="1800" u="none" kumimoji="0" normalizeH="0">
+          <a:defRPr kumimoji="0" sz="1800" b="0" i="0" u="none" strike="noStrike" cap="none" spc="0" normalizeH="0" baseline="0">
             <a:ln>
               <a:noFill/>
             </a:ln>
@@ -7102,7 +7317,7 @@
           <a:buFontTx/>
           <a:buNone/>
           <a:tabLst/>
-          <a:defRPr b="0" baseline="0" cap="none" i="0" spc="0" strike="noStrike" sz="1800" u="none" kumimoji="0" normalizeH="0">
+          <a:defRPr kumimoji="0" sz="1800" b="0" i="0" u="none" strike="noStrike" cap="none" spc="0" normalizeH="0" baseline="0">
             <a:ln>
               <a:noFill/>
             </a:ln>
@@ -7128,7 +7343,7 @@
           <a:buFontTx/>
           <a:buNone/>
           <a:tabLst/>
-          <a:defRPr b="0" baseline="0" cap="none" i="0" spc="0" strike="noStrike" sz="1800" u="none" kumimoji="0" normalizeH="0">
+          <a:defRPr kumimoji="0" sz="1800" b="0" i="0" u="none" strike="noStrike" cap="none" spc="0" normalizeH="0" baseline="0">
             <a:ln>
               <a:noFill/>
             </a:ln>
@@ -7154,7 +7369,7 @@
           <a:buFontTx/>
           <a:buNone/>
           <a:tabLst/>
-          <a:defRPr b="0" baseline="0" cap="none" i="0" spc="0" strike="noStrike" sz="1800" u="none" kumimoji="0" normalizeH="0">
+          <a:defRPr kumimoji="0" sz="1800" b="0" i="0" u="none" strike="noStrike" cap="none" spc="0" normalizeH="0" baseline="0">
             <a:ln>
               <a:noFill/>
             </a:ln>
@@ -7180,7 +7395,7 @@
           <a:buFontTx/>
           <a:buNone/>
           <a:tabLst/>
-          <a:defRPr b="0" baseline="0" cap="none" i="0" spc="0" strike="noStrike" sz="1800" u="none" kumimoji="0" normalizeH="0">
+          <a:defRPr kumimoji="0" sz="1800" b="0" i="0" u="none" strike="noStrike" cap="none" spc="0" normalizeH="0" baseline="0">
             <a:ln>
               <a:noFill/>
             </a:ln>
@@ -7193,12 +7408,19 @@
         </a:lvl9pPr>
       </a:lstStyle>
       <a:style>
-        <a:lnRef idx="0"/>
-        <a:fillRef idx="0"/>
-        <a:effectRef idx="0"/>
+        <a:lnRef idx="0">
+          <a:scrgbClr r="0" g="0" b="0"/>
+        </a:lnRef>
+        <a:fillRef idx="0">
+          <a:scrgbClr r="0" g="0" b="0"/>
+        </a:fillRef>
+        <a:effectRef idx="0">
+          <a:scrgbClr r="0" g="0" b="0"/>
+        </a:effectRef>
         <a:fontRef idx="none"/>
       </a:style>
     </a:txDef>
   </a:objectDefaults>
+  <a:extraClrSchemeLst/>
 </a:theme>
 </file>
--- a/Email Usage.pptx
+++ b/Email Usage.pptx
@@ -3629,7 +3629,7 @@
           </a:ln>
           <a:extLst>
             <a:ext uri="{C572A759-6A51-4108-AA02-DFA0A04FC94B}">
-              <ma14:wrappingTextBoxFlag xmlns="" xmlns:m="http://schemas.openxmlformats.org/officeDocument/2006/math" xmlns:a14="http://schemas.microsoft.com/office/drawing/2010/main" xmlns:ma14="http://schemas.microsoft.com/office/mac/drawingml/2011/main" val="1"/>
+              <ma14:wrappingTextBoxFlag xmlns:ma14="http://schemas.microsoft.com/office/mac/drawingml/2011/main" xmlns:a14="http://schemas.microsoft.com/office/drawing/2010/main" xmlns:m="http://schemas.openxmlformats.org/officeDocument/2006/math" xmlns="" val="1"/>
             </a:ext>
           </a:extLst>
         </p:spPr>
@@ -3668,7 +3668,7 @@
           </a:ln>
           <a:extLst>
             <a:ext uri="{C572A759-6A51-4108-AA02-DFA0A04FC94B}">
-              <ma14:wrappingTextBoxFlag xmlns="" xmlns:m="http://schemas.openxmlformats.org/officeDocument/2006/math" xmlns:a14="http://schemas.microsoft.com/office/drawing/2010/main" xmlns:ma14="http://schemas.microsoft.com/office/mac/drawingml/2011/main" val="1"/>
+              <ma14:wrappingTextBoxFlag xmlns:ma14="http://schemas.microsoft.com/office/mac/drawingml/2011/main" xmlns:a14="http://schemas.microsoft.com/office/drawing/2010/main" xmlns:m="http://schemas.openxmlformats.org/officeDocument/2006/math" xmlns="" val="1"/>
             </a:ext>
           </a:extLst>
         </p:spPr>
@@ -4537,7 +4537,7 @@
           </a:prstGeom>
           <a:extLst>
             <a:ext uri="{C572A759-6A51-4108-AA02-DFA0A04FC94B}">
-              <ma14:wrappingTextBoxFlag xmlns="" xmlns:m="http://schemas.openxmlformats.org/officeDocument/2006/math" xmlns:a14="http://schemas.microsoft.com/office/drawing/2010/main" xmlns:ma14="http://schemas.microsoft.com/office/mac/drawingml/2011/main" val="1"/>
+              <ma14:wrappingTextBoxFlag xmlns:ma14="http://schemas.microsoft.com/office/mac/drawingml/2011/main" xmlns:a14="http://schemas.microsoft.com/office/drawing/2010/main" xmlns:m="http://schemas.openxmlformats.org/officeDocument/2006/math" xmlns="" val="1"/>
             </a:ext>
           </a:extLst>
         </p:spPr>
@@ -4660,7 +4660,28 @@
           </a:lstStyle>
           <a:p>
             <a:r>
-              <a:t>Majority of every person in the world has at least an email set up in their name, around 85% of the world. Statistics tell that in 2025, over 376 billon emails will have been sent to people all over the world. 90 percent of users in the United States are on Google Mail, showing over 130 million people on the site. Aol, another company that provides help for people send emails to other people around the world. During its peak, AOL had the most people using the service. People use these email providers in their every day life, between work, school, social life, social media and games through their devices found in their homes on a day to day activity. Email usage will continue to rise, having over a billion users in 2025.</a:t>
+              <a:rPr lang="en-US" dirty="0"/>
+              <a:t>Email is very common around the world. Around </a:t>
+            </a:r>
+            <a:r>
+              <a:rPr dirty="0"/>
+              <a:t>85</a:t>
+            </a:r>
+            <a:r>
+              <a:rPr lang="en-US" dirty="0"/>
+              <a:t>% of the population uses email</a:t>
+            </a:r>
+            <a:r>
+              <a:rPr dirty="0"/>
+              <a:t>. Statistics tell that in 2025, over 376 billon emails will have been sent to people all over the world. 90 percent of users in the United States are on Google Mail, showing over 130 million people on the site. </a:t>
+            </a:r>
+            <a:r>
+              <a:rPr dirty="0" err="1"/>
+              <a:t>Aol</a:t>
+            </a:r>
+            <a:r>
+              <a:rPr dirty="0"/>
+              <a:t>, another company that provides help for people send emails to other people around the world. During its peak, AOL had the most people using the service. People use these email providers in their every day life, between work, school, social life, social media and games through their devices found in their homes on a day to day activity. Email usage will continue to rise, having over a billion users in 2025.</a:t>
             </a:r>
           </a:p>
         </p:txBody>
@@ -5108,7 +5129,38 @@
           <a:lstStyle/>
           <a:p>
             <a:r>
-              <a:t>Did you know there is an article published that tells how a how a person is educated by which email provider is used? The article, “Where are you @? What your email says about your education” by Carolyn Morris talks about how people use either gmail or aol shows how the use of which provider a person uses. Email is used by a lot of generations. Morris tells that “there are approximately 900 million Gmail users” in the world, which half of them were first opened in the last three years from 2021. From a percent, 60 percent of gmail users use Gmail and have either a high school or Associates degree, while 75 percent have a bachelor’s and 80 percent are from a graduate or professional degrees. Nonetheless, people that are older than 55 use AOL account, saying that these people are the most educated.</a:t>
+              <a:rPr dirty="0"/>
+              <a:t>Did you know there is an article published that </a:t>
+            </a:r>
+            <a:r>
+              <a:rPr lang="en-US" dirty="0"/>
+              <a:t>talks about how</a:t>
+            </a:r>
+            <a:r>
+              <a:rPr dirty="0"/>
+              <a:t> a person is educated by which email provider is used? The article, “Where are you @? What your email says about your education” by Carolyn Morris talks about how people use either Gmail </a:t>
+            </a:r>
+            <a:r>
+              <a:t>or </a:t>
+            </a:r>
+            <a:r>
+              <a:rPr lang="en-US"/>
+              <a:t>AOL</a:t>
+            </a:r>
+            <a:r>
+              <a:t> </a:t>
+            </a:r>
+            <a:r>
+              <a:rPr dirty="0"/>
+              <a:t>shows how the use of which provider a person uses. Email is used by a lot of generations. Morris tells that “there are approximately 900 million Gmail users” in the world, which half of them were first opened in the last three years from 2021. From a percent, 60 percent of </a:t>
+            </a:r>
+            <a:r>
+              <a:rPr dirty="0" err="1"/>
+              <a:t>gmail</a:t>
+            </a:r>
+            <a:r>
+              <a:rPr dirty="0"/>
+              <a:t> users use Gmail and have either a high school or Associates degree, while 75 percent have a bachelor’s and 80 percent are from a graduate or professional degrees. Nonetheless, people that are older than 55 use AOL account, saying that these people are the most educated.</a:t>
             </a:r>
           </a:p>
         </p:txBody>

--- a/Email Usage.pptx
+++ b/Email Usage.pptx
@@ -337,8 +337,8 @@
           <c:layoutTarget val="inner"/>
           <c:xMode val="edge"/>
           <c:yMode val="edge"/>
-          <c:x val="0.105173"/>
-          <c:y val="7.0683899999999994E-2"/>
+          <c:x val="0.11236291865475082"/>
+          <c:y val="6.5253368677898424E-2"/>
           <c:w val="0.88982700000000003"/>
           <c:h val="0.81299699999999997"/>
         </c:manualLayout>
@@ -3629,7 +3629,7 @@
           </a:ln>
           <a:extLst>
             <a:ext uri="{C572A759-6A51-4108-AA02-DFA0A04FC94B}">
-              <ma14:wrappingTextBoxFlag xmlns:ma14="http://schemas.microsoft.com/office/mac/drawingml/2011/main" xmlns:a14="http://schemas.microsoft.com/office/drawing/2010/main" xmlns:m="http://schemas.openxmlformats.org/officeDocument/2006/math" xmlns="" val="1"/>
+              <ma14:wrappingTextBoxFlag xmlns="" xmlns:m="http://schemas.openxmlformats.org/officeDocument/2006/math" xmlns:a14="http://schemas.microsoft.com/office/drawing/2010/main" xmlns:ma14="http://schemas.microsoft.com/office/mac/drawingml/2011/main" val="1"/>
             </a:ext>
           </a:extLst>
         </p:spPr>
@@ -3668,7 +3668,7 @@
           </a:ln>
           <a:extLst>
             <a:ext uri="{C572A759-6A51-4108-AA02-DFA0A04FC94B}">
-              <ma14:wrappingTextBoxFlag xmlns:ma14="http://schemas.microsoft.com/office/mac/drawingml/2011/main" xmlns:a14="http://schemas.microsoft.com/office/drawing/2010/main" xmlns:m="http://schemas.openxmlformats.org/officeDocument/2006/math" xmlns="" val="1"/>
+              <ma14:wrappingTextBoxFlag xmlns="" xmlns:m="http://schemas.openxmlformats.org/officeDocument/2006/math" xmlns:a14="http://schemas.microsoft.com/office/drawing/2010/main" xmlns:ma14="http://schemas.microsoft.com/office/mac/drawingml/2011/main" val="1"/>
             </a:ext>
           </a:extLst>
         </p:spPr>
@@ -4537,7 +4537,7 @@
           </a:prstGeom>
           <a:extLst>
             <a:ext uri="{C572A759-6A51-4108-AA02-DFA0A04FC94B}">
-              <ma14:wrappingTextBoxFlag xmlns:ma14="http://schemas.microsoft.com/office/mac/drawingml/2011/main" xmlns:a14="http://schemas.microsoft.com/office/drawing/2010/main" xmlns:m="http://schemas.openxmlformats.org/officeDocument/2006/math" xmlns="" val="1"/>
+              <ma14:wrappingTextBoxFlag xmlns="" xmlns:m="http://schemas.openxmlformats.org/officeDocument/2006/math" xmlns:a14="http://schemas.microsoft.com/office/drawing/2010/main" xmlns:ma14="http://schemas.microsoft.com/office/mac/drawingml/2011/main" val="1"/>
             </a:ext>
           </a:extLst>
         </p:spPr>
@@ -4759,8 +4759,10 @@
           <a:lstStyle/>
           <a:p>
             <a:r>
+              <a:rPr dirty="0" err="1"/>
               <a:t>Aol</a:t>
             </a:r>
+            <a:endParaRPr dirty="0"/>
           </a:p>
         </p:txBody>
       </p:sp>
@@ -4776,15 +4778,17 @@
         </p:nvSpPr>
         <p:spPr>
           <a:xfrm>
-            <a:off x="11949299" y="3792017"/>
-            <a:ext cx="12337972" cy="8256012"/>
+            <a:off x="18600233" y="8162693"/>
+            <a:ext cx="5687037" cy="3885336"/>
           </a:xfrm>
           <a:prstGeom prst="rect">
             <a:avLst/>
           </a:prstGeom>
         </p:spPr>
         <p:txBody>
-          <a:bodyPr/>
+          <a:bodyPr>
+            <a:normAutofit fontScale="47500" lnSpcReduction="20000"/>
+          </a:bodyPr>
           <a:lstStyle/>
           <a:p>
             <a:r>
@@ -4809,13 +4813,13 @@
           <p:nvPr>
             <p:extLst>
               <p:ext uri="{D42A27DB-BD31-4B8C-83A1-F6EECF244321}">
-                <p14:modId xmlns:p14="http://schemas.microsoft.com/office/powerpoint/2010/main" val="3870518947"/>
+                <p14:modId xmlns:p14="http://schemas.microsoft.com/office/powerpoint/2010/main" val="3578214919"/>
               </p:ext>
             </p:extLst>
           </p:nvPr>
         </p:nvGraphicFramePr>
         <p:xfrm>
-          <a:off x="490279" y="4680710"/>
+          <a:off x="5393455" y="4668748"/>
           <a:ext cx="11105541" cy="7015883"/>
         </p:xfrm>
         <a:graphic>
@@ -4839,13 +4843,13 @@
           <p:nvPr>
             <p:extLst>
               <p:ext uri="{D42A27DB-BD31-4B8C-83A1-F6EECF244321}">
-                <p14:modId xmlns:p14="http://schemas.microsoft.com/office/powerpoint/2010/main" val="3927547680"/>
+                <p14:modId xmlns:p14="http://schemas.microsoft.com/office/powerpoint/2010/main" val="4151096414"/>
               </p:ext>
             </p:extLst>
           </p:nvPr>
         </p:nvGraphicFramePr>
         <p:xfrm>
-          <a:off x="4121150" y="11513712"/>
+          <a:off x="8423649" y="11727389"/>
           <a:ext cx="5045152" cy="534317"/>
         </p:xfrm>
         <a:graphic>
@@ -4877,11 +4881,32 @@
                             </a:schemeClr>
                           </a:solidFill>
                         </a:rPr>
-                        <a:t>Years of AOL</a:t>
+                        <a:t>Years</a:t>
                       </a:r>
                     </a:p>
                   </a:txBody>
-                  <a:tcPr/>
+                  <a:tcPr>
+                    <a:lnL w="12700" cmpd="sng">
+                      <a:noFill/>
+                    </a:lnL>
+                    <a:lnR w="12700" cmpd="sng">
+                      <a:noFill/>
+                    </a:lnR>
+                    <a:lnT w="12700" cmpd="sng">
+                      <a:noFill/>
+                    </a:lnT>
+                    <a:lnB w="12700" cmpd="sng">
+                      <a:noFill/>
+                    </a:lnB>
+                    <a:lnTlToBr w="12700" cmpd="sng">
+                      <a:noFill/>
+                      <a:prstDash val="solid"/>
+                    </a:lnTlToBr>
+                    <a:lnBlToTr w="12700" cmpd="sng">
+                      <a:noFill/>
+                      <a:prstDash val="solid"/>
+                    </a:lnBlToTr>
+                  </a:tcPr>
                 </a:tc>
                 <a:extLst>
                   <a:ext uri="{0D108BD9-81ED-4DB2-BD59-A6C34878D82A}">
@@ -4908,14 +4933,14 @@
           <p:nvPr>
             <p:extLst>
               <p:ext uri="{D42A27DB-BD31-4B8C-83A1-F6EECF244321}">
-                <p14:modId xmlns:p14="http://schemas.microsoft.com/office/powerpoint/2010/main" val="2269277393"/>
+                <p14:modId xmlns:p14="http://schemas.microsoft.com/office/powerpoint/2010/main" val="306410193"/>
               </p:ext>
             </p:extLst>
           </p:nvPr>
         </p:nvGraphicFramePr>
         <p:xfrm>
-          <a:off x="0" y="6858001"/>
-          <a:ext cx="2252778" cy="858644"/>
+          <a:off x="3572173" y="6858000"/>
+          <a:ext cx="1821282" cy="2174488"/>
         </p:xfrm>
         <a:graphic>
           <a:graphicData uri="http://schemas.openxmlformats.org/drawingml/2006/table">
@@ -4924,7 +4949,7 @@
                 <a:tableStyleId>{5940675A-B579-460E-94D1-54222C63F5DA}</a:tableStyleId>
               </a:tblPr>
               <a:tblGrid>
-                <a:gridCol w="2252778">
+                <a:gridCol w="1821282">
                   <a:extLst>
                     <a:ext uri="{9D8B030D-6E8A-4147-A177-3AD203B41FA5}">
                       <a16:colId xmlns:a16="http://schemas.microsoft.com/office/drawing/2014/main" val="1907106088"/>
@@ -4932,7 +4957,7 @@
                   </a:extLst>
                 </a:gridCol>
               </a:tblGrid>
-              <a:tr h="858644">
+              <a:tr h="2174488">
                 <a:tc>
                   <a:txBody>
                     <a:bodyPr/>
@@ -4946,11 +4971,122 @@
                             </a:schemeClr>
                           </a:solidFill>
                         </a:rPr>
-                        <a:t># of People using</a:t>
+                        <a:t>Number using in millions</a:t>
                       </a:r>
                     </a:p>
                   </a:txBody>
-                  <a:tcPr/>
+                  <a:tcPr>
+                    <a:lnL w="12700" cmpd="sng">
+                      <a:noFill/>
+                    </a:lnL>
+                    <a:lnR w="12700" cmpd="sng">
+                      <a:noFill/>
+                    </a:lnR>
+                    <a:lnT w="12700" cmpd="sng">
+                      <a:noFill/>
+                    </a:lnT>
+                    <a:lnB w="12700" cmpd="sng">
+                      <a:noFill/>
+                    </a:lnB>
+                    <a:lnTlToBr w="12700" cmpd="sng">
+                      <a:noFill/>
+                      <a:prstDash val="solid"/>
+                    </a:lnTlToBr>
+                    <a:lnBlToTr w="12700" cmpd="sng">
+                      <a:noFill/>
+                      <a:prstDash val="solid"/>
+                    </a:lnBlToTr>
+                  </a:tcPr>
+                </a:tc>
+                <a:extLst>
+                  <a:ext uri="{0D108BD9-81ED-4DB2-BD59-A6C34878D82A}">
+                    <a16:rowId xmlns:a16="http://schemas.microsoft.com/office/drawing/2014/main" val="2639034568"/>
+                  </a:ext>
+                </a:extLst>
+              </a:tr>
+            </a:tbl>
+          </a:graphicData>
+        </a:graphic>
+      </p:graphicFrame>
+      <p:graphicFrame>
+        <p:nvGraphicFramePr>
+          <p:cNvPr id="4" name="Table 2">
+            <a:extLst>
+              <a:ext uri="{FF2B5EF4-FFF2-40B4-BE49-F238E27FC236}">
+                <a16:creationId xmlns:a16="http://schemas.microsoft.com/office/drawing/2014/main" id="{5F2186EE-C9F5-A2A4-08F1-94BB0ACE334E}"/>
+              </a:ext>
+            </a:extLst>
+          </p:cNvPr>
+          <p:cNvGraphicFramePr>
+            <a:graphicFrameLocks noGrp="1"/>
+          </p:cNvGraphicFramePr>
+          <p:nvPr>
+            <p:extLst>
+              <p:ext uri="{D42A27DB-BD31-4B8C-83A1-F6EECF244321}">
+                <p14:modId xmlns:p14="http://schemas.microsoft.com/office/powerpoint/2010/main" val="1928451652"/>
+              </p:ext>
+            </p:extLst>
+          </p:nvPr>
+        </p:nvGraphicFramePr>
+        <p:xfrm>
+          <a:off x="8423649" y="4134431"/>
+          <a:ext cx="5045152" cy="534317"/>
+        </p:xfrm>
+        <a:graphic>
+          <a:graphicData uri="http://schemas.openxmlformats.org/drawingml/2006/table">
+            <a:tbl>
+              <a:tblPr firstRow="1" bandRow="1">
+                <a:tableStyleId>{5940675A-B579-460E-94D1-54222C63F5DA}</a:tableStyleId>
+              </a:tblPr>
+              <a:tblGrid>
+                <a:gridCol w="5045152">
+                  <a:extLst>
+                    <a:ext uri="{9D8B030D-6E8A-4147-A177-3AD203B41FA5}">
+                      <a16:colId xmlns:a16="http://schemas.microsoft.com/office/drawing/2014/main" val="1907106088"/>
+                    </a:ext>
+                  </a:extLst>
+                </a:gridCol>
+              </a:tblGrid>
+              <a:tr h="534317">
+                <a:tc>
+                  <a:txBody>
+                    <a:bodyPr/>
+                    <a:lstStyle/>
+                    <a:p>
+                      <a:r>
+                        <a:rPr lang="en-US" sz="2400" b="1" dirty="0">
+                          <a:solidFill>
+                            <a:schemeClr val="bg2">
+                              <a:lumMod val="10000"/>
+                            </a:schemeClr>
+                          </a:solidFill>
+                        </a:rPr>
+                        <a:t>AOL</a:t>
+                      </a:r>
+                    </a:p>
+                  </a:txBody>
+                  <a:tcPr>
+                    <a:lnL w="12700" cmpd="sng">
+                      <a:noFill/>
+                    </a:lnL>
+                    <a:lnR w="12700" cmpd="sng">
+                      <a:noFill/>
+                    </a:lnR>
+                    <a:lnT w="12700" cmpd="sng">
+                      <a:noFill/>
+                    </a:lnT>
+                    <a:lnB w="12700" cmpd="sng">
+                      <a:noFill/>
+                    </a:lnB>
+                    <a:lnTlToBr w="12700" cmpd="sng">
+                      <a:noFill/>
+                      <a:prstDash val="solid"/>
+                    </a:lnTlToBr>
+                    <a:lnBlToTr w="12700" cmpd="sng">
+                      <a:noFill/>
+                      <a:prstDash val="solid"/>
+                    </a:lnBlToTr>
+                  </a:tcPr>
                 </a:tc>
                 <a:extLst>
                   <a:ext uri="{0D108BD9-81ED-4DB2-BD59-A6C34878D82A}">

--- a/Email Usage.pptx
+++ b/Email Usage.pptx
@@ -3629,7 +3629,7 @@
           </a:ln>
           <a:extLst>
             <a:ext uri="{C572A759-6A51-4108-AA02-DFA0A04FC94B}">
-              <ma14:wrappingTextBoxFlag xmlns="" xmlns:m="http://schemas.openxmlformats.org/officeDocument/2006/math" xmlns:a14="http://schemas.microsoft.com/office/drawing/2010/main" xmlns:ma14="http://schemas.microsoft.com/office/mac/drawingml/2011/main" val="1"/>
+              <ma14:wrappingTextBoxFlag xmlns:ma14="http://schemas.microsoft.com/office/mac/drawingml/2011/main" xmlns:a14="http://schemas.microsoft.com/office/drawing/2010/main" xmlns:m="http://schemas.openxmlformats.org/officeDocument/2006/math" xmlns="" val="1"/>
             </a:ext>
           </a:extLst>
         </p:spPr>
@@ -3668,7 +3668,7 @@
           </a:ln>
           <a:extLst>
             <a:ext uri="{C572A759-6A51-4108-AA02-DFA0A04FC94B}">
-              <ma14:wrappingTextBoxFlag xmlns="" xmlns:m="http://schemas.openxmlformats.org/officeDocument/2006/math" xmlns:a14="http://schemas.microsoft.com/office/drawing/2010/main" xmlns:ma14="http://schemas.microsoft.com/office/mac/drawingml/2011/main" val="1"/>
+              <ma14:wrappingTextBoxFlag xmlns:ma14="http://schemas.microsoft.com/office/mac/drawingml/2011/main" xmlns:a14="http://schemas.microsoft.com/office/drawing/2010/main" xmlns:m="http://schemas.openxmlformats.org/officeDocument/2006/math" xmlns="" val="1"/>
             </a:ext>
           </a:extLst>
         </p:spPr>
@@ -4537,7 +4537,7 @@
           </a:prstGeom>
           <a:extLst>
             <a:ext uri="{C572A759-6A51-4108-AA02-DFA0A04FC94B}">
-              <ma14:wrappingTextBoxFlag xmlns="" xmlns:m="http://schemas.openxmlformats.org/officeDocument/2006/math" xmlns:a14="http://schemas.microsoft.com/office/drawing/2010/main" xmlns:ma14="http://schemas.microsoft.com/office/mac/drawingml/2011/main" val="1"/>
+              <ma14:wrappingTextBoxFlag xmlns:ma14="http://schemas.microsoft.com/office/mac/drawingml/2011/main" xmlns:a14="http://schemas.microsoft.com/office/drawing/2010/main" xmlns:m="http://schemas.openxmlformats.org/officeDocument/2006/math" xmlns="" val="1"/>
             </a:ext>
           </a:extLst>
         </p:spPr>
@@ -4759,8 +4759,8 @@
           <a:lstStyle/>
           <a:p>
             <a:r>
-              <a:rPr dirty="0" err="1"/>
-              <a:t>Aol</a:t>
+              <a:rPr lang="en-US" dirty="0"/>
+              <a:t>AOL</a:t>
             </a:r>
             <a:endParaRPr dirty="0"/>
           </a:p>
@@ -4778,8 +4778,8 @@
         </p:nvSpPr>
         <p:spPr>
           <a:xfrm>
-            <a:off x="18600233" y="8162693"/>
-            <a:ext cx="5687037" cy="3885336"/>
+            <a:off x="14279954" y="4675580"/>
+            <a:ext cx="9902197" cy="8304439"/>
           </a:xfrm>
           <a:prstGeom prst="rect">
             <a:avLst/>
@@ -4787,7 +4787,7 @@
         </p:spPr>
         <p:txBody>
           <a:bodyPr>
-            <a:normAutofit fontScale="47500" lnSpcReduction="20000"/>
+            <a:normAutofit fontScale="92500" lnSpcReduction="10000"/>
           </a:bodyPr>
           <a:lstStyle/>
           <a:p>
@@ -4796,8 +4796,8 @@
               <a:t>As of 1993, the American Online (AOL) and Delphi started using email services. In 1996, around 5 million people had subscribed to the service. At the services peak four years later, 23 million people joined </a:t>
             </a:r>
             <a:r>
-              <a:rPr dirty="0" err="1"/>
-              <a:t>aol’s</a:t>
+              <a:rPr lang="en-US" dirty="0"/>
+              <a:t>AOL’s</a:t>
             </a:r>
             <a:r>
               <a:rPr dirty="0"/>
@@ -4813,13 +4813,13 @@
           <p:nvPr>
             <p:extLst>
               <p:ext uri="{D42A27DB-BD31-4B8C-83A1-F6EECF244321}">
-                <p14:modId xmlns:p14="http://schemas.microsoft.com/office/powerpoint/2010/main" val="3578214919"/>
+                <p14:modId xmlns:p14="http://schemas.microsoft.com/office/powerpoint/2010/main" val="3911931787"/>
               </p:ext>
             </p:extLst>
           </p:nvPr>
         </p:nvGraphicFramePr>
         <p:xfrm>
-          <a:off x="5393455" y="4668748"/>
+          <a:off x="2117141" y="4741347"/>
           <a:ext cx="11105541" cy="7015883"/>
         </p:xfrm>
         <a:graphic>
@@ -4933,13 +4933,13 @@
           <p:nvPr>
             <p:extLst>
               <p:ext uri="{D42A27DB-BD31-4B8C-83A1-F6EECF244321}">
-                <p14:modId xmlns:p14="http://schemas.microsoft.com/office/powerpoint/2010/main" val="306410193"/>
+                <p14:modId xmlns:p14="http://schemas.microsoft.com/office/powerpoint/2010/main" val="292493097"/>
               </p:ext>
             </p:extLst>
           </p:nvPr>
         </p:nvGraphicFramePr>
         <p:xfrm>
-          <a:off x="3572173" y="6858000"/>
+          <a:off x="295859" y="6679581"/>
           <a:ext cx="1821282" cy="2174488"/>
         </p:xfrm>
         <a:graphic>
@@ -5023,13 +5023,13 @@
           <p:nvPr>
             <p:extLst>
               <p:ext uri="{D42A27DB-BD31-4B8C-83A1-F6EECF244321}">
-                <p14:modId xmlns:p14="http://schemas.microsoft.com/office/powerpoint/2010/main" val="1928451652"/>
+                <p14:modId xmlns:p14="http://schemas.microsoft.com/office/powerpoint/2010/main" val="3540559401"/>
               </p:ext>
             </p:extLst>
           </p:nvPr>
         </p:nvGraphicFramePr>
         <p:xfrm>
-          <a:off x="8423649" y="4134431"/>
+          <a:off x="5345913" y="4207030"/>
           <a:ext cx="5045152" cy="534317"/>
         </p:xfrm>
         <a:graphic>
@@ -5182,11 +5182,17 @@
         <p:nvGraphicFramePr>
           <p:cNvPr id="164" name="2D Stacked Bar Chart"/>
           <p:cNvGraphicFramePr/>
-          <p:nvPr/>
+          <p:nvPr>
+            <p:extLst>
+              <p:ext uri="{D42A27DB-BD31-4B8C-83A1-F6EECF244321}">
+                <p14:modId xmlns:p14="http://schemas.microsoft.com/office/powerpoint/2010/main" val="1281953281"/>
+              </p:ext>
+            </p:extLst>
+          </p:nvPr>
         </p:nvGraphicFramePr>
         <p:xfrm>
           <a:off x="220034" y="4644278"/>
-          <a:ext cx="10889642" cy="7015883"/>
+          <a:ext cx="10214708" cy="7015883"/>
         </p:xfrm>
         <a:graphic>
           <a:graphicData uri="http://schemas.openxmlformats.org/drawingml/2006/chart">
@@ -5265,38 +5271,84 @@
           <a:lstStyle/>
           <a:p>
             <a:r>
+              <a:rPr lang="en-US" dirty="0"/>
+              <a:t>Email is used by a lot of generations. But d</a:t>
+            </a:r>
+            <a:r>
               <a:rPr dirty="0"/>
-              <a:t>Did you know there is an article published that </a:t>
+              <a:t>id you know there is an article published </a:t>
             </a:r>
             <a:r>
               <a:rPr lang="en-US" dirty="0"/>
-              <a:t>talks about how</a:t>
+              <a:t>about how</a:t>
             </a:r>
             <a:r>
               <a:rPr dirty="0"/>
-              <a:t> a person is educated by which email provider is used? The article, “Where are you @? What your email says about your education” by Carolyn Morris talks about how people use either Gmail </a:t>
+              <a:t> a person is educated by which email provider is used? The article, “Where are you @? What your email says about your education” by Carolyn Morris talks about how people use either Gmail or </a:t>
             </a:r>
             <a:r>
-              <a:t>or </a:t>
-            </a:r>
-            <a:r>
-              <a:rPr lang="en-US"/>
-              <a:t>AOL</a:t>
-            </a:r>
-            <a:r>
-              <a:t> </a:t>
+              <a:rPr lang="en-US" dirty="0"/>
+              <a:t>AOL, then</a:t>
             </a:r>
             <a:r>
               <a:rPr dirty="0"/>
-              <a:t>shows how the use of which provider a person uses. Email is used by a lot of generations. Morris tells that “there are approximately 900 million Gmail users” in the world, which half of them were first opened in the last three years from 2021. From a percent, 60 percent of </a:t>
+              <a:t> shows how the use of which provider a person uses. Morris tells that “there are approximately 900 million Gmail users” in the world, which half of them were first opened in the last three years from 2021. From a percent, 60 percent of </a:t>
             </a:r>
             <a:r>
-              <a:rPr dirty="0" err="1"/>
-              <a:t>gmail</a:t>
+              <a:rPr lang="en-US" dirty="0"/>
+              <a:t>Gmail</a:t>
             </a:r>
             <a:r>
               <a:rPr dirty="0"/>
-              <a:t> users use Gmail and have either a high school or Associates degree, while 75 percent have a bachelor’s and 80 percent are from a graduate or professional degrees. Nonetheless, people that are older than 55 use AOL account, saying that these people are the most educated.</a:t>
+              <a:t> users use </a:t>
+            </a:r>
+            <a:r>
+              <a:rPr lang="en-US" dirty="0"/>
+              <a:t>this provider, while having</a:t>
+            </a:r>
+            <a:r>
+              <a:rPr dirty="0"/>
+              <a:t> either a high school or Associates degree</a:t>
+            </a:r>
+            <a:r>
+              <a:rPr lang="en-US" dirty="0"/>
+              <a:t>. </a:t>
+            </a:r>
+            <a:r>
+              <a:rPr dirty="0"/>
+              <a:t>75 percent</a:t>
+            </a:r>
+            <a:r>
+              <a:rPr lang="en-US" dirty="0"/>
+              <a:t> of users for Gmail</a:t>
+            </a:r>
+            <a:r>
+              <a:rPr dirty="0"/>
+              <a:t> have a bachelor’s</a:t>
+            </a:r>
+            <a:r>
+              <a:rPr lang="en-US" dirty="0"/>
+              <a:t>, while </a:t>
+            </a:r>
+            <a:r>
+              <a:rPr dirty="0"/>
+              <a:t>80 percent are from a graduate or professional degrees. </a:t>
+            </a:r>
+            <a:r>
+              <a:rPr lang="en-US" dirty="0"/>
+              <a:t>Towards AOL</a:t>
+            </a:r>
+            <a:r>
+              <a:rPr dirty="0"/>
+              <a:t>, people that are older than 55 use AOL account, saying that these people are the most educated</a:t>
+            </a:r>
+            <a:r>
+              <a:rPr lang="en-US" dirty="0"/>
+              <a:t> that use this email provider</a:t>
+            </a:r>
+            <a:r>
+              <a:rPr dirty="0"/>
+              <a:t>.</a:t>
             </a:r>
           </a:p>
         </p:txBody>

--- a/Email Usage.pptx
+++ b/Email Usage.pptx
@@ -315,11 +315,6 @@
       </a:defRPr>
     </a:lvl9pPr>
   </p:defaultTextStyle>
-  <p:extLst>
-    <p:ext uri="{EFAFB233-063F-42B5-8137-9DF3F51BA10A}">
-      <p15:sldGuideLst xmlns:p15="http://schemas.microsoft.com/office/powerpoint/2012/main"/>
-    </p:ext>
-  </p:extLst>
 </p:presentation>
 </file>
 
@@ -337,10 +332,10 @@
           <c:layoutTarget val="inner"/>
           <c:xMode val="edge"/>
           <c:yMode val="edge"/>
-          <c:x val="0.11236291865475082"/>
-          <c:y val="6.5253368677898424E-2"/>
-          <c:w val="0.88982700000000003"/>
-          <c:h val="0.81299699999999997"/>
+          <c:x val="0.16134699999999999"/>
+          <c:y val="6.3908000000000006E-2"/>
+          <c:w val="0.83365299999999998"/>
+          <c:h val="0.73386300000000004"/>
         </c:manualLayout>
       </c:layout>
       <c:barChart>
@@ -415,7 +410,7 @@
           </c:val>
           <c:extLst>
             <c:ext xmlns:c16="http://schemas.microsoft.com/office/drawing/2014/chart" uri="{C3380CC4-5D6E-409C-BE32-E72D297353CC}">
-              <c16:uniqueId val="{00000000-EA33-C342-B0E4-61D9A279E8D4}"/>
+              <c16:uniqueId val="{00000000-DB68-2049-8111-460E7CB9E7D0}"/>
             </c:ext>
           </c:extLst>
         </c:ser>
@@ -439,6 +434,34 @@
         </c:scaling>
         <c:delete val="0"/>
         <c:axPos val="b"/>
+        <c:title>
+          <c:tx>
+            <c:rich>
+              <a:bodyPr rot="0"/>
+              <a:lstStyle/>
+              <a:p>
+                <a:pPr>
+                  <a:defRPr sz="3400" b="0" i="0" u="none" strike="noStrike">
+                    <a:solidFill>
+                      <a:srgbClr val="000000"/>
+                    </a:solidFill>
+                    <a:latin typeface="Helvetica Neue"/>
+                  </a:defRPr>
+                </a:pPr>
+                <a:r>
+                  <a:rPr lang="en-US" sz="3400" b="0" i="0" u="none" strike="noStrike">
+                    <a:solidFill>
+                      <a:srgbClr val="000000"/>
+                    </a:solidFill>
+                    <a:latin typeface="Helvetica Neue"/>
+                  </a:rPr>
+                  <a:t>Years</a:t>
+                </a:r>
+              </a:p>
+            </c:rich>
+          </c:tx>
+          <c:overlay val="1"/>
+        </c:title>
         <c:numFmt formatCode="General" sourceLinked="0"/>
         <c:majorTickMark val="none"/>
         <c:minorTickMark val="none"/>
@@ -492,6 +515,34 @@
             </a:ln>
           </c:spPr>
         </c:majorGridlines>
+        <c:title>
+          <c:tx>
+            <c:rich>
+              <a:bodyPr rot="-5400000"/>
+              <a:lstStyle/>
+              <a:p>
+                <a:pPr>
+                  <a:defRPr sz="3400" b="0" i="0" u="none" strike="noStrike">
+                    <a:solidFill>
+                      <a:srgbClr val="000000"/>
+                    </a:solidFill>
+                    <a:latin typeface="Helvetica Neue"/>
+                  </a:defRPr>
+                </a:pPr>
+                <a:r>
+                  <a:rPr lang="en-US" sz="3400" b="0" i="0" u="none" strike="noStrike">
+                    <a:solidFill>
+                      <a:srgbClr val="000000"/>
+                    </a:solidFill>
+                    <a:latin typeface="Helvetica Neue"/>
+                  </a:rPr>
+                  <a:t>Number in Millions</a:t>
+                </a:r>
+              </a:p>
+            </c:rich>
+          </c:tx>
+          <c:overlay val="1"/>
+        </c:title>
         <c:numFmt formatCode="General" sourceLinked="0"/>
         <c:majorTickMark val="none"/>
         <c:minorTickMark val="none"/>
@@ -564,10 +615,10 @@
           <c:layoutTarget val="inner"/>
           <c:xMode val="edge"/>
           <c:yMode val="edge"/>
-          <c:x val="0.118865"/>
-          <c:y val="7.0683899999999994E-2"/>
-          <c:w val="0.85850499999999996"/>
-          <c:h val="0.81390200000000001"/>
+          <c:x val="0.175206"/>
+          <c:y val="6.3908000000000006E-2"/>
+          <c:w val="0.80361099999999996"/>
+          <c:h val="0.73468199999999995"/>
         </c:manualLayout>
       </c:layout>
       <c:barChart>
@@ -636,7 +687,7 @@
           </c:val>
           <c:extLst>
             <c:ext xmlns:c16="http://schemas.microsoft.com/office/drawing/2014/chart" uri="{C3380CC4-5D6E-409C-BE32-E72D297353CC}">
-              <c16:uniqueId val="{00000000-0C1C-5F42-AF33-51542BBDFC47}"/>
+              <c16:uniqueId val="{00000000-3D09-FF4D-B332-D2657FF5D7C6}"/>
             </c:ext>
           </c:extLst>
         </c:ser>
@@ -660,6 +711,42 @@
         </c:scaling>
         <c:delete val="0"/>
         <c:axPos val="l"/>
+        <c:title>
+          <c:tx>
+            <c:rich>
+              <a:bodyPr rot="-5400000"/>
+              <a:lstStyle/>
+              <a:p>
+                <a:pPr>
+                  <a:defRPr sz="3400" b="0" i="0" u="none" strike="noStrike">
+                    <a:solidFill>
+                      <a:srgbClr val="000000"/>
+                    </a:solidFill>
+                    <a:latin typeface="Helvetica Neue"/>
+                  </a:defRPr>
+                </a:pPr>
+                <a:r>
+                  <a:rPr lang="en-US" sz="3400" b="0" i="0" u="none" strike="noStrike">
+                    <a:solidFill>
+                      <a:srgbClr val="000000"/>
+                    </a:solidFill>
+                    <a:latin typeface="Helvetica Neue"/>
+                  </a:rPr>
+                  <a:t>Years</a:t>
+                </a:r>
+              </a:p>
+            </c:rich>
+          </c:tx>
+          <c:layout>
+            <c:manualLayout>
+              <c:xMode val="edge"/>
+              <c:yMode val="edge"/>
+              <c:x val="0"/>
+              <c:y val="0.35997694254722479"/>
+            </c:manualLayout>
+          </c:layout>
+          <c:overlay val="1"/>
+        </c:title>
         <c:numFmt formatCode="General" sourceLinked="0"/>
         <c:majorTickMark val="none"/>
         <c:minorTickMark val="none"/>
@@ -713,6 +800,34 @@
             </a:ln>
           </c:spPr>
         </c:majorGridlines>
+        <c:title>
+          <c:tx>
+            <c:rich>
+              <a:bodyPr rot="0"/>
+              <a:lstStyle/>
+              <a:p>
+                <a:pPr>
+                  <a:defRPr sz="3400" b="0" i="0" u="none" strike="noStrike">
+                    <a:solidFill>
+                      <a:srgbClr val="000000"/>
+                    </a:solidFill>
+                    <a:latin typeface="Helvetica Neue"/>
+                  </a:defRPr>
+                </a:pPr>
+                <a:r>
+                  <a:rPr lang="en-US" sz="3400" b="0" i="0" u="none" strike="noStrike">
+                    <a:solidFill>
+                      <a:srgbClr val="000000"/>
+                    </a:solidFill>
+                    <a:latin typeface="Helvetica Neue"/>
+                  </a:rPr>
+                  <a:t>Number of Users</a:t>
+                </a:r>
+              </a:p>
+            </c:rich>
+          </c:tx>
+          <c:overlay val="1"/>
+        </c:title>
         <c:numFmt formatCode="General" sourceLinked="0"/>
         <c:majorTickMark val="none"/>
         <c:minorTickMark val="none"/>
@@ -4660,28 +4775,7 @@
           </a:lstStyle>
           <a:p>
             <a:r>
-              <a:rPr lang="en-US" dirty="0"/>
-              <a:t>Email is very common around the world. Around </a:t>
-            </a:r>
-            <a:r>
-              <a:rPr dirty="0"/>
-              <a:t>85</a:t>
-            </a:r>
-            <a:r>
-              <a:rPr lang="en-US" dirty="0"/>
-              <a:t>% of the population uses email</a:t>
-            </a:r>
-            <a:r>
-              <a:rPr dirty="0"/>
-              <a:t>. Statistics tell that in 2025, over 376 billon emails will have been sent to people all over the world. 90 percent of users in the United States are on Google Mail, showing over 130 million people on the site. </a:t>
-            </a:r>
-            <a:r>
-              <a:rPr dirty="0" err="1"/>
-              <a:t>Aol</a:t>
-            </a:r>
-            <a:r>
-              <a:rPr dirty="0"/>
-              <a:t>, another company that provides help for people send emails to other people around the world. During its peak, AOL had the most people using the service. People use these email providers in their every day life, between work, school, social life, social media and games through their devices found in their homes on a day to day activity. Email usage will continue to rise, having over a billion users in 2025.</a:t>
+              <a:t>Majority of every person in the world has at least an email set up in their name, around 85% of the world. Statistics tell that in 2025, over 376 billon emails will have been sent to people all over the world. 90 percent of users in the United States are on Google Mail, showing over 130 million people on the site. Aol, another company that provides help for people send emails to other people around the world. During its peak, AOL had the most people using the service. People use these email providers in their every day life, between work, school, social life, social media and games through their devices found in their homes on a day to day activity. Email usage will continue to rise, having over a billion users in 2025.</a:t>
             </a:r>
           </a:p>
         </p:txBody>
@@ -4759,10 +4853,8 @@
           <a:lstStyle/>
           <a:p>
             <a:r>
-              <a:rPr lang="en-US" dirty="0"/>
-              <a:t>AOL</a:t>
+              <a:t>Aol</a:t>
             </a:r>
-            <a:endParaRPr dirty="0"/>
           </a:p>
         </p:txBody>
       </p:sp>
@@ -4778,8 +4870,8 @@
         </p:nvSpPr>
         <p:spPr>
           <a:xfrm>
-            <a:off x="14279954" y="4675580"/>
-            <a:ext cx="9902197" cy="8304439"/>
+            <a:off x="12712389" y="3792017"/>
+            <a:ext cx="11574881" cy="8256012"/>
           </a:xfrm>
           <a:prstGeom prst="rect">
             <a:avLst/>
@@ -4787,7 +4879,7 @@
         </p:spPr>
         <p:txBody>
           <a:bodyPr>
-            <a:normAutofit fontScale="92500" lnSpcReduction="10000"/>
+            <a:normAutofit lnSpcReduction="10000"/>
           </a:bodyPr>
           <a:lstStyle/>
           <a:p>
@@ -4813,288 +4905,18 @@
           <p:nvPr>
             <p:extLst>
               <p:ext uri="{D42A27DB-BD31-4B8C-83A1-F6EECF244321}">
-                <p14:modId xmlns:p14="http://schemas.microsoft.com/office/powerpoint/2010/main" val="3911931787"/>
+                <p14:modId xmlns:p14="http://schemas.microsoft.com/office/powerpoint/2010/main" val="4217267339"/>
               </p:ext>
             </p:extLst>
           </p:nvPr>
         </p:nvGraphicFramePr>
         <p:xfrm>
-          <a:off x="2117141" y="4741347"/>
-          <a:ext cx="11105541" cy="7015883"/>
+          <a:off x="96729" y="4703012"/>
+          <a:ext cx="11849406" cy="7759747"/>
         </p:xfrm>
         <a:graphic>
           <a:graphicData uri="http://schemas.openxmlformats.org/drawingml/2006/chart">
             <c:chart xmlns:c="http://schemas.openxmlformats.org/drawingml/2006/chart" xmlns:r="http://schemas.openxmlformats.org/officeDocument/2006/relationships" r:id="rId2"/>
-          </a:graphicData>
-        </a:graphic>
-      </p:graphicFrame>
-      <p:graphicFrame>
-        <p:nvGraphicFramePr>
-          <p:cNvPr id="2" name="Table 2">
-            <a:extLst>
-              <a:ext uri="{FF2B5EF4-FFF2-40B4-BE49-F238E27FC236}">
-                <a16:creationId xmlns:a16="http://schemas.microsoft.com/office/drawing/2014/main" id="{A7989DF5-74B1-3741-97A6-F8736DA428F2}"/>
-              </a:ext>
-            </a:extLst>
-          </p:cNvPr>
-          <p:cNvGraphicFramePr>
-            <a:graphicFrameLocks noGrp="1"/>
-          </p:cNvGraphicFramePr>
-          <p:nvPr>
-            <p:extLst>
-              <p:ext uri="{D42A27DB-BD31-4B8C-83A1-F6EECF244321}">
-                <p14:modId xmlns:p14="http://schemas.microsoft.com/office/powerpoint/2010/main" val="4151096414"/>
-              </p:ext>
-            </p:extLst>
-          </p:nvPr>
-        </p:nvGraphicFramePr>
-        <p:xfrm>
-          <a:off x="8423649" y="11727389"/>
-          <a:ext cx="5045152" cy="534317"/>
-        </p:xfrm>
-        <a:graphic>
-          <a:graphicData uri="http://schemas.openxmlformats.org/drawingml/2006/table">
-            <a:tbl>
-              <a:tblPr firstRow="1" bandRow="1">
-                <a:tableStyleId>{5940675A-B579-460E-94D1-54222C63F5DA}</a:tableStyleId>
-              </a:tblPr>
-              <a:tblGrid>
-                <a:gridCol w="5045152">
-                  <a:extLst>
-                    <a:ext uri="{9D8B030D-6E8A-4147-A177-3AD203B41FA5}">
-                      <a16:colId xmlns:a16="http://schemas.microsoft.com/office/drawing/2014/main" val="1907106088"/>
-                    </a:ext>
-                  </a:extLst>
-                </a:gridCol>
-              </a:tblGrid>
-              <a:tr h="534317">
-                <a:tc>
-                  <a:txBody>
-                    <a:bodyPr/>
-                    <a:lstStyle/>
-                    <a:p>
-                      <a:r>
-                        <a:rPr lang="en-US" sz="2400" b="1" dirty="0">
-                          <a:solidFill>
-                            <a:schemeClr val="bg2">
-                              <a:lumMod val="10000"/>
-                            </a:schemeClr>
-                          </a:solidFill>
-                        </a:rPr>
-                        <a:t>Years</a:t>
-                      </a:r>
-                    </a:p>
-                  </a:txBody>
-                  <a:tcPr>
-                    <a:lnL w="12700" cmpd="sng">
-                      <a:noFill/>
-                    </a:lnL>
-                    <a:lnR w="12700" cmpd="sng">
-                      <a:noFill/>
-                    </a:lnR>
-                    <a:lnT w="12700" cmpd="sng">
-                      <a:noFill/>
-                    </a:lnT>
-                    <a:lnB w="12700" cmpd="sng">
-                      <a:noFill/>
-                    </a:lnB>
-                    <a:lnTlToBr w="12700" cmpd="sng">
-                      <a:noFill/>
-                      <a:prstDash val="solid"/>
-                    </a:lnTlToBr>
-                    <a:lnBlToTr w="12700" cmpd="sng">
-                      <a:noFill/>
-                      <a:prstDash val="solid"/>
-                    </a:lnBlToTr>
-                  </a:tcPr>
-                </a:tc>
-                <a:extLst>
-                  <a:ext uri="{0D108BD9-81ED-4DB2-BD59-A6C34878D82A}">
-                    <a16:rowId xmlns:a16="http://schemas.microsoft.com/office/drawing/2014/main" val="2639034568"/>
-                  </a:ext>
-                </a:extLst>
-              </a:tr>
-            </a:tbl>
-          </a:graphicData>
-        </a:graphic>
-      </p:graphicFrame>
-      <p:graphicFrame>
-        <p:nvGraphicFramePr>
-          <p:cNvPr id="3" name="Table 2">
-            <a:extLst>
-              <a:ext uri="{FF2B5EF4-FFF2-40B4-BE49-F238E27FC236}">
-                <a16:creationId xmlns:a16="http://schemas.microsoft.com/office/drawing/2014/main" id="{FA16F41A-9898-6781-2BA7-A00B1BA110B3}"/>
-              </a:ext>
-            </a:extLst>
-          </p:cNvPr>
-          <p:cNvGraphicFramePr>
-            <a:graphicFrameLocks noGrp="1"/>
-          </p:cNvGraphicFramePr>
-          <p:nvPr>
-            <p:extLst>
-              <p:ext uri="{D42A27DB-BD31-4B8C-83A1-F6EECF244321}">
-                <p14:modId xmlns:p14="http://schemas.microsoft.com/office/powerpoint/2010/main" val="292493097"/>
-              </p:ext>
-            </p:extLst>
-          </p:nvPr>
-        </p:nvGraphicFramePr>
-        <p:xfrm>
-          <a:off x="295859" y="6679581"/>
-          <a:ext cx="1821282" cy="2174488"/>
-        </p:xfrm>
-        <a:graphic>
-          <a:graphicData uri="http://schemas.openxmlformats.org/drawingml/2006/table">
-            <a:tbl>
-              <a:tblPr firstRow="1" bandRow="1">
-                <a:tableStyleId>{5940675A-B579-460E-94D1-54222C63F5DA}</a:tableStyleId>
-              </a:tblPr>
-              <a:tblGrid>
-                <a:gridCol w="1821282">
-                  <a:extLst>
-                    <a:ext uri="{9D8B030D-6E8A-4147-A177-3AD203B41FA5}">
-                      <a16:colId xmlns:a16="http://schemas.microsoft.com/office/drawing/2014/main" val="1907106088"/>
-                    </a:ext>
-                  </a:extLst>
-                </a:gridCol>
-              </a:tblGrid>
-              <a:tr h="2174488">
-                <a:tc>
-                  <a:txBody>
-                    <a:bodyPr/>
-                    <a:lstStyle/>
-                    <a:p>
-                      <a:r>
-                        <a:rPr lang="en-US" sz="2400" b="1" dirty="0">
-                          <a:solidFill>
-                            <a:schemeClr val="bg2">
-                              <a:lumMod val="10000"/>
-                            </a:schemeClr>
-                          </a:solidFill>
-                        </a:rPr>
-                        <a:t>Number using in millions</a:t>
-                      </a:r>
-                    </a:p>
-                  </a:txBody>
-                  <a:tcPr>
-                    <a:lnL w="12700" cmpd="sng">
-                      <a:noFill/>
-                    </a:lnL>
-                    <a:lnR w="12700" cmpd="sng">
-                      <a:noFill/>
-                    </a:lnR>
-                    <a:lnT w="12700" cmpd="sng">
-                      <a:noFill/>
-                    </a:lnT>
-                    <a:lnB w="12700" cmpd="sng">
-                      <a:noFill/>
-                    </a:lnB>
-                    <a:lnTlToBr w="12700" cmpd="sng">
-                      <a:noFill/>
-                      <a:prstDash val="solid"/>
-                    </a:lnTlToBr>
-                    <a:lnBlToTr w="12700" cmpd="sng">
-                      <a:noFill/>
-                      <a:prstDash val="solid"/>
-                    </a:lnBlToTr>
-                  </a:tcPr>
-                </a:tc>
-                <a:extLst>
-                  <a:ext uri="{0D108BD9-81ED-4DB2-BD59-A6C34878D82A}">
-                    <a16:rowId xmlns:a16="http://schemas.microsoft.com/office/drawing/2014/main" val="2639034568"/>
-                  </a:ext>
-                </a:extLst>
-              </a:tr>
-            </a:tbl>
-          </a:graphicData>
-        </a:graphic>
-      </p:graphicFrame>
-      <p:graphicFrame>
-        <p:nvGraphicFramePr>
-          <p:cNvPr id="4" name="Table 2">
-            <a:extLst>
-              <a:ext uri="{FF2B5EF4-FFF2-40B4-BE49-F238E27FC236}">
-                <a16:creationId xmlns:a16="http://schemas.microsoft.com/office/drawing/2014/main" id="{5F2186EE-C9F5-A2A4-08F1-94BB0ACE334E}"/>
-              </a:ext>
-            </a:extLst>
-          </p:cNvPr>
-          <p:cNvGraphicFramePr>
-            <a:graphicFrameLocks noGrp="1"/>
-          </p:cNvGraphicFramePr>
-          <p:nvPr>
-            <p:extLst>
-              <p:ext uri="{D42A27DB-BD31-4B8C-83A1-F6EECF244321}">
-                <p14:modId xmlns:p14="http://schemas.microsoft.com/office/powerpoint/2010/main" val="3540559401"/>
-              </p:ext>
-            </p:extLst>
-          </p:nvPr>
-        </p:nvGraphicFramePr>
-        <p:xfrm>
-          <a:off x="5345913" y="4207030"/>
-          <a:ext cx="5045152" cy="534317"/>
-        </p:xfrm>
-        <a:graphic>
-          <a:graphicData uri="http://schemas.openxmlformats.org/drawingml/2006/table">
-            <a:tbl>
-              <a:tblPr firstRow="1" bandRow="1">
-                <a:tableStyleId>{5940675A-B579-460E-94D1-54222C63F5DA}</a:tableStyleId>
-              </a:tblPr>
-              <a:tblGrid>
-                <a:gridCol w="5045152">
-                  <a:extLst>
-                    <a:ext uri="{9D8B030D-6E8A-4147-A177-3AD203B41FA5}">
-                      <a16:colId xmlns:a16="http://schemas.microsoft.com/office/drawing/2014/main" val="1907106088"/>
-                    </a:ext>
-                  </a:extLst>
-                </a:gridCol>
-              </a:tblGrid>
-              <a:tr h="534317">
-                <a:tc>
-                  <a:txBody>
-                    <a:bodyPr/>
-                    <a:lstStyle/>
-                    <a:p>
-                      <a:r>
-                        <a:rPr lang="en-US" sz="2400" b="1" dirty="0">
-                          <a:solidFill>
-                            <a:schemeClr val="bg2">
-                              <a:lumMod val="10000"/>
-                            </a:schemeClr>
-                          </a:solidFill>
-                        </a:rPr>
-                        <a:t>AOL</a:t>
-                      </a:r>
-                    </a:p>
-                  </a:txBody>
-                  <a:tcPr>
-                    <a:lnL w="12700" cmpd="sng">
-                      <a:noFill/>
-                    </a:lnL>
-                    <a:lnR w="12700" cmpd="sng">
-                      <a:noFill/>
-                    </a:lnR>
-                    <a:lnT w="12700" cmpd="sng">
-                      <a:noFill/>
-                    </a:lnT>
-                    <a:lnB w="12700" cmpd="sng">
-                      <a:noFill/>
-                    </a:lnB>
-                    <a:lnTlToBr w="12700" cmpd="sng">
-                      <a:noFill/>
-                      <a:prstDash val="solid"/>
-                    </a:lnTlToBr>
-                    <a:lnBlToTr w="12700" cmpd="sng">
-                      <a:noFill/>
-                      <a:prstDash val="solid"/>
-                    </a:lnBlToTr>
-                  </a:tcPr>
-                </a:tc>
-                <a:extLst>
-                  <a:ext uri="{0D108BD9-81ED-4DB2-BD59-A6C34878D82A}">
-                    <a16:rowId xmlns:a16="http://schemas.microsoft.com/office/drawing/2014/main" val="2639034568"/>
-                  </a:ext>
-                </a:extLst>
-              </a:tr>
-            </a:tbl>
           </a:graphicData>
         </a:graphic>
       </p:graphicFrame>
@@ -5161,8 +4983,8 @@
         </p:nvSpPr>
         <p:spPr>
           <a:xfrm>
-            <a:off x="10434742" y="4248504"/>
-            <a:ext cx="12742758" cy="8256012"/>
+            <a:off x="14094797" y="4248504"/>
+            <a:ext cx="9082703" cy="8256012"/>
           </a:xfrm>
           <a:prstGeom prst="rect">
             <a:avLst/>
@@ -5170,7 +4992,14 @@
         </p:spPr>
         <p:txBody>
           <a:bodyPr/>
-          <a:lstStyle/>
+          <a:lstStyle>
+            <a:lvl1pPr marL="505968" indent="-505968" defTabSz="2023821">
+              <a:spcBef>
+                <a:spcPts val="3700"/>
+              </a:spcBef>
+              <a:defRPr sz="3984"/>
+            </a:lvl1pPr>
+          </a:lstStyle>
           <a:p>
             <a:r>
               <a:t>Google, one of the worlds used search engines, came out in 1998. Six years later, google introduced gmail to the world. Gmail is used at the forefront of everything when logging into apps. Most apps ask which email they use, having gmail on the lists apps and websites make. In 2015, gmail users reached 900 million people, growing to 1 billion people in 2016. Two years later, it reached over 1.8 billion users. Gmail grew over the years, being one of the most used email services of all time.</a:t>
@@ -5185,14 +5014,14 @@
           <p:nvPr>
             <p:extLst>
               <p:ext uri="{D42A27DB-BD31-4B8C-83A1-F6EECF244321}">
-                <p14:modId xmlns:p14="http://schemas.microsoft.com/office/powerpoint/2010/main" val="1281953281"/>
+                <p14:modId xmlns:p14="http://schemas.microsoft.com/office/powerpoint/2010/main" val="2635293882"/>
               </p:ext>
             </p:extLst>
           </p:nvPr>
         </p:nvGraphicFramePr>
         <p:xfrm>
-          <a:off x="220034" y="4644278"/>
-          <a:ext cx="10214708" cy="7015883"/>
+          <a:off x="1206500" y="4047782"/>
+          <a:ext cx="11633507" cy="7759747"/>
         </p:xfrm>
         <a:graphic>
           <a:graphicData uri="http://schemas.openxmlformats.org/drawingml/2006/chart">
@@ -5271,84 +5100,7 @@
           <a:lstStyle/>
           <a:p>
             <a:r>
-              <a:rPr lang="en-US" dirty="0"/>
-              <a:t>Email is used by a lot of generations. But d</a:t>
-            </a:r>
-            <a:r>
-              <a:rPr dirty="0"/>
-              <a:t>id you know there is an article published </a:t>
-            </a:r>
-            <a:r>
-              <a:rPr lang="en-US" dirty="0"/>
-              <a:t>about how</a:t>
-            </a:r>
-            <a:r>
-              <a:rPr dirty="0"/>
-              <a:t> a person is educated by which email provider is used? The article, “Where are you @? What your email says about your education” by Carolyn Morris talks about how people use either Gmail or </a:t>
-            </a:r>
-            <a:r>
-              <a:rPr lang="en-US" dirty="0"/>
-              <a:t>AOL, then</a:t>
-            </a:r>
-            <a:r>
-              <a:rPr dirty="0"/>
-              <a:t> shows how the use of which provider a person uses. Morris tells that “there are approximately 900 million Gmail users” in the world, which half of them were first opened in the last three years from 2021. From a percent, 60 percent of </a:t>
-            </a:r>
-            <a:r>
-              <a:rPr lang="en-US" dirty="0"/>
-              <a:t>Gmail</a:t>
-            </a:r>
-            <a:r>
-              <a:rPr dirty="0"/>
-              <a:t> users use </a:t>
-            </a:r>
-            <a:r>
-              <a:rPr lang="en-US" dirty="0"/>
-              <a:t>this provider, while having</a:t>
-            </a:r>
-            <a:r>
-              <a:rPr dirty="0"/>
-              <a:t> either a high school or Associates degree</a:t>
-            </a:r>
-            <a:r>
-              <a:rPr lang="en-US" dirty="0"/>
-              <a:t>. </a:t>
-            </a:r>
-            <a:r>
-              <a:rPr dirty="0"/>
-              <a:t>75 percent</a:t>
-            </a:r>
-            <a:r>
-              <a:rPr lang="en-US" dirty="0"/>
-              <a:t> of users for Gmail</a:t>
-            </a:r>
-            <a:r>
-              <a:rPr dirty="0"/>
-              <a:t> have a bachelor’s</a:t>
-            </a:r>
-            <a:r>
-              <a:rPr lang="en-US" dirty="0"/>
-              <a:t>, while </a:t>
-            </a:r>
-            <a:r>
-              <a:rPr dirty="0"/>
-              <a:t>80 percent are from a graduate or professional degrees. </a:t>
-            </a:r>
-            <a:r>
-              <a:rPr lang="en-US" dirty="0"/>
-              <a:t>Towards AOL</a:t>
-            </a:r>
-            <a:r>
-              <a:rPr dirty="0"/>
-              <a:t>, people that are older than 55 use AOL account, saying that these people are the most educated</a:t>
-            </a:r>
-            <a:r>
-              <a:rPr lang="en-US" dirty="0"/>
-              <a:t> that use this email provider</a:t>
-            </a:r>
-            <a:r>
-              <a:rPr dirty="0"/>
-              <a:t>.</a:t>
+              <a:t>Did you know there is an article published that tells how a how a person is educated by which email provider is used? The article, “Where are you @? What your email says about your education” by Carolyn Morris talks about how people use either gmail or aol shows how the use of which provider a person uses. Email is used by a lot of generations. Morris tells that “there are approximately 900 million Gmail users” in the world, which half of them were first opened in the last three years from 2021. From a percent, 60 percent of gmail users use Gmail and have either a high school or Associates degree, while 75 percent have a bachelor’s and 80 percent are from a graduate or professional degrees. Nonetheless, people that are older than 55 use AOL account, saying that these people are the most educated.</a:t>
             </a:r>
           </a:p>
         </p:txBody>

--- a/Email Usage.pptx
+++ b/Email Usage.pptx
@@ -333,9 +333,9 @@
           <c:xMode val="edge"/>
           <c:yMode val="edge"/>
           <c:x val="0.16134699999999999"/>
-          <c:y val="6.3908000000000006E-2"/>
+          <c:y val="5.90901E-2"/>
           <c:w val="0.83365299999999998"/>
-          <c:h val="0.73386300000000004"/>
+          <c:h val="0.677597"/>
         </c:manualLayout>
       </c:layout>
       <c:barChart>
@@ -351,7 +351,7 @@
               <c:strCache>
                 <c:ptCount val="1"/>
                 <c:pt idx="0">
-                  <c:v>Region 1</c:v>
+                  <c:v>Users in Millions</c:v>
                 </c:pt>
               </c:strCache>
             </c:strRef>
@@ -410,7 +410,7 @@
           </c:val>
           <c:extLst>
             <c:ext xmlns:c16="http://schemas.microsoft.com/office/drawing/2014/chart" uri="{C3380CC4-5D6E-409C-BE32-E72D297353CC}">
-              <c16:uniqueId val="{00000000-DB68-2049-8111-460E7CB9E7D0}"/>
+              <c16:uniqueId val="{00000000-A77D-1748-A18C-270467E8DC5C}"/>
             </c:ext>
           </c:extLst>
         </c:ser>
@@ -584,6 +584,43 @@
         <a:effectLst/>
       </c:spPr>
     </c:plotArea>
+    <c:legend>
+      <c:legendPos val="b"/>
+      <c:layout>
+        <c:manualLayout>
+          <c:xMode val="edge"/>
+          <c:yMode val="edge"/>
+          <c:x val="0.140593"/>
+          <c:y val="0.92840999999999996"/>
+          <c:w val="0.84135000000000004"/>
+          <c:h val="7.1590100000000004E-2"/>
+        </c:manualLayout>
+      </c:layout>
+      <c:overlay val="1"/>
+      <c:spPr>
+        <a:noFill/>
+        <a:ln w="12700" cap="flat">
+          <a:noFill/>
+          <a:miter lim="400000"/>
+        </a:ln>
+        <a:effectLst/>
+      </c:spPr>
+      <c:txPr>
+        <a:bodyPr rot="0"/>
+        <a:lstStyle/>
+        <a:p>
+          <a:pPr>
+            <a:defRPr sz="3400" b="0" i="0" u="none" strike="noStrike">
+              <a:solidFill>
+                <a:srgbClr val="000000"/>
+              </a:solidFill>
+              <a:latin typeface="Helvetica Neue"/>
+            </a:defRPr>
+          </a:pPr>
+          <a:endParaRPr lang="en-US"/>
+        </a:p>
+      </c:txPr>
+    </c:legend>
     <c:plotVisOnly val="1"/>
     <c:dispBlanksAs val="gap"/>
     <c:showDLblsOverMax val="1"/>
@@ -616,9 +653,9 @@
           <c:xMode val="edge"/>
           <c:yMode val="edge"/>
           <c:x val="0.175206"/>
-          <c:y val="6.3908000000000006E-2"/>
+          <c:y val="5.7470300000000002E-2"/>
           <c:w val="0.80361099999999996"/>
-          <c:h val="0.73468199999999995"/>
+          <c:h val="0.659416"/>
         </c:manualLayout>
       </c:layout>
       <c:barChart>
@@ -634,7 +671,7 @@
               <c:strCache>
                 <c:ptCount val="1"/>
                 <c:pt idx="0">
-                  <c:v>Region 1</c:v>
+                  <c:v>Users in Millions</c:v>
                 </c:pt>
               </c:strCache>
             </c:strRef>
@@ -652,9 +689,9 @@
           <c:invertIfNegative val="0"/>
           <c:cat>
             <c:strRef>
-              <c:f>Sheet1!$B$1:$E$1</c:f>
+              <c:f>Sheet1!$B$1:$D$1</c:f>
               <c:strCache>
-                <c:ptCount val="4"/>
+                <c:ptCount val="3"/>
                 <c:pt idx="0">
                   <c:v>2015</c:v>
                 </c:pt>
@@ -669,7 +706,7 @@
           </c:cat>
           <c:val>
             <c:numRef>
-              <c:f>Sheet1!$B$2:$E$2</c:f>
+              <c:f>Sheet1!$B$2:$D$2</c:f>
               <c:numCache>
                 <c:formatCode>General</c:formatCode>
                 <c:ptCount val="3"/>
@@ -687,7 +724,7 @@
           </c:val>
           <c:extLst>
             <c:ext xmlns:c16="http://schemas.microsoft.com/office/drawing/2014/chart" uri="{C3380CC4-5D6E-409C-BE32-E72D297353CC}">
-              <c16:uniqueId val="{00000000-3D09-FF4D-B332-D2657FF5D7C6}"/>
+              <c16:uniqueId val="{00000000-E738-B146-98D3-91D24AE5CB5C}"/>
             </c:ext>
           </c:extLst>
         </c:ser>
@@ -726,7 +763,7 @@
                   </a:defRPr>
                 </a:pPr>
                 <a:r>
-                  <a:rPr lang="en-US" sz="3400" b="0" i="0" u="none" strike="noStrike">
+                  <a:rPr sz="3400" b="0" i="0" u="none" strike="noStrike">
                     <a:solidFill>
                       <a:srgbClr val="000000"/>
                     </a:solidFill>
@@ -737,14 +774,6 @@
               </a:p>
             </c:rich>
           </c:tx>
-          <c:layout>
-            <c:manualLayout>
-              <c:xMode val="edge"/>
-              <c:yMode val="edge"/>
-              <c:x val="0"/>
-              <c:y val="0.35997694254722479"/>
-            </c:manualLayout>
-          </c:layout>
           <c:overlay val="1"/>
         </c:title>
         <c:numFmt formatCode="General" sourceLinked="0"/>
@@ -815,7 +844,7 @@
                   </a:defRPr>
                 </a:pPr>
                 <a:r>
-                  <a:rPr lang="en-US" sz="3400" b="0" i="0" u="none" strike="noStrike">
+                  <a:rPr sz="3400" b="0" i="0" u="none" strike="noStrike">
                     <a:solidFill>
                       <a:srgbClr val="000000"/>
                     </a:solidFill>
@@ -869,6 +898,43 @@
         <a:effectLst/>
       </c:spPr>
     </c:plotArea>
+    <c:legend>
+      <c:legendPos val="b"/>
+      <c:layout>
+        <c:manualLayout>
+          <c:xMode val="edge"/>
+          <c:yMode val="edge"/>
+          <c:x val="0.225579"/>
+          <c:y val="0.93003000000000002"/>
+          <c:w val="0.70286499999999996"/>
+          <c:h val="6.9970299999999999E-2"/>
+        </c:manualLayout>
+      </c:layout>
+      <c:overlay val="1"/>
+      <c:spPr>
+        <a:noFill/>
+        <a:ln w="12700" cap="flat">
+          <a:noFill/>
+          <a:miter lim="400000"/>
+        </a:ln>
+        <a:effectLst/>
+      </c:spPr>
+      <c:txPr>
+        <a:bodyPr rot="0"/>
+        <a:lstStyle/>
+        <a:p>
+          <a:pPr>
+            <a:defRPr sz="3400" b="0" i="0" u="none" strike="noStrike">
+              <a:solidFill>
+                <a:srgbClr val="000000"/>
+              </a:solidFill>
+              <a:latin typeface="Helvetica Neue"/>
+            </a:defRPr>
+          </a:pPr>
+          <a:endParaRPr lang="en-US"/>
+        </a:p>
+      </c:txPr>
+    </c:legend>
     <c:plotVisOnly val="1"/>
     <c:dispBlanksAs val="gap"/>
     <c:showDLblsOverMax val="1"/>
@@ -4657,9 +4723,7 @@
           </a:extLst>
         </p:spPr>
         <p:txBody>
-          <a:bodyPr>
-            <a:normAutofit lnSpcReduction="10000"/>
-          </a:bodyPr>
+          <a:bodyPr/>
           <a:lstStyle/>
           <a:p>
             <a:r>
@@ -4746,7 +4810,7 @@
       </p:sp>
       <p:sp>
         <p:nvSpPr>
-          <p:cNvPr id="155" name="Majority of every person in the world has at least an email set up in their name, around 85% of the world. Statistics tell that in 2025, over 376 billon emails will have been sent to people all over the world. 90 percent of users in the United States are"/>
+          <p:cNvPr id="155" name="Majority of every person in the world has at least an email set up in their name, around 85% of the world. Statistics tell us that in 2025, over 376 billon emails will have been sent to people all over the world. 90 percent of users in the United States "/>
           <p:cNvSpPr txBox="1">
             <a:spLocks noGrp="1"/>
           </p:cNvSpPr>
@@ -4766,16 +4830,16 @@
         <p:txBody>
           <a:bodyPr/>
           <a:lstStyle>
-            <a:lvl1pPr marL="518160" indent="-518160" defTabSz="2072588">
+            <a:lvl1pPr marL="548639" indent="-548639" defTabSz="2194505">
               <a:spcBef>
-                <a:spcPts val="3800"/>
+                <a:spcPts val="4000"/>
               </a:spcBef>
-              <a:defRPr sz="4080"/>
+              <a:defRPr sz="4319"/>
             </a:lvl1pPr>
           </a:lstStyle>
           <a:p>
             <a:r>
-              <a:t>Majority of every person in the world has at least an email set up in their name, around 85% of the world. Statistics tell that in 2025, over 376 billon emails will have been sent to people all over the world. 90 percent of users in the United States are on Google Mail, showing over 130 million people on the site. Aol, another company that provides help for people send emails to other people around the world. During its peak, AOL had the most people using the service. People use these email providers in their every day life, between work, school, social life, social media and games through their devices found in their homes on a day to day activity. Email usage will continue to rise, having over a billion users in 2025.</a:t>
+              <a:t>Majority of every person in the world has at least an email set up in their name, around 85% of the world. Statistics tell us that in 2025, over 376 billon emails will have been sent to people all over the world. 90 percent of users in the United States are on Google Mail, showing over 130 million people on the site. AOL is another company that provides help for people sending emails to other people around the world. During its peak, AOL had the most people using the service. People use these email providers in their everyday life and email usage is expected to continue to rise, having over a billion users in 2025.</a:t>
             </a:r>
           </a:p>
         </p:txBody>
@@ -4835,7 +4899,7 @@
       </p:grpSpPr>
       <p:sp>
         <p:nvSpPr>
-          <p:cNvPr id="158" name="Aol"/>
+          <p:cNvPr id="158" name="AOL"/>
           <p:cNvSpPr txBox="1">
             <a:spLocks noGrp="1"/>
           </p:cNvSpPr>
@@ -4853,14 +4917,14 @@
           <a:lstStyle/>
           <a:p>
             <a:r>
-              <a:t>Aol</a:t>
+              <a:t>AOL</a:t>
             </a:r>
           </a:p>
         </p:txBody>
       </p:sp>
       <p:sp>
         <p:nvSpPr>
-          <p:cNvPr id="159" name="As of 1993, the American Online (AOL) and Delphi started using email services. In 1996, around 5 million people had subscribed to the service. At the services peak four years later, 23 million people joined aol’s services. After years, when google, yahoo"/>
+          <p:cNvPr id="159" name="•In 1993, American Online (AOL) and Delphi started using email services. In 1996, around 5 million people had subscribed to the service. At the services peak four years later, 23 million people joined AOL’s services. In subsequent years, when Google, Yah"/>
           <p:cNvSpPr txBox="1">
             <a:spLocks noGrp="1"/>
           </p:cNvSpPr>
@@ -4870,8 +4934,8 @@
         </p:nvSpPr>
         <p:spPr>
           <a:xfrm>
-            <a:off x="12712389" y="3792017"/>
-            <a:ext cx="11574881" cy="8256012"/>
+            <a:off x="13758531" y="1835625"/>
+            <a:ext cx="10625470" cy="10349287"/>
           </a:xfrm>
           <a:prstGeom prst="rect">
             <a:avLst/>
@@ -4879,21 +4943,33 @@
         </p:spPr>
         <p:txBody>
           <a:bodyPr>
-            <a:normAutofit lnSpcReduction="10000"/>
+            <a:normAutofit fontScale="77500" lnSpcReduction="20000"/>
           </a:bodyPr>
           <a:lstStyle/>
           <a:p>
+            <a:pPr marL="0" indent="0" defTabSz="347472">
+              <a:lnSpc>
+                <a:spcPts val="8000"/>
+              </a:lnSpc>
+              <a:spcBef>
+                <a:spcPts val="0"/>
+              </a:spcBef>
+              <a:buSzTx/>
+              <a:buNone/>
+              <a:defRPr sz="4864"/>
+            </a:pPr>
             <a:r>
-              <a:rPr dirty="0"/>
-              <a:t>As of 1993, the American Online (AOL) and Delphi started using email services. In 1996, around 5 million people had subscribed to the service. At the services peak four years later, 23 million people joined </a:t>
-            </a:r>
-            <a:r>
-              <a:rPr lang="en-US" dirty="0"/>
-              <a:t>AOL’s</a:t>
+              <a:rPr sz="5982" dirty="0">
+                <a:latin typeface="Times Roman"/>
+                <a:ea typeface="Times Roman"/>
+                <a:cs typeface="Times Roman"/>
+                <a:sym typeface="Times Roman"/>
+              </a:rPr>
+              <a:t>•</a:t>
             </a:r>
             <a:r>
               <a:rPr dirty="0"/>
-              <a:t> services. After years, when google, yahoo, and other services were adding onto email, the amount of people joining decreased. When 2012 came around, the service had around 3.5 million people while 9 years later, it dwindled to 1.5 million people.</a:t>
+              <a:t>In 1993, American Online (AOL) and Delphi started using email services. In 1996, around 5 million people had subscribed to the service. At the services peak four years later, 23 million people joined AOL’s services. In subsequent years, when Google, Yahoo, and other services became available, the amount of people joining AOL decreased. In 2012, the service had around 3.5 million people and 9 years later, it had dwindled down to 1.5 million people.</a:t>
             </a:r>
           </a:p>
         </p:txBody>
@@ -4905,14 +4981,14 @@
           <p:nvPr>
             <p:extLst>
               <p:ext uri="{D42A27DB-BD31-4B8C-83A1-F6EECF244321}">
-                <p14:modId xmlns:p14="http://schemas.microsoft.com/office/powerpoint/2010/main" val="4217267339"/>
+                <p14:modId xmlns:p14="http://schemas.microsoft.com/office/powerpoint/2010/main" val="906631638"/>
               </p:ext>
             </p:extLst>
           </p:nvPr>
         </p:nvGraphicFramePr>
         <p:xfrm>
-          <a:off x="96729" y="4703012"/>
-          <a:ext cx="11849406" cy="7759747"/>
+          <a:off x="-253586" y="4680710"/>
+          <a:ext cx="13629344" cy="8392436"/>
         </p:xfrm>
         <a:graphic>
           <a:graphicData uri="http://schemas.openxmlformats.org/drawingml/2006/chart">
@@ -4973,7 +5049,7 @@
       </p:sp>
       <p:sp>
         <p:nvSpPr>
-          <p:cNvPr id="163" name="Google, one of the worlds used search engines, came out in 1998. Six years later, google introduced gmail to the world. Gmail is used at the forefront of everything when logging into apps. Most apps ask which email they use, having gmail on the lists app"/>
+          <p:cNvPr id="163" name="•Google, one of the worlds most used search engines, came out in 1998. Six years later, google introduced Gmail to the world. Gmail is used at the forefront of everything when logging into apps. In 2015, Gmail users reached 900 million people, growing to"/>
           <p:cNvSpPr txBox="1">
             <a:spLocks noGrp="1"/>
           </p:cNvSpPr>
@@ -4983,7 +5059,7 @@
         </p:nvSpPr>
         <p:spPr>
           <a:xfrm>
-            <a:off x="14094797" y="4248504"/>
+            <a:off x="14094798" y="4248504"/>
             <a:ext cx="9082703" cy="8256012"/>
           </a:xfrm>
           <a:prstGeom prst="rect">
@@ -4992,17 +5068,30 @@
         </p:spPr>
         <p:txBody>
           <a:bodyPr/>
-          <a:lstStyle>
-            <a:lvl1pPr marL="505968" indent="-505968" defTabSz="2023821">
+          <a:lstStyle/>
+          <a:p>
+            <a:pPr marL="0" indent="0" defTabSz="306324">
+              <a:lnSpc>
+                <a:spcPts val="7000"/>
+              </a:lnSpc>
               <a:spcBef>
-                <a:spcPts val="3700"/>
+                <a:spcPts val="0"/>
               </a:spcBef>
-              <a:defRPr sz="3984"/>
-            </a:lvl1pPr>
-          </a:lstStyle>
-          <a:p>
+              <a:buSzTx/>
+              <a:buNone/>
+              <a:defRPr sz="4288"/>
+            </a:pPr>
             <a:r>
-              <a:t>Google, one of the worlds used search engines, came out in 1998. Six years later, google introduced gmail to the world. Gmail is used at the forefront of everything when logging into apps. Most apps ask which email they use, having gmail on the lists apps and websites make. In 2015, gmail users reached 900 million people, growing to 1 billion people in 2016. Two years later, it reached over 1.8 billion users. Gmail grew over the years, being one of the most used email services of all time.</a:t>
+              <a:rPr sz="5274">
+                <a:latin typeface="Times Roman"/>
+                <a:ea typeface="Times Roman"/>
+                <a:cs typeface="Times Roman"/>
+                <a:sym typeface="Times Roman"/>
+              </a:rPr>
+              <a:t>•</a:t>
+            </a:r>
+            <a:r>
+              <a:t>Google, one of the worlds most used search engines, came out in 1998. Six years later, google introduced Gmail to the world. Gmail is used at the forefront of everything when logging into apps. In 2015, Gmail users reached 900 million people, growing to 1 billion people in 2016. Two years later, it reached over 1.8 billion users. Gmail grew over the years, being one of the most used email services of all time.</a:t>
             </a:r>
           </a:p>
         </p:txBody>
@@ -5011,17 +5100,11 @@
         <p:nvGraphicFramePr>
           <p:cNvPr id="164" name="2D Stacked Bar Chart"/>
           <p:cNvGraphicFramePr/>
-          <p:nvPr>
-            <p:extLst>
-              <p:ext uri="{D42A27DB-BD31-4B8C-83A1-F6EECF244321}">
-                <p14:modId xmlns:p14="http://schemas.microsoft.com/office/powerpoint/2010/main" val="2635293882"/>
-              </p:ext>
-            </p:extLst>
-          </p:nvPr>
+          <p:nvPr/>
         </p:nvGraphicFramePr>
         <p:xfrm>
-          <a:off x="1206500" y="4047782"/>
-          <a:ext cx="11633507" cy="7759747"/>
+          <a:off x="-202396" y="4186013"/>
+          <a:ext cx="11633506" cy="8628966"/>
         </p:xfrm>
         <a:graphic>
           <a:graphicData uri="http://schemas.openxmlformats.org/drawingml/2006/chart">
@@ -5082,7 +5165,7 @@
       </p:sp>
       <p:sp>
         <p:nvSpPr>
-          <p:cNvPr id="167" name="Did you know there is an article published that tells how a how a person is educated by which email provider is used? The article, “Where are you @? What your email says about your education” by Carolyn Morris talks about how people use either gmail or a"/>
+          <p:cNvPr id="167" name="•Did you know there is an article published that tells how a person is educated by which email provider they use? The article, “Where are you @? What your email says about your education” by Carolyn Morris talks about how people use either Gmail or AOL a"/>
           <p:cNvSpPr txBox="1">
             <a:spLocks noGrp="1"/>
           </p:cNvSpPr>
@@ -5099,8 +5182,28 @@
           <a:bodyPr/>
           <a:lstStyle/>
           <a:p>
+            <a:pPr marL="0" indent="0" defTabSz="370331">
+              <a:lnSpc>
+                <a:spcPts val="8500"/>
+              </a:lnSpc>
+              <a:spcBef>
+                <a:spcPts val="0"/>
+              </a:spcBef>
+              <a:buSzTx/>
+              <a:buNone/>
+              <a:defRPr sz="5184"/>
+            </a:pPr>
             <a:r>
-              <a:t>Did you know there is an article published that tells how a how a person is educated by which email provider is used? The article, “Where are you @? What your email says about your education” by Carolyn Morris talks about how people use either gmail or aol shows how the use of which provider a person uses. Email is used by a lot of generations. Morris tells that “there are approximately 900 million Gmail users” in the world, which half of them were first opened in the last three years from 2021. From a percent, 60 percent of gmail users use Gmail and have either a high school or Associates degree, while 75 percent have a bachelor’s and 80 percent are from a graduate or professional degrees. Nonetheless, people that are older than 55 use AOL account, saying that these people are the most educated.</a:t>
+              <a:rPr sz="6376">
+                <a:latin typeface="Times Roman"/>
+                <a:ea typeface="Times Roman"/>
+                <a:cs typeface="Times Roman"/>
+                <a:sym typeface="Times Roman"/>
+              </a:rPr>
+              <a:t>•</a:t>
+            </a:r>
+            <a:r>
+              <a:t>Did you know there is an article published that tells how a person is educated by which email provider they use? The article, “Where are you @? What your email says about your education” by Carolyn Morris talks about how people use either Gmail or AOL and shows how the person uses which provider. Email is used by a lot of generations. Morris tells that “there are approximately 900 million Gmail users” in the world, which half of them were first opened in the last three years from 2021. 60 percent of Gmail users have either a high school or Associates degree, while 75 percent have a bachelor’s and 80 percent have graduate or professional degrees. Nonetheless, people that are older than 55 use AOL.</a:t>
             </a:r>
           </a:p>
         </p:txBody>

--- a/Email Usage.pptx
+++ b/Email Usage.pptx
@@ -315,6 +315,11 @@
       </a:defRPr>
     </a:lvl9pPr>
   </p:defaultTextStyle>
+  <p:extLst>
+    <p:ext uri="{EFAFB233-063F-42B5-8137-9DF3F51BA10A}">
+      <p15:sldGuideLst xmlns:p15="http://schemas.microsoft.com/office/powerpoint/2012/main"/>
+    </p:ext>
+  </p:extLst>
 </p:presentation>
 </file>
 
@@ -763,7 +768,7 @@
                   </a:defRPr>
                 </a:pPr>
                 <a:r>
-                  <a:rPr sz="3400" b="0" i="0" u="none" strike="noStrike">
+                  <a:rPr lang="en-US" sz="3400" b="0" i="0" u="none" strike="noStrike">
                     <a:solidFill>
                       <a:srgbClr val="000000"/>
                     </a:solidFill>
@@ -844,7 +849,7 @@
                   </a:defRPr>
                 </a:pPr>
                 <a:r>
-                  <a:rPr sz="3400" b="0" i="0" u="none" strike="noStrike">
+                  <a:rPr lang="en-US" sz="3400" b="0" i="0" u="none" strike="noStrike">
                     <a:solidFill>
                       <a:srgbClr val="000000"/>
                     </a:solidFill>
@@ -3810,7 +3815,7 @@
           </a:ln>
           <a:extLst>
             <a:ext uri="{C572A759-6A51-4108-AA02-DFA0A04FC94B}">
-              <ma14:wrappingTextBoxFlag xmlns:ma14="http://schemas.microsoft.com/office/mac/drawingml/2011/main" xmlns:a14="http://schemas.microsoft.com/office/drawing/2010/main" xmlns:m="http://schemas.openxmlformats.org/officeDocument/2006/math" xmlns="" val="1"/>
+              <ma14:wrappingTextBoxFlag xmlns="" xmlns:m="http://schemas.openxmlformats.org/officeDocument/2006/math" xmlns:a14="http://schemas.microsoft.com/office/drawing/2010/main" xmlns:ma14="http://schemas.microsoft.com/office/mac/drawingml/2011/main" val="1"/>
             </a:ext>
           </a:extLst>
         </p:spPr>
@@ -3849,7 +3854,7 @@
           </a:ln>
           <a:extLst>
             <a:ext uri="{C572A759-6A51-4108-AA02-DFA0A04FC94B}">
-              <ma14:wrappingTextBoxFlag xmlns:ma14="http://schemas.microsoft.com/office/mac/drawingml/2011/main" xmlns:a14="http://schemas.microsoft.com/office/drawing/2010/main" xmlns:m="http://schemas.openxmlformats.org/officeDocument/2006/math" xmlns="" val="1"/>
+              <ma14:wrappingTextBoxFlag xmlns="" xmlns:m="http://schemas.openxmlformats.org/officeDocument/2006/math" xmlns:a14="http://schemas.microsoft.com/office/drawing/2010/main" xmlns:ma14="http://schemas.microsoft.com/office/mac/drawingml/2011/main" val="1"/>
             </a:ext>
           </a:extLst>
         </p:spPr>
@@ -4718,7 +4723,7 @@
           </a:prstGeom>
           <a:extLst>
             <a:ext uri="{C572A759-6A51-4108-AA02-DFA0A04FC94B}">
-              <ma14:wrappingTextBoxFlag xmlns:ma14="http://schemas.microsoft.com/office/mac/drawingml/2011/main" xmlns:a14="http://schemas.microsoft.com/office/drawing/2010/main" xmlns:m="http://schemas.openxmlformats.org/officeDocument/2006/math" xmlns="" val="1"/>
+              <ma14:wrappingTextBoxFlag xmlns="" xmlns:m="http://schemas.openxmlformats.org/officeDocument/2006/math" xmlns:a14="http://schemas.microsoft.com/office/drawing/2010/main" xmlns:ma14="http://schemas.microsoft.com/office/mac/drawingml/2011/main" val="1"/>
             </a:ext>
           </a:extLst>
         </p:spPr>
@@ -4839,7 +4844,16 @@
           </a:lstStyle>
           <a:p>
             <a:r>
-              <a:t>Majority of every person in the world has at least an email set up in their name, around 85% of the world. Statistics tell us that in 2025, over 376 billon emails will have been sent to people all over the world. 90 percent of users in the United States are on Google Mail, showing over 130 million people on the site. AOL is another company that provides help for people sending emails to other people around the world. During its peak, AOL had the most people using the service. People use these email providers in their everyday life and email usage is expected to continue to rise, having over a billion users in 2025.</a:t>
+              <a:rPr dirty="0"/>
+              <a:t>Majority of every person in the world has at least an email set up in their name, around 85% of the world. Statistics tell us that in 2025, over 376 bill</a:t>
+            </a:r>
+            <a:r>
+              <a:rPr lang="en-US" dirty="0"/>
+              <a:t>i</a:t>
+            </a:r>
+            <a:r>
+              <a:rPr dirty="0"/>
+              <a:t>on emails will have been sent to people all over the world. 90 percent of users in the United States are on Google Mail, showing over 130 million people on the site. AOL is another company that provides help for people sending emails to other people around the world. During its peak, AOL had the most people using the service. People use these email providers in their everyday life and email usage is expected to continue to rise, having over a billion users in 2025.</a:t>
             </a:r>
           </a:p>
         </p:txBody>
@@ -5059,15 +5073,17 @@
         </p:nvSpPr>
         <p:spPr>
           <a:xfrm>
-            <a:off x="14094798" y="4248504"/>
-            <a:ext cx="9082703" cy="8256012"/>
+            <a:off x="14094797" y="2729994"/>
+            <a:ext cx="9082703" cy="9157206"/>
           </a:xfrm>
           <a:prstGeom prst="rect">
             <a:avLst/>
           </a:prstGeom>
         </p:spPr>
         <p:txBody>
-          <a:bodyPr/>
+          <a:bodyPr>
+            <a:normAutofit fontScale="85000" lnSpcReduction="10000"/>
+          </a:bodyPr>
           <a:lstStyle/>
           <a:p>
             <a:pPr marL="0" indent="0" defTabSz="306324">
@@ -5082,7 +5098,7 @@
               <a:defRPr sz="4288"/>
             </a:pPr>
             <a:r>
-              <a:rPr sz="5274">
+              <a:rPr sz="5274" dirty="0">
                 <a:latin typeface="Times Roman"/>
                 <a:ea typeface="Times Roman"/>
                 <a:cs typeface="Times Roman"/>
@@ -5091,7 +5107,16 @@
               <a:t>•</a:t>
             </a:r>
             <a:r>
-              <a:t>Google, one of the worlds most used search engines, came out in 1998. Six years later, google introduced Gmail to the world. Gmail is used at the forefront of everything when logging into apps. In 2015, Gmail users reached 900 million people, growing to 1 billion people in 2016. Two years later, it reached over 1.8 billion users. Gmail grew over the years, being one of the most used email services of all time.</a:t>
+              <a:rPr dirty="0"/>
+              <a:t>Google, one of the worlds most used search engines, came out in 1998. Six years later, </a:t>
+            </a:r>
+            <a:r>
+              <a:rPr lang="en-US" dirty="0"/>
+              <a:t>Google</a:t>
+            </a:r>
+            <a:r>
+              <a:rPr dirty="0"/>
+              <a:t> introduced Gmail to the world. Gmail is used at the forefront of everything when logging into apps. In 2015, Gmail users reached 900 million people, growing to 1 billion people in 2016. Two years later, it reached over 1.8 billion users. Gmail grew over the years, being one of the most used email services of all time.</a:t>
             </a:r>
           </a:p>
         </p:txBody>
@@ -5100,11 +5125,17 @@
         <p:nvGraphicFramePr>
           <p:cNvPr id="164" name="2D Stacked Bar Chart"/>
           <p:cNvGraphicFramePr/>
-          <p:nvPr/>
+          <p:nvPr>
+            <p:extLst>
+              <p:ext uri="{D42A27DB-BD31-4B8C-83A1-F6EECF244321}">
+                <p14:modId xmlns:p14="http://schemas.microsoft.com/office/powerpoint/2010/main" val="1690431595"/>
+              </p:ext>
+            </p:extLst>
+          </p:nvPr>
         </p:nvGraphicFramePr>
         <p:xfrm>
-          <a:off x="-202396" y="4186013"/>
-          <a:ext cx="11633506" cy="8628966"/>
+          <a:off x="201641" y="4134534"/>
+          <a:ext cx="12770080" cy="8628966"/>
         </p:xfrm>
         <a:graphic>
           <a:graphicData uri="http://schemas.openxmlformats.org/drawingml/2006/chart">
@@ -5174,12 +5205,18 @@
           </p:nvPr>
         </p:nvSpPr>
         <p:spPr>
+          <a:xfrm>
+            <a:off x="1206500" y="2993862"/>
+            <a:ext cx="21971000" cy="8256012"/>
+          </a:xfrm>
           <a:prstGeom prst="rect">
             <a:avLst/>
           </a:prstGeom>
         </p:spPr>
         <p:txBody>
-          <a:bodyPr/>
+          <a:bodyPr>
+            <a:normAutofit fontScale="70000" lnSpcReduction="20000"/>
+          </a:bodyPr>
           <a:lstStyle/>
           <a:p>
             <a:pPr marL="0" indent="0" defTabSz="370331">
@@ -5194,7 +5231,7 @@
               <a:defRPr sz="5184"/>
             </a:pPr>
             <a:r>
-              <a:rPr sz="6376">
+              <a:rPr sz="6376" dirty="0">
                 <a:latin typeface="Times Roman"/>
                 <a:ea typeface="Times Roman"/>
                 <a:cs typeface="Times Roman"/>
@@ -5203,7 +5240,24 @@
               <a:t>•</a:t>
             </a:r>
             <a:r>
-              <a:t>Did you know there is an article published that tells how a person is educated by which email provider they use? The article, “Where are you @? What your email says about your education” by Carolyn Morris talks about how people use either Gmail or AOL and shows how the person uses which provider. Email is used by a lot of generations. Morris tells that “there are approximately 900 million Gmail users” in the world, which half of them were first opened in the last three years from 2021. 60 percent of Gmail users have either a high school or Associates degree, while 75 percent have a bachelor’s and 80 percent have graduate or professional degrees. Nonetheless, people that are older than 55 use AOL.</a:t>
+              <a:rPr dirty="0"/>
+              <a:t>Did you know there is an article published that tells how a person is educated by which email provider they use? The article, “Where are you @? What your email says about your education” by Carolyn Morris talks about how people use either Gmail or AOL and shows how the person uses which provider. Email is used by a lot of generations. Morris tells that “there are approximately 900 million Gmail users” in the world, which half of them were first opened in the last three years from 2021. 60 percent of Gmail users have either a high school or Associates degree, while 75 percent have a </a:t>
+            </a:r>
+            <a:r>
+              <a:rPr lang="en-US" dirty="0"/>
+              <a:t>B</a:t>
+            </a:r>
+            <a:r>
+              <a:rPr dirty="0"/>
+              <a:t>achelor’s and 80 percent have graduate or professional degrees. Nonetheless, people that are older than 55 </a:t>
+            </a:r>
+            <a:r>
+              <a:rPr lang="en-US" dirty="0"/>
+              <a:t>still use</a:t>
+            </a:r>
+            <a:r>
+              <a:rPr dirty="0"/>
+              <a:t> AOL.</a:t>
             </a:r>
           </a:p>
         </p:txBody>
